--- a/slides/01-PythonInheritance.pptx
+++ b/slides/01-PythonInheritance.pptx
@@ -5,30 +5,29 @@
     <p:sldMasterId id="2147483696" r:id="rId1"/>
   </p:sldMasterIdLst>
   <p:notesMasterIdLst>
-    <p:notesMasterId r:id="rId23"/>
+    <p:notesMasterId r:id="rId22"/>
   </p:notesMasterIdLst>
   <p:sldIdLst>
     <p:sldId id="256" r:id="rId2"/>
-    <p:sldId id="257" r:id="rId3"/>
-    <p:sldId id="258" r:id="rId4"/>
-    <p:sldId id="259" r:id="rId5"/>
-    <p:sldId id="260" r:id="rId6"/>
-    <p:sldId id="261" r:id="rId7"/>
-    <p:sldId id="262" r:id="rId8"/>
-    <p:sldId id="263" r:id="rId9"/>
-    <p:sldId id="264" r:id="rId10"/>
-    <p:sldId id="265" r:id="rId11"/>
-    <p:sldId id="269" r:id="rId12"/>
-    <p:sldId id="267" r:id="rId13"/>
-    <p:sldId id="266" r:id="rId14"/>
-    <p:sldId id="268" r:id="rId15"/>
-    <p:sldId id="270" r:id="rId16"/>
-    <p:sldId id="271" r:id="rId17"/>
-    <p:sldId id="272" r:id="rId18"/>
-    <p:sldId id="273" r:id="rId19"/>
-    <p:sldId id="274" r:id="rId20"/>
-    <p:sldId id="275" r:id="rId21"/>
-    <p:sldId id="276" r:id="rId22"/>
+    <p:sldId id="258" r:id="rId3"/>
+    <p:sldId id="277" r:id="rId4"/>
+    <p:sldId id="257" r:id="rId5"/>
+    <p:sldId id="259" r:id="rId6"/>
+    <p:sldId id="260" r:id="rId7"/>
+    <p:sldId id="278" r:id="rId8"/>
+    <p:sldId id="261" r:id="rId9"/>
+    <p:sldId id="262" r:id="rId10"/>
+    <p:sldId id="269" r:id="rId11"/>
+    <p:sldId id="267" r:id="rId12"/>
+    <p:sldId id="266" r:id="rId13"/>
+    <p:sldId id="268" r:id="rId14"/>
+    <p:sldId id="270" r:id="rId15"/>
+    <p:sldId id="271" r:id="rId16"/>
+    <p:sldId id="272" r:id="rId17"/>
+    <p:sldId id="273" r:id="rId18"/>
+    <p:sldId id="274" r:id="rId19"/>
+    <p:sldId id="275" r:id="rId20"/>
+    <p:sldId id="276" r:id="rId21"/>
   </p:sldIdLst>
   <p:sldSz cx="12192000" cy="6858000"/>
   <p:notesSz cx="6858000" cy="9144000"/>
@@ -217,7 +216,7 @@
           <a:p>
             <a:fld id="{27CEEA13-23F5-194B-B1CF-CF175090CBFA}" type="datetimeFigureOut">
               <a:rPr lang="en-US" smtClean="0"/>
-              <a:t>5/29/18</a:t>
+              <a:t>9/4/18</a:t>
             </a:fld>
             <a:endParaRPr lang="en-US"/>
           </a:p>
@@ -528,7 +527,18 @@
           <a:bodyPr/>
           <a:lstStyle/>
           <a:p>
-            <a:endParaRPr lang="en-US" dirty="0"/>
+            <a:r>
+              <a:rPr lang="en-US" dirty="0"/>
+              <a:t>Be more direct with the super() </a:t>
+            </a:r>
+            <a:r>
+              <a:rPr lang="en-US" dirty="0" err="1"/>
+              <a:t>forshadowing</a:t>
+            </a:r>
+            <a:r>
+              <a:rPr lang="en-US" dirty="0"/>
+              <a:t>. Mention that directly referencing superclass is discouraged... just use super.</a:t>
+            </a:r>
           </a:p>
         </p:txBody>
       </p:sp>
@@ -549,7 +559,7 @@
           <a:p>
             <a:fld id="{0C5BEA7A-9985-FC4B-8FD1-DB34CC2B0DE4}" type="slidenum">
               <a:rPr lang="en-US" smtClean="0"/>
-              <a:t>5</a:t>
+              <a:t>6</a:t>
             </a:fld>
             <a:endParaRPr lang="en-US"/>
           </a:p>
@@ -559,6 +569,479 @@
     <p:extLst>
       <p:ext uri="{BB962C8B-B14F-4D97-AF65-F5344CB8AC3E}">
         <p14:creationId xmlns:p14="http://schemas.microsoft.com/office/powerpoint/2010/main" val="816527142"/>
+      </p:ext>
+    </p:extLst>
+  </p:cSld>
+  <p:clrMapOvr>
+    <a:masterClrMapping/>
+  </p:clrMapOvr>
+</p:notes>
+</file>
+
+<file path=ppt/notesSlides/notesSlide2.xml><?xml version="1.0" encoding="utf-8"?>
+<p:notes xmlns:a="http://schemas.openxmlformats.org/drawingml/2006/main" xmlns:r="http://schemas.openxmlformats.org/officeDocument/2006/relationships" xmlns:p="http://schemas.openxmlformats.org/presentationml/2006/main">
+  <p:cSld>
+    <p:spTree>
+      <p:nvGrpSpPr>
+        <p:cNvPr id="1" name=""/>
+        <p:cNvGrpSpPr/>
+        <p:nvPr/>
+      </p:nvGrpSpPr>
+      <p:grpSpPr>
+        <a:xfrm>
+          <a:off x="0" y="0"/>
+          <a:ext cx="0" cy="0"/>
+          <a:chOff x="0" y="0"/>
+          <a:chExt cx="0" cy="0"/>
+        </a:xfrm>
+      </p:grpSpPr>
+      <p:sp>
+        <p:nvSpPr>
+          <p:cNvPr id="2" name="Slide Image Placeholder 1"/>
+          <p:cNvSpPr>
+            <a:spLocks noGrp="1" noRot="1" noChangeAspect="1"/>
+          </p:cNvSpPr>
+          <p:nvPr>
+            <p:ph type="sldImg"/>
+          </p:nvPr>
+        </p:nvSpPr>
+        <p:spPr/>
+      </p:sp>
+      <p:sp>
+        <p:nvSpPr>
+          <p:cNvPr id="3" name="Notes Placeholder 2"/>
+          <p:cNvSpPr>
+            <a:spLocks noGrp="1"/>
+          </p:cNvSpPr>
+          <p:nvPr>
+            <p:ph type="body" idx="1"/>
+          </p:nvPr>
+        </p:nvSpPr>
+        <p:spPr/>
+        <p:txBody>
+          <a:bodyPr/>
+          <a:lstStyle/>
+          <a:p>
+            <a:r>
+              <a:rPr lang="en-US" dirty="0"/>
+              <a:t>add slide with </a:t>
+            </a:r>
+            <a:r>
+              <a:rPr lang="en-US" dirty="0" err="1"/>
+              <a:t>digram</a:t>
+            </a:r>
+            <a:r>
+              <a:rPr lang="en-US" dirty="0"/>
+              <a:t> before</a:t>
+            </a:r>
+          </a:p>
+          <a:p>
+            <a:r>
+              <a:rPr lang="en-US" dirty="0"/>
+              <a:t>add explanation/arrow for why "bases." Color the A. "List of parents"</a:t>
+            </a:r>
+          </a:p>
+          <a:p>
+            <a:r>
+              <a:rPr lang="en-US" dirty="0"/>
+              <a:t>highlight part of diagram that us </a:t>
+            </a:r>
+            <a:r>
+              <a:rPr lang="en-US" dirty="0" err="1"/>
+              <a:t>relevent</a:t>
+            </a:r>
+            <a:endParaRPr lang="en-US" dirty="0"/>
+          </a:p>
+        </p:txBody>
+      </p:sp>
+      <p:sp>
+        <p:nvSpPr>
+          <p:cNvPr id="4" name="Slide Number Placeholder 3"/>
+          <p:cNvSpPr>
+            <a:spLocks noGrp="1"/>
+          </p:cNvSpPr>
+          <p:nvPr>
+            <p:ph type="sldNum" sz="quarter" idx="10"/>
+          </p:nvPr>
+        </p:nvSpPr>
+        <p:spPr/>
+        <p:txBody>
+          <a:bodyPr/>
+          <a:lstStyle/>
+          <a:p>
+            <a:fld id="{0C5BEA7A-9985-FC4B-8FD1-DB34CC2B0DE4}" type="slidenum">
+              <a:rPr lang="en-US" smtClean="0"/>
+              <a:t>8</a:t>
+            </a:fld>
+            <a:endParaRPr lang="en-US"/>
+          </a:p>
+        </p:txBody>
+      </p:sp>
+    </p:spTree>
+    <p:extLst>
+      <p:ext uri="{BB962C8B-B14F-4D97-AF65-F5344CB8AC3E}">
+        <p14:creationId xmlns:p14="http://schemas.microsoft.com/office/powerpoint/2010/main" val="2557015845"/>
+      </p:ext>
+    </p:extLst>
+  </p:cSld>
+  <p:clrMapOvr>
+    <a:masterClrMapping/>
+  </p:clrMapOvr>
+</p:notes>
+</file>
+
+<file path=ppt/notesSlides/notesSlide3.xml><?xml version="1.0" encoding="utf-8"?>
+<p:notes xmlns:a="http://schemas.openxmlformats.org/drawingml/2006/main" xmlns:r="http://schemas.openxmlformats.org/officeDocument/2006/relationships" xmlns:p="http://schemas.openxmlformats.org/presentationml/2006/main">
+  <p:cSld>
+    <p:spTree>
+      <p:nvGrpSpPr>
+        <p:cNvPr id="1" name=""/>
+        <p:cNvGrpSpPr/>
+        <p:nvPr/>
+      </p:nvGrpSpPr>
+      <p:grpSpPr>
+        <a:xfrm>
+          <a:off x="0" y="0"/>
+          <a:ext cx="0" cy="0"/>
+          <a:chOff x="0" y="0"/>
+          <a:chExt cx="0" cy="0"/>
+        </a:xfrm>
+      </p:grpSpPr>
+      <p:sp>
+        <p:nvSpPr>
+          <p:cNvPr id="2" name="Slide Image Placeholder 1"/>
+          <p:cNvSpPr>
+            <a:spLocks noGrp="1" noRot="1" noChangeAspect="1"/>
+          </p:cNvSpPr>
+          <p:nvPr>
+            <p:ph type="sldImg"/>
+          </p:nvPr>
+        </p:nvSpPr>
+        <p:spPr/>
+      </p:sp>
+      <p:sp>
+        <p:nvSpPr>
+          <p:cNvPr id="3" name="Notes Placeholder 2"/>
+          <p:cNvSpPr>
+            <a:spLocks noGrp="1"/>
+          </p:cNvSpPr>
+          <p:nvPr>
+            <p:ph type="body" idx="1"/>
+          </p:nvPr>
+        </p:nvSpPr>
+        <p:spPr/>
+        <p:txBody>
+          <a:bodyPr/>
+          <a:lstStyle/>
+          <a:p>
+            <a:r>
+              <a:rPr lang="en-US" dirty="0"/>
+              <a:t>Subclass some other </a:t>
+            </a:r>
+            <a:r>
+              <a:rPr lang="en-US" dirty="0" err="1"/>
+              <a:t>builting</a:t>
+            </a:r>
+            <a:endParaRPr lang="en-US" dirty="0"/>
+          </a:p>
+        </p:txBody>
+      </p:sp>
+      <p:sp>
+        <p:nvSpPr>
+          <p:cNvPr id="4" name="Slide Number Placeholder 3"/>
+          <p:cNvSpPr>
+            <a:spLocks noGrp="1"/>
+          </p:cNvSpPr>
+          <p:nvPr>
+            <p:ph type="sldNum" sz="quarter" idx="10"/>
+          </p:nvPr>
+        </p:nvSpPr>
+        <p:spPr/>
+        <p:txBody>
+          <a:bodyPr/>
+          <a:lstStyle/>
+          <a:p>
+            <a:fld id="{0C5BEA7A-9985-FC4B-8FD1-DB34CC2B0DE4}" type="slidenum">
+              <a:rPr lang="en-US" smtClean="0"/>
+              <a:t>9</a:t>
+            </a:fld>
+            <a:endParaRPr lang="en-US"/>
+          </a:p>
+        </p:txBody>
+      </p:sp>
+    </p:spTree>
+    <p:extLst>
+      <p:ext uri="{BB962C8B-B14F-4D97-AF65-F5344CB8AC3E}">
+        <p14:creationId xmlns:p14="http://schemas.microsoft.com/office/powerpoint/2010/main" val="3319659166"/>
+      </p:ext>
+    </p:extLst>
+  </p:cSld>
+  <p:clrMapOvr>
+    <a:masterClrMapping/>
+  </p:clrMapOvr>
+</p:notes>
+</file>
+
+<file path=ppt/notesSlides/notesSlide4.xml><?xml version="1.0" encoding="utf-8"?>
+<p:notes xmlns:a="http://schemas.openxmlformats.org/drawingml/2006/main" xmlns:r="http://schemas.openxmlformats.org/officeDocument/2006/relationships" xmlns:p="http://schemas.openxmlformats.org/presentationml/2006/main">
+  <p:cSld>
+    <p:spTree>
+      <p:nvGrpSpPr>
+        <p:cNvPr id="1" name=""/>
+        <p:cNvGrpSpPr/>
+        <p:nvPr/>
+      </p:nvGrpSpPr>
+      <p:grpSpPr>
+        <a:xfrm>
+          <a:off x="0" y="0"/>
+          <a:ext cx="0" cy="0"/>
+          <a:chOff x="0" y="0"/>
+          <a:chExt cx="0" cy="0"/>
+        </a:xfrm>
+      </p:grpSpPr>
+      <p:sp>
+        <p:nvSpPr>
+          <p:cNvPr id="2" name="Slide Image Placeholder 1"/>
+          <p:cNvSpPr>
+            <a:spLocks noGrp="1" noRot="1" noChangeAspect="1"/>
+          </p:cNvSpPr>
+          <p:nvPr>
+            <p:ph type="sldImg"/>
+          </p:nvPr>
+        </p:nvSpPr>
+        <p:spPr/>
+      </p:sp>
+      <p:sp>
+        <p:nvSpPr>
+          <p:cNvPr id="3" name="Notes Placeholder 2"/>
+          <p:cNvSpPr>
+            <a:spLocks noGrp="1"/>
+          </p:cNvSpPr>
+          <p:nvPr>
+            <p:ph type="body" idx="1"/>
+          </p:nvPr>
+        </p:nvSpPr>
+        <p:spPr/>
+        <p:txBody>
+          <a:bodyPr/>
+          <a:lstStyle/>
+          <a:p>
+            <a:r>
+              <a:rPr lang="en-US" dirty="0"/>
+              <a:t>typo on </a:t>
+            </a:r>
+            <a:r>
+              <a:rPr lang="en-US" dirty="0" err="1"/>
+              <a:t>superclassss</a:t>
+            </a:r>
+            <a:r>
+              <a:rPr lang="en-US" dirty="0"/>
+              <a:t> </a:t>
+            </a:r>
+          </a:p>
+        </p:txBody>
+      </p:sp>
+      <p:sp>
+        <p:nvSpPr>
+          <p:cNvPr id="4" name="Slide Number Placeholder 3"/>
+          <p:cNvSpPr>
+            <a:spLocks noGrp="1"/>
+          </p:cNvSpPr>
+          <p:nvPr>
+            <p:ph type="sldNum" sz="quarter" idx="10"/>
+          </p:nvPr>
+        </p:nvSpPr>
+        <p:spPr/>
+        <p:txBody>
+          <a:bodyPr/>
+          <a:lstStyle/>
+          <a:p>
+            <a:fld id="{0C5BEA7A-9985-FC4B-8FD1-DB34CC2B0DE4}" type="slidenum">
+              <a:rPr lang="en-US" smtClean="0"/>
+              <a:t>11</a:t>
+            </a:fld>
+            <a:endParaRPr lang="en-US"/>
+          </a:p>
+        </p:txBody>
+      </p:sp>
+    </p:spTree>
+    <p:extLst>
+      <p:ext uri="{BB962C8B-B14F-4D97-AF65-F5344CB8AC3E}">
+        <p14:creationId xmlns:p14="http://schemas.microsoft.com/office/powerpoint/2010/main" val="2366871350"/>
+      </p:ext>
+    </p:extLst>
+  </p:cSld>
+  <p:clrMapOvr>
+    <a:masterClrMapping/>
+  </p:clrMapOvr>
+</p:notes>
+</file>
+
+<file path=ppt/notesSlides/notesSlide5.xml><?xml version="1.0" encoding="utf-8"?>
+<p:notes xmlns:a="http://schemas.openxmlformats.org/drawingml/2006/main" xmlns:r="http://schemas.openxmlformats.org/officeDocument/2006/relationships" xmlns:p="http://schemas.openxmlformats.org/presentationml/2006/main">
+  <p:cSld>
+    <p:spTree>
+      <p:nvGrpSpPr>
+        <p:cNvPr id="1" name=""/>
+        <p:cNvGrpSpPr/>
+        <p:nvPr/>
+      </p:nvGrpSpPr>
+      <p:grpSpPr>
+        <a:xfrm>
+          <a:off x="0" y="0"/>
+          <a:ext cx="0" cy="0"/>
+          <a:chOff x="0" y="0"/>
+          <a:chExt cx="0" cy="0"/>
+        </a:xfrm>
+      </p:grpSpPr>
+      <p:sp>
+        <p:nvSpPr>
+          <p:cNvPr id="2" name="Slide Image Placeholder 1"/>
+          <p:cNvSpPr>
+            <a:spLocks noGrp="1" noRot="1" noChangeAspect="1"/>
+          </p:cNvSpPr>
+          <p:nvPr>
+            <p:ph type="sldImg"/>
+          </p:nvPr>
+        </p:nvSpPr>
+        <p:spPr/>
+      </p:sp>
+      <p:sp>
+        <p:nvSpPr>
+          <p:cNvPr id="3" name="Notes Placeholder 2"/>
+          <p:cNvSpPr>
+            <a:spLocks noGrp="1"/>
+          </p:cNvSpPr>
+          <p:nvPr>
+            <p:ph type="body" idx="1"/>
+          </p:nvPr>
+        </p:nvSpPr>
+        <p:spPr/>
+        <p:txBody>
+          <a:bodyPr/>
+          <a:lstStyle/>
+          <a:p>
+            <a:r>
+              <a:rPr lang="en-US" dirty="0"/>
+              <a:t>extra parentheses</a:t>
+            </a:r>
+          </a:p>
+        </p:txBody>
+      </p:sp>
+      <p:sp>
+        <p:nvSpPr>
+          <p:cNvPr id="4" name="Slide Number Placeholder 3"/>
+          <p:cNvSpPr>
+            <a:spLocks noGrp="1"/>
+          </p:cNvSpPr>
+          <p:nvPr>
+            <p:ph type="sldNum" sz="quarter" idx="10"/>
+          </p:nvPr>
+        </p:nvSpPr>
+        <p:spPr/>
+        <p:txBody>
+          <a:bodyPr/>
+          <a:lstStyle/>
+          <a:p>
+            <a:fld id="{0C5BEA7A-9985-FC4B-8FD1-DB34CC2B0DE4}" type="slidenum">
+              <a:rPr lang="en-US" smtClean="0"/>
+              <a:t>13</a:t>
+            </a:fld>
+            <a:endParaRPr lang="en-US"/>
+          </a:p>
+        </p:txBody>
+      </p:sp>
+    </p:spTree>
+    <p:extLst>
+      <p:ext uri="{BB962C8B-B14F-4D97-AF65-F5344CB8AC3E}">
+        <p14:creationId xmlns:p14="http://schemas.microsoft.com/office/powerpoint/2010/main" val="1812342347"/>
+      </p:ext>
+    </p:extLst>
+  </p:cSld>
+  <p:clrMapOvr>
+    <a:masterClrMapping/>
+  </p:clrMapOvr>
+</p:notes>
+</file>
+
+<file path=ppt/notesSlides/notesSlide6.xml><?xml version="1.0" encoding="utf-8"?>
+<p:notes xmlns:a="http://schemas.openxmlformats.org/drawingml/2006/main" xmlns:r="http://schemas.openxmlformats.org/officeDocument/2006/relationships" xmlns:p="http://schemas.openxmlformats.org/presentationml/2006/main">
+  <p:cSld>
+    <p:spTree>
+      <p:nvGrpSpPr>
+        <p:cNvPr id="1" name=""/>
+        <p:cNvGrpSpPr/>
+        <p:nvPr/>
+      </p:nvGrpSpPr>
+      <p:grpSpPr>
+        <a:xfrm>
+          <a:off x="0" y="0"/>
+          <a:ext cx="0" cy="0"/>
+          <a:chOff x="0" y="0"/>
+          <a:chExt cx="0" cy="0"/>
+        </a:xfrm>
+      </p:grpSpPr>
+      <p:sp>
+        <p:nvSpPr>
+          <p:cNvPr id="2" name="Slide Image Placeholder 1"/>
+          <p:cNvSpPr>
+            <a:spLocks noGrp="1" noRot="1" noChangeAspect="1"/>
+          </p:cNvSpPr>
+          <p:nvPr>
+            <p:ph type="sldImg"/>
+          </p:nvPr>
+        </p:nvSpPr>
+        <p:spPr/>
+      </p:sp>
+      <p:sp>
+        <p:nvSpPr>
+          <p:cNvPr id="3" name="Notes Placeholder 2"/>
+          <p:cNvSpPr>
+            <a:spLocks noGrp="1"/>
+          </p:cNvSpPr>
+          <p:nvPr>
+            <p:ph type="body" idx="1"/>
+          </p:nvPr>
+        </p:nvSpPr>
+        <p:spPr/>
+        <p:txBody>
+          <a:bodyPr/>
+          <a:lstStyle/>
+          <a:p>
+            <a:r>
+              <a:rPr lang="en-US" dirty="0"/>
+              <a:t>give up after A, B, D</a:t>
+            </a:r>
+          </a:p>
+        </p:txBody>
+      </p:sp>
+      <p:sp>
+        <p:nvSpPr>
+          <p:cNvPr id="4" name="Slide Number Placeholder 3"/>
+          <p:cNvSpPr>
+            <a:spLocks noGrp="1"/>
+          </p:cNvSpPr>
+          <p:nvPr>
+            <p:ph type="sldNum" sz="quarter" idx="10"/>
+          </p:nvPr>
+        </p:nvSpPr>
+        <p:spPr/>
+        <p:txBody>
+          <a:bodyPr/>
+          <a:lstStyle/>
+          <a:p>
+            <a:fld id="{0C5BEA7A-9985-FC4B-8FD1-DB34CC2B0DE4}" type="slidenum">
+              <a:rPr lang="en-US" smtClean="0"/>
+              <a:t>14</a:t>
+            </a:fld>
+            <a:endParaRPr lang="en-US"/>
+          </a:p>
+        </p:txBody>
+      </p:sp>
+    </p:spTree>
+    <p:extLst>
+      <p:ext uri="{BB962C8B-B14F-4D97-AF65-F5344CB8AC3E}">
+        <p14:creationId xmlns:p14="http://schemas.microsoft.com/office/powerpoint/2010/main" val="2978204857"/>
       </p:ext>
     </p:extLst>
   </p:cSld>
@@ -729,7 +1212,7 @@
           <a:p>
             <a:fld id="{2DD5D53E-635E-BD41-B5CC-A796D6DD661B}" type="datetimeFigureOut">
               <a:rPr lang="en-US" smtClean="0"/>
-              <a:t>5/29/18</a:t>
+              <a:t>9/4/18</a:t>
             </a:fld>
             <a:endParaRPr lang="en-US"/>
           </a:p>
@@ -1059,7 +1542,7 @@
           <a:p>
             <a:fld id="{2DD5D53E-635E-BD41-B5CC-A796D6DD661B}" type="datetimeFigureOut">
               <a:rPr lang="en-US" smtClean="0"/>
-              <a:t>5/29/18</a:t>
+              <a:t>9/4/18</a:t>
             </a:fld>
             <a:endParaRPr lang="en-US"/>
           </a:p>
@@ -1239,7 +1722,7 @@
           <a:p>
             <a:fld id="{2DD5D53E-635E-BD41-B5CC-A796D6DD661B}" type="datetimeFigureOut">
               <a:rPr lang="en-US" smtClean="0"/>
-              <a:t>5/29/18</a:t>
+              <a:t>9/4/18</a:t>
             </a:fld>
             <a:endParaRPr lang="en-US"/>
           </a:p>
@@ -1409,7 +1892,7 @@
           <a:p>
             <a:fld id="{2DD5D53E-635E-BD41-B5CC-A796D6DD661B}" type="datetimeFigureOut">
               <a:rPr lang="en-US" smtClean="0"/>
-              <a:t>5/29/18</a:t>
+              <a:t>9/4/18</a:t>
             </a:fld>
             <a:endParaRPr lang="en-US"/>
           </a:p>
@@ -1681,7 +2164,7 @@
           <a:p>
             <a:fld id="{2DD5D53E-635E-BD41-B5CC-A796D6DD661B}" type="datetimeFigureOut">
               <a:rPr lang="en-US" smtClean="0"/>
-              <a:t>5/29/18</a:t>
+              <a:t>9/4/18</a:t>
             </a:fld>
             <a:endParaRPr lang="en-US"/>
           </a:p>
@@ -2075,7 +2558,7 @@
           <a:p>
             <a:fld id="{2DD5D53E-635E-BD41-B5CC-A796D6DD661B}" type="datetimeFigureOut">
               <a:rPr lang="en-US" smtClean="0"/>
-              <a:t>5/29/18</a:t>
+              <a:t>9/4/18</a:t>
             </a:fld>
             <a:endParaRPr lang="en-US"/>
           </a:p>
@@ -2552,7 +3035,7 @@
           <a:p>
             <a:fld id="{2DD5D53E-635E-BD41-B5CC-A796D6DD661B}" type="datetimeFigureOut">
               <a:rPr lang="en-US" smtClean="0"/>
-              <a:t>5/29/18</a:t>
+              <a:t>9/4/18</a:t>
             </a:fld>
             <a:endParaRPr lang="en-US"/>
           </a:p>
@@ -2670,7 +3153,7 @@
           <a:p>
             <a:fld id="{2DD5D53E-635E-BD41-B5CC-A796D6DD661B}" type="datetimeFigureOut">
               <a:rPr lang="en-US" smtClean="0"/>
-              <a:t>5/29/18</a:t>
+              <a:t>9/4/18</a:t>
             </a:fld>
             <a:endParaRPr lang="en-US"/>
           </a:p>
@@ -2765,7 +3248,7 @@
           <a:p>
             <a:fld id="{2DD5D53E-635E-BD41-B5CC-A796D6DD661B}" type="datetimeFigureOut">
               <a:rPr lang="en-US" smtClean="0"/>
-              <a:t>5/29/18</a:t>
+              <a:t>9/4/18</a:t>
             </a:fld>
             <a:endParaRPr lang="en-US"/>
           </a:p>
@@ -3111,7 +3594,7 @@
           <a:p>
             <a:fld id="{2DD5D53E-635E-BD41-B5CC-A796D6DD661B}" type="datetimeFigureOut">
               <a:rPr lang="en-US" smtClean="0"/>
-              <a:t>5/29/18</a:t>
+              <a:t>9/4/18</a:t>
             </a:fld>
             <a:endParaRPr lang="en-US"/>
           </a:p>
@@ -3499,7 +3982,7 @@
           <a:p>
             <a:fld id="{2DD5D53E-635E-BD41-B5CC-A796D6DD661B}" type="datetimeFigureOut">
               <a:rPr lang="en-US" smtClean="0"/>
-              <a:t>5/29/18</a:t>
+              <a:t>9/4/18</a:t>
             </a:fld>
             <a:endParaRPr lang="en-US"/>
           </a:p>
@@ -3774,7 +4257,7 @@
           <a:p>
             <a:fld id="{2DD5D53E-635E-BD41-B5CC-A796D6DD661B}" type="datetimeFigureOut">
               <a:rPr lang="en-US" smtClean="0"/>
-              <a:t>5/29/18</a:t>
+              <a:t>9/4/18</a:t>
             </a:fld>
             <a:endParaRPr lang="en-US"/>
           </a:p>
@@ -4396,1411 +4879,6 @@
           <p:cNvPr id="2" name="Title 1">
             <a:extLst>
               <a:ext uri="{FF2B5EF4-FFF2-40B4-BE49-F238E27FC236}">
-                <a16:creationId xmlns:a16="http://schemas.microsoft.com/office/drawing/2014/main" id="{38A38EC1-BA6E-6B40-AE24-08BC22F00DBF}"/>
-              </a:ext>
-            </a:extLst>
-          </p:cNvPr>
-          <p:cNvSpPr>
-            <a:spLocks noGrp="1"/>
-          </p:cNvSpPr>
-          <p:nvPr>
-            <p:ph type="title"/>
-          </p:nvPr>
-        </p:nvSpPr>
-        <p:spPr>
-          <a:xfrm>
-            <a:off x="1264920" y="335280"/>
-            <a:ext cx="9601200" cy="1485900"/>
-          </a:xfrm>
-        </p:spPr>
-        <p:txBody>
-          <a:bodyPr/>
-          <a:lstStyle/>
-          <a:p>
-            <a:r>
-              <a:rPr lang="en-US" dirty="0" err="1"/>
-              <a:t>namedtuple</a:t>
-            </a:r>
-            <a:endParaRPr lang="en-US" dirty="0"/>
-          </a:p>
-        </p:txBody>
-      </p:sp>
-      <p:pic>
-        <p:nvPicPr>
-          <p:cNvPr id="7" name="Picture 6">
-            <a:extLst>
-              <a:ext uri="{FF2B5EF4-FFF2-40B4-BE49-F238E27FC236}">
-                <a16:creationId xmlns:a16="http://schemas.microsoft.com/office/drawing/2014/main" id="{CC16012C-5DE3-1C48-BB3A-DAA3A6212D81}"/>
-              </a:ext>
-            </a:extLst>
-          </p:cNvPr>
-          <p:cNvPicPr>
-            <a:picLocks noChangeAspect="1"/>
-          </p:cNvPicPr>
-          <p:nvPr/>
-        </p:nvPicPr>
-        <p:blipFill>
-          <a:blip r:embed="rId2">
-            <a:lum bright="70000" contrast="-70000"/>
-            <a:extLst>
-              <a:ext uri="{BEBA8EAE-BF5A-486C-A8C5-ECC9F3942E4B}">
-                <a14:imgProps xmlns:a14="http://schemas.microsoft.com/office/drawing/2010/main">
-                  <a14:imgLayer>
-                    <a14:imgEffect>
-                      <a14:artisticPhotocopy/>
-                    </a14:imgEffect>
-                    <a14:imgEffect>
-                      <a14:colorTemperature colorTemp="7117"/>
-                    </a14:imgEffect>
-                  </a14:imgLayer>
-                </a14:imgProps>
-              </a:ext>
-            </a:extLst>
-          </a:blip>
-          <a:stretch>
-            <a:fillRect/>
-          </a:stretch>
-        </p:blipFill>
-        <p:spPr>
-          <a:xfrm>
-            <a:off x="963837" y="2392307"/>
-            <a:ext cx="5394960" cy="3587075"/>
-          </a:xfrm>
-          <a:prstGeom prst="rect">
-            <a:avLst/>
-          </a:prstGeom>
-        </p:spPr>
-      </p:pic>
-      <p:sp>
-        <p:nvSpPr>
-          <p:cNvPr id="8" name="Content Placeholder 2">
-            <a:extLst>
-              <a:ext uri="{FF2B5EF4-FFF2-40B4-BE49-F238E27FC236}">
-                <a16:creationId xmlns:a16="http://schemas.microsoft.com/office/drawing/2014/main" id="{A3E3F5DF-6B98-DB4B-B542-D4FDD22EF446}"/>
-              </a:ext>
-            </a:extLst>
-          </p:cNvPr>
-          <p:cNvSpPr txBox="1">
-            <a:spLocks/>
-          </p:cNvSpPr>
-          <p:nvPr/>
-        </p:nvSpPr>
-        <p:spPr>
-          <a:xfrm>
-            <a:off x="5062653" y="602908"/>
-            <a:ext cx="6758011" cy="4114057"/>
-          </a:xfrm>
-          <a:prstGeom prst="rect">
-            <a:avLst/>
-          </a:prstGeom>
-          <a:ln>
-            <a:solidFill>
-              <a:schemeClr val="tx1"/>
-            </a:solidFill>
-          </a:ln>
-        </p:spPr>
-        <p:txBody>
-          <a:bodyPr vert="horz" lIns="91440" tIns="45720" rIns="91440" bIns="45720" rtlCol="0">
-            <a:normAutofit fontScale="92500" lnSpcReduction="20000"/>
-          </a:bodyPr>
-          <a:lstStyle>
-            <a:lvl1pPr marL="384048" indent="-384048" algn="l" defTabSz="914400" rtl="0" eaLnBrk="1" latinLnBrk="0" hangingPunct="1">
-              <a:lnSpc>
-                <a:spcPct val="94000"/>
-              </a:lnSpc>
-              <a:spcBef>
-                <a:spcPts val="1000"/>
-              </a:spcBef>
-              <a:spcAft>
-                <a:spcPts val="200"/>
-              </a:spcAft>
-              <a:buFont typeface="Franklin Gothic Book" panose="020B0503020102020204" pitchFamily="34" charset="0"/>
-              <a:buChar char="■"/>
-              <a:defRPr sz="2000" kern="1200" baseline="0">
-                <a:solidFill>
-                  <a:schemeClr val="tx2"/>
-                </a:solidFill>
-                <a:latin typeface="+mn-lt"/>
-                <a:ea typeface="+mn-ea"/>
-                <a:cs typeface="+mn-cs"/>
-              </a:defRPr>
-            </a:lvl1pPr>
-            <a:lvl2pPr marL="914400" indent="-384048" algn="l" defTabSz="914400" rtl="0" eaLnBrk="1" latinLnBrk="0" hangingPunct="1">
-              <a:lnSpc>
-                <a:spcPct val="94000"/>
-              </a:lnSpc>
-              <a:spcBef>
-                <a:spcPts val="500"/>
-              </a:spcBef>
-              <a:spcAft>
-                <a:spcPts val="200"/>
-              </a:spcAft>
-              <a:buFont typeface="Franklin Gothic Book" panose="020B0503020102020204" pitchFamily="34" charset="0"/>
-              <a:buChar char="–"/>
-              <a:defRPr sz="2000" i="1" kern="1200" baseline="0">
-                <a:solidFill>
-                  <a:schemeClr val="tx2"/>
-                </a:solidFill>
-                <a:latin typeface="+mn-lt"/>
-                <a:ea typeface="+mn-ea"/>
-                <a:cs typeface="+mn-cs"/>
-              </a:defRPr>
-            </a:lvl2pPr>
-            <a:lvl3pPr marL="1371600" indent="-384048" algn="l" defTabSz="914400" rtl="0" eaLnBrk="1" latinLnBrk="0" hangingPunct="1">
-              <a:lnSpc>
-                <a:spcPct val="94000"/>
-              </a:lnSpc>
-              <a:spcBef>
-                <a:spcPts val="500"/>
-              </a:spcBef>
-              <a:spcAft>
-                <a:spcPts val="200"/>
-              </a:spcAft>
-              <a:buFont typeface="Franklin Gothic Book" panose="020B0503020102020204" pitchFamily="34" charset="0"/>
-              <a:buChar char="■"/>
-              <a:defRPr sz="1800" kern="1200" baseline="0">
-                <a:solidFill>
-                  <a:schemeClr val="tx2"/>
-                </a:solidFill>
-                <a:latin typeface="+mn-lt"/>
-                <a:ea typeface="+mn-ea"/>
-                <a:cs typeface="+mn-cs"/>
-              </a:defRPr>
-            </a:lvl3pPr>
-            <a:lvl4pPr marL="1828800" indent="-384048" algn="l" defTabSz="914400" rtl="0" eaLnBrk="1" latinLnBrk="0" hangingPunct="1">
-              <a:lnSpc>
-                <a:spcPct val="94000"/>
-              </a:lnSpc>
-              <a:spcBef>
-                <a:spcPts val="500"/>
-              </a:spcBef>
-              <a:spcAft>
-                <a:spcPts val="200"/>
-              </a:spcAft>
-              <a:buFont typeface="Franklin Gothic Book" panose="020B0503020102020204" pitchFamily="34" charset="0"/>
-              <a:buChar char="–"/>
-              <a:defRPr sz="1800" i="1" kern="1200" baseline="0">
-                <a:solidFill>
-                  <a:schemeClr val="tx2"/>
-                </a:solidFill>
-                <a:latin typeface="+mn-lt"/>
-                <a:ea typeface="+mn-ea"/>
-                <a:cs typeface="+mn-cs"/>
-              </a:defRPr>
-            </a:lvl4pPr>
-            <a:lvl5pPr marL="2286000" indent="-384048" algn="l" defTabSz="914400" rtl="0" eaLnBrk="1" latinLnBrk="0" hangingPunct="1">
-              <a:lnSpc>
-                <a:spcPct val="94000"/>
-              </a:lnSpc>
-              <a:spcBef>
-                <a:spcPts val="500"/>
-              </a:spcBef>
-              <a:spcAft>
-                <a:spcPts val="200"/>
-              </a:spcAft>
-              <a:buFont typeface="Franklin Gothic Book" panose="020B0503020102020204" pitchFamily="34" charset="0"/>
-              <a:buChar char="■"/>
-              <a:defRPr sz="1600" kern="1200" baseline="0">
-                <a:solidFill>
-                  <a:schemeClr val="tx2"/>
-                </a:solidFill>
-                <a:latin typeface="+mn-lt"/>
-                <a:ea typeface="+mn-ea"/>
-                <a:cs typeface="+mn-cs"/>
-              </a:defRPr>
-            </a:lvl5pPr>
-            <a:lvl6pPr marL="2743200" indent="-384048" algn="l" defTabSz="914400" rtl="0" eaLnBrk="1" latinLnBrk="0" hangingPunct="1">
-              <a:lnSpc>
-                <a:spcPct val="94000"/>
-              </a:lnSpc>
-              <a:spcBef>
-                <a:spcPts val="500"/>
-              </a:spcBef>
-              <a:spcAft>
-                <a:spcPts val="200"/>
-              </a:spcAft>
-              <a:buFont typeface="Franklin Gothic Book" panose="020B0503020102020204" pitchFamily="34" charset="0"/>
-              <a:buChar char="–"/>
-              <a:defRPr sz="1600" i="1" kern="1200" baseline="0">
-                <a:solidFill>
-                  <a:schemeClr val="tx2"/>
-                </a:solidFill>
-                <a:latin typeface="+mn-lt"/>
-                <a:ea typeface="+mn-ea"/>
-                <a:cs typeface="+mn-cs"/>
-              </a:defRPr>
-            </a:lvl6pPr>
-            <a:lvl7pPr marL="3200400" indent="-384048" algn="l" defTabSz="914400" rtl="0" eaLnBrk="1" latinLnBrk="0" hangingPunct="1">
-              <a:lnSpc>
-                <a:spcPct val="94000"/>
-              </a:lnSpc>
-              <a:spcBef>
-                <a:spcPts val="500"/>
-              </a:spcBef>
-              <a:spcAft>
-                <a:spcPts val="200"/>
-              </a:spcAft>
-              <a:buFont typeface="Franklin Gothic Book" panose="020B0503020102020204" pitchFamily="34" charset="0"/>
-              <a:buChar char="■"/>
-              <a:defRPr sz="1400" kern="1200" baseline="0">
-                <a:solidFill>
-                  <a:schemeClr val="tx2"/>
-                </a:solidFill>
-                <a:latin typeface="+mn-lt"/>
-                <a:ea typeface="+mn-ea"/>
-                <a:cs typeface="+mn-cs"/>
-              </a:defRPr>
-            </a:lvl7pPr>
-            <a:lvl8pPr marL="3657600" indent="-384048" algn="l" defTabSz="914400" rtl="0" eaLnBrk="1" latinLnBrk="0" hangingPunct="1">
-              <a:lnSpc>
-                <a:spcPct val="94000"/>
-              </a:lnSpc>
-              <a:spcBef>
-                <a:spcPts val="500"/>
-              </a:spcBef>
-              <a:spcAft>
-                <a:spcPts val="200"/>
-              </a:spcAft>
-              <a:buFont typeface="Franklin Gothic Book" panose="020B0503020102020204" pitchFamily="34" charset="0"/>
-              <a:buChar char="–"/>
-              <a:defRPr sz="1400" i="1" kern="1200" baseline="0">
-                <a:solidFill>
-                  <a:schemeClr val="tx2"/>
-                </a:solidFill>
-                <a:latin typeface="+mn-lt"/>
-                <a:ea typeface="+mn-ea"/>
-                <a:cs typeface="+mn-cs"/>
-              </a:defRPr>
-            </a:lvl8pPr>
-            <a:lvl9pPr marL="4114800" indent="-384048" algn="l" defTabSz="914400" rtl="0" eaLnBrk="1" latinLnBrk="0" hangingPunct="1">
-              <a:lnSpc>
-                <a:spcPct val="94000"/>
-              </a:lnSpc>
-              <a:spcBef>
-                <a:spcPts val="500"/>
-              </a:spcBef>
-              <a:spcAft>
-                <a:spcPts val="200"/>
-              </a:spcAft>
-              <a:buFont typeface="Franklin Gothic Book" panose="020B0503020102020204" pitchFamily="34" charset="0"/>
-              <a:buChar char="■"/>
-              <a:defRPr sz="1400" kern="1200" baseline="0">
-                <a:solidFill>
-                  <a:schemeClr val="tx2"/>
-                </a:solidFill>
-                <a:latin typeface="+mn-lt"/>
-                <a:ea typeface="+mn-ea"/>
-                <a:cs typeface="+mn-cs"/>
-              </a:defRPr>
-            </a:lvl9pPr>
-          </a:lstStyle>
-          <a:p>
-            <a:pPr marL="0" indent="0">
-              <a:buNone/>
-            </a:pPr>
-            <a:r>
-              <a:rPr lang="en-US" sz="1900" dirty="0">
-                <a:latin typeface="Menlo" panose="020B0609030804020204" pitchFamily="49" charset="0"/>
-                <a:ea typeface="Menlo" panose="020B0609030804020204" pitchFamily="49" charset="0"/>
-                <a:cs typeface="Menlo" panose="020B0609030804020204" pitchFamily="49" charset="0"/>
-              </a:rPr>
-              <a:t>&gt;&gt;&gt; </a:t>
-            </a:r>
-            <a:r>
-              <a:rPr lang="en-US" sz="1900" dirty="0">
-                <a:solidFill>
-                  <a:schemeClr val="accent6"/>
-                </a:solidFill>
-                <a:latin typeface="Menlo" panose="020B0609030804020204" pitchFamily="49" charset="0"/>
-                <a:ea typeface="Menlo" panose="020B0609030804020204" pitchFamily="49" charset="0"/>
-                <a:cs typeface="Menlo" panose="020B0609030804020204" pitchFamily="49" charset="0"/>
-              </a:rPr>
-              <a:t>from collections import </a:t>
-            </a:r>
-            <a:r>
-              <a:rPr lang="en-US" sz="1900" dirty="0" err="1">
-                <a:solidFill>
-                  <a:schemeClr val="accent6"/>
-                </a:solidFill>
-                <a:latin typeface="Menlo" panose="020B0609030804020204" pitchFamily="49" charset="0"/>
-                <a:ea typeface="Menlo" panose="020B0609030804020204" pitchFamily="49" charset="0"/>
-                <a:cs typeface="Menlo" panose="020B0609030804020204" pitchFamily="49" charset="0"/>
-              </a:rPr>
-              <a:t>namedtuple</a:t>
-            </a:r>
-            <a:endParaRPr lang="en-US" sz="1900" dirty="0">
-              <a:solidFill>
-                <a:schemeClr val="accent6"/>
-              </a:solidFill>
-              <a:latin typeface="Menlo" panose="020B0609030804020204" pitchFamily="49" charset="0"/>
-              <a:ea typeface="Menlo" panose="020B0609030804020204" pitchFamily="49" charset="0"/>
-              <a:cs typeface="Menlo" panose="020B0609030804020204" pitchFamily="49" charset="0"/>
-            </a:endParaRPr>
-          </a:p>
-          <a:p>
-            <a:pPr marL="0" indent="0">
-              <a:buNone/>
-            </a:pPr>
-            <a:r>
-              <a:rPr lang="en-US" sz="1900" dirty="0">
-                <a:latin typeface="Menlo" panose="020B0609030804020204" pitchFamily="49" charset="0"/>
-                <a:ea typeface="Menlo" panose="020B0609030804020204" pitchFamily="49" charset="0"/>
-                <a:cs typeface="Menlo" panose="020B0609030804020204" pitchFamily="49" charset="0"/>
-              </a:rPr>
-              <a:t>&gt;&gt;&gt; </a:t>
-            </a:r>
-            <a:r>
-              <a:rPr lang="en-US" sz="1900" dirty="0">
-                <a:solidFill>
-                  <a:schemeClr val="accent6"/>
-                </a:solidFill>
-                <a:latin typeface="Menlo" panose="020B0609030804020204" pitchFamily="49" charset="0"/>
-                <a:ea typeface="Menlo" panose="020B0609030804020204" pitchFamily="49" charset="0"/>
-                <a:cs typeface="Menlo" panose="020B0609030804020204" pitchFamily="49" charset="0"/>
-              </a:rPr>
-              <a:t>Point = </a:t>
-            </a:r>
-            <a:r>
-              <a:rPr lang="en-US" sz="1900" dirty="0" err="1">
-                <a:solidFill>
-                  <a:schemeClr val="accent6"/>
-                </a:solidFill>
-                <a:latin typeface="Menlo" panose="020B0609030804020204" pitchFamily="49" charset="0"/>
-                <a:ea typeface="Menlo" panose="020B0609030804020204" pitchFamily="49" charset="0"/>
-                <a:cs typeface="Menlo" panose="020B0609030804020204" pitchFamily="49" charset="0"/>
-              </a:rPr>
-              <a:t>namedtuple</a:t>
-            </a:r>
-            <a:r>
-              <a:rPr lang="en-US" sz="1900" dirty="0">
-                <a:solidFill>
-                  <a:schemeClr val="accent6"/>
-                </a:solidFill>
-                <a:latin typeface="Menlo" panose="020B0609030804020204" pitchFamily="49" charset="0"/>
-                <a:ea typeface="Menlo" panose="020B0609030804020204" pitchFamily="49" charset="0"/>
-                <a:cs typeface="Menlo" panose="020B0609030804020204" pitchFamily="49" charset="0"/>
-              </a:rPr>
-              <a:t>('Point', ['x', 'y'])</a:t>
-            </a:r>
-          </a:p>
-          <a:p>
-            <a:pPr marL="0" indent="0">
-              <a:buNone/>
-            </a:pPr>
-            <a:r>
-              <a:rPr lang="en-US" sz="1900" dirty="0">
-                <a:latin typeface="Menlo" panose="020B0609030804020204" pitchFamily="49" charset="0"/>
-                <a:ea typeface="Menlo" panose="020B0609030804020204" pitchFamily="49" charset="0"/>
-                <a:cs typeface="Menlo" panose="020B0609030804020204" pitchFamily="49" charset="0"/>
-              </a:rPr>
-              <a:t>&gt;&gt;&gt; </a:t>
-            </a:r>
-            <a:r>
-              <a:rPr lang="en-US" sz="1900" dirty="0">
-                <a:solidFill>
-                  <a:schemeClr val="accent6"/>
-                </a:solidFill>
-                <a:latin typeface="Menlo" panose="020B0609030804020204" pitchFamily="49" charset="0"/>
-                <a:ea typeface="Menlo" panose="020B0609030804020204" pitchFamily="49" charset="0"/>
-                <a:cs typeface="Menlo" panose="020B0609030804020204" pitchFamily="49" charset="0"/>
-              </a:rPr>
-              <a:t>a = Point(1, 2)</a:t>
-            </a:r>
-          </a:p>
-          <a:p>
-            <a:pPr marL="0" indent="0">
-              <a:buNone/>
-            </a:pPr>
-            <a:r>
-              <a:rPr lang="en-US" sz="1900" dirty="0">
-                <a:latin typeface="Menlo" panose="020B0609030804020204" pitchFamily="49" charset="0"/>
-                <a:ea typeface="Menlo" panose="020B0609030804020204" pitchFamily="49" charset="0"/>
-                <a:cs typeface="Menlo" panose="020B0609030804020204" pitchFamily="49" charset="0"/>
-              </a:rPr>
-              <a:t>&gt;&gt;&gt; </a:t>
-            </a:r>
-            <a:r>
-              <a:rPr lang="en-US" sz="1900" dirty="0">
-                <a:solidFill>
-                  <a:schemeClr val="accent6"/>
-                </a:solidFill>
-                <a:latin typeface="Menlo" panose="020B0609030804020204" pitchFamily="49" charset="0"/>
-                <a:ea typeface="Menlo" panose="020B0609030804020204" pitchFamily="49" charset="0"/>
-                <a:cs typeface="Menlo" panose="020B0609030804020204" pitchFamily="49" charset="0"/>
-              </a:rPr>
-              <a:t>a[0]</a:t>
-            </a:r>
-          </a:p>
-          <a:p>
-            <a:pPr marL="0" indent="0">
-              <a:buNone/>
-            </a:pPr>
-            <a:r>
-              <a:rPr lang="en-US" sz="1900" dirty="0">
-                <a:latin typeface="Menlo" panose="020B0609030804020204" pitchFamily="49" charset="0"/>
-                <a:ea typeface="Menlo" panose="020B0609030804020204" pitchFamily="49" charset="0"/>
-                <a:cs typeface="Menlo" panose="020B0609030804020204" pitchFamily="49" charset="0"/>
-              </a:rPr>
-              <a:t>1</a:t>
-            </a:r>
-          </a:p>
-          <a:p>
-            <a:pPr marL="0" indent="0">
-              <a:buNone/>
-            </a:pPr>
-            <a:r>
-              <a:rPr lang="en-US" sz="1900" dirty="0">
-                <a:latin typeface="Menlo" panose="020B0609030804020204" pitchFamily="49" charset="0"/>
-                <a:ea typeface="Menlo" panose="020B0609030804020204" pitchFamily="49" charset="0"/>
-                <a:cs typeface="Menlo" panose="020B0609030804020204" pitchFamily="49" charset="0"/>
-              </a:rPr>
-              <a:t>&gt;&gt;&gt; </a:t>
-            </a:r>
-            <a:r>
-              <a:rPr lang="en-US" sz="1900" dirty="0" err="1">
-                <a:solidFill>
-                  <a:schemeClr val="accent6"/>
-                </a:solidFill>
-                <a:latin typeface="Menlo" panose="020B0609030804020204" pitchFamily="49" charset="0"/>
-                <a:ea typeface="Menlo" panose="020B0609030804020204" pitchFamily="49" charset="0"/>
-                <a:cs typeface="Menlo" panose="020B0609030804020204" pitchFamily="49" charset="0"/>
-              </a:rPr>
-              <a:t>a.y</a:t>
-            </a:r>
-            <a:endParaRPr lang="en-US" sz="1900" dirty="0">
-              <a:solidFill>
-                <a:schemeClr val="accent6"/>
-              </a:solidFill>
-              <a:latin typeface="Menlo" panose="020B0609030804020204" pitchFamily="49" charset="0"/>
-              <a:ea typeface="Menlo" panose="020B0609030804020204" pitchFamily="49" charset="0"/>
-              <a:cs typeface="Menlo" panose="020B0609030804020204" pitchFamily="49" charset="0"/>
-            </a:endParaRPr>
-          </a:p>
-          <a:p>
-            <a:pPr marL="0" indent="0">
-              <a:buNone/>
-            </a:pPr>
-            <a:r>
-              <a:rPr lang="en-US" sz="1900" dirty="0">
-                <a:latin typeface="Menlo" panose="020B0609030804020204" pitchFamily="49" charset="0"/>
-                <a:ea typeface="Menlo" panose="020B0609030804020204" pitchFamily="49" charset="0"/>
-                <a:cs typeface="Menlo" panose="020B0609030804020204" pitchFamily="49" charset="0"/>
-              </a:rPr>
-              <a:t>2</a:t>
-            </a:r>
-          </a:p>
-          <a:p>
-            <a:pPr marL="0" indent="0">
-              <a:buNone/>
-            </a:pPr>
-            <a:r>
-              <a:rPr lang="en-US" sz="1900" dirty="0">
-                <a:latin typeface="Menlo" panose="020B0609030804020204" pitchFamily="49" charset="0"/>
-                <a:ea typeface="Menlo" panose="020B0609030804020204" pitchFamily="49" charset="0"/>
-                <a:cs typeface="Menlo" panose="020B0609030804020204" pitchFamily="49" charset="0"/>
-              </a:rPr>
-              <a:t>&gt;&gt;&gt; </a:t>
-            </a:r>
-            <a:r>
-              <a:rPr lang="en-US" sz="1900" dirty="0">
-                <a:solidFill>
-                  <a:schemeClr val="accent6"/>
-                </a:solidFill>
-                <a:latin typeface="Menlo" panose="020B0609030804020204" pitchFamily="49" charset="0"/>
-                <a:ea typeface="Menlo" panose="020B0609030804020204" pitchFamily="49" charset="0"/>
-                <a:cs typeface="Menlo" panose="020B0609030804020204" pitchFamily="49" charset="0"/>
-              </a:rPr>
-              <a:t>type(a)</a:t>
-            </a:r>
-          </a:p>
-          <a:p>
-            <a:pPr marL="0" indent="0">
-              <a:buNone/>
-            </a:pPr>
-            <a:r>
-              <a:rPr lang="en-US" sz="1900" dirty="0">
-                <a:latin typeface="Menlo" panose="020B0609030804020204" pitchFamily="49" charset="0"/>
-                <a:ea typeface="Menlo" panose="020B0609030804020204" pitchFamily="49" charset="0"/>
-                <a:cs typeface="Menlo" panose="020B0609030804020204" pitchFamily="49" charset="0"/>
-              </a:rPr>
-              <a:t>&lt;class '__</a:t>
-            </a:r>
-            <a:r>
-              <a:rPr lang="en-US" sz="1900" dirty="0" err="1">
-                <a:latin typeface="Menlo" panose="020B0609030804020204" pitchFamily="49" charset="0"/>
-                <a:ea typeface="Menlo" panose="020B0609030804020204" pitchFamily="49" charset="0"/>
-                <a:cs typeface="Menlo" panose="020B0609030804020204" pitchFamily="49" charset="0"/>
-              </a:rPr>
-              <a:t>main__.Point</a:t>
-            </a:r>
-            <a:r>
-              <a:rPr lang="en-US" sz="1900" dirty="0">
-                <a:latin typeface="Menlo" panose="020B0609030804020204" pitchFamily="49" charset="0"/>
-                <a:ea typeface="Menlo" panose="020B0609030804020204" pitchFamily="49" charset="0"/>
-                <a:cs typeface="Menlo" panose="020B0609030804020204" pitchFamily="49" charset="0"/>
-              </a:rPr>
-              <a:t>'&gt;</a:t>
-            </a:r>
-          </a:p>
-          <a:p>
-            <a:pPr marL="0" indent="0">
-              <a:buNone/>
-            </a:pPr>
-            <a:r>
-              <a:rPr lang="en-US" sz="1900" dirty="0">
-                <a:latin typeface="Menlo" panose="020B0609030804020204" pitchFamily="49" charset="0"/>
-                <a:ea typeface="Menlo" panose="020B0609030804020204" pitchFamily="49" charset="0"/>
-                <a:cs typeface="Menlo" panose="020B0609030804020204" pitchFamily="49" charset="0"/>
-              </a:rPr>
-              <a:t>&gt;&gt;&gt; </a:t>
-            </a:r>
-            <a:r>
-              <a:rPr lang="en-US" sz="1900" dirty="0" err="1">
-                <a:solidFill>
-                  <a:schemeClr val="accent6"/>
-                </a:solidFill>
-                <a:latin typeface="Menlo" panose="020B0609030804020204" pitchFamily="49" charset="0"/>
-                <a:ea typeface="Menlo" panose="020B0609030804020204" pitchFamily="49" charset="0"/>
-                <a:cs typeface="Menlo" panose="020B0609030804020204" pitchFamily="49" charset="0"/>
-              </a:rPr>
-              <a:t>Point.__bases</a:t>
-            </a:r>
-            <a:r>
-              <a:rPr lang="en-US" sz="1900" dirty="0">
-                <a:solidFill>
-                  <a:schemeClr val="accent6"/>
-                </a:solidFill>
-                <a:latin typeface="Menlo" panose="020B0609030804020204" pitchFamily="49" charset="0"/>
-                <a:ea typeface="Menlo" panose="020B0609030804020204" pitchFamily="49" charset="0"/>
-                <a:cs typeface="Menlo" panose="020B0609030804020204" pitchFamily="49" charset="0"/>
-              </a:rPr>
-              <a:t>__</a:t>
-            </a:r>
-          </a:p>
-          <a:p>
-            <a:pPr marL="0" indent="0">
-              <a:buNone/>
-            </a:pPr>
-            <a:r>
-              <a:rPr lang="en-US" sz="1900" dirty="0">
-                <a:latin typeface="Menlo" panose="020B0609030804020204" pitchFamily="49" charset="0"/>
-                <a:ea typeface="Menlo" panose="020B0609030804020204" pitchFamily="49" charset="0"/>
-                <a:cs typeface="Menlo" panose="020B0609030804020204" pitchFamily="49" charset="0"/>
-              </a:rPr>
-              <a:t>(&lt;class 'tuple'&gt;,)</a:t>
-            </a:r>
-          </a:p>
-          <a:p>
-            <a:pPr marL="0" indent="0">
-              <a:buNone/>
-            </a:pPr>
-            <a:endParaRPr lang="en-US" dirty="0">
-              <a:latin typeface="Menlo" panose="020B0609030804020204" pitchFamily="49" charset="0"/>
-              <a:ea typeface="Menlo" panose="020B0609030804020204" pitchFamily="49" charset="0"/>
-              <a:cs typeface="Menlo" panose="020B0609030804020204" pitchFamily="49" charset="0"/>
-            </a:endParaRPr>
-          </a:p>
-          <a:p>
-            <a:pPr marL="0" indent="0">
-              <a:buNone/>
-            </a:pPr>
-            <a:endParaRPr lang="en-US" sz="1500" dirty="0">
-              <a:solidFill>
-                <a:srgbClr val="FF0000"/>
-              </a:solidFill>
-              <a:latin typeface="Menlo" panose="020B0609030804020204" pitchFamily="49" charset="0"/>
-              <a:ea typeface="Menlo" panose="020B0609030804020204" pitchFamily="49" charset="0"/>
-              <a:cs typeface="Menlo" panose="020B0609030804020204" pitchFamily="49" charset="0"/>
-            </a:endParaRPr>
-          </a:p>
-        </p:txBody>
-      </p:sp>
-    </p:spTree>
-    <p:extLst>
-      <p:ext uri="{BB962C8B-B14F-4D97-AF65-F5344CB8AC3E}">
-        <p14:creationId xmlns:p14="http://schemas.microsoft.com/office/powerpoint/2010/main" val="4275316566"/>
-      </p:ext>
-    </p:extLst>
-  </p:cSld>
-  <p:clrMapOvr>
-    <a:masterClrMapping/>
-  </p:clrMapOvr>
-  <p:timing>
-    <p:tnLst>
-      <p:par>
-        <p:cTn id="1" dur="indefinite" restart="never" nodeType="tmRoot">
-          <p:childTnLst>
-            <p:seq concurrent="1" nextAc="seek">
-              <p:cTn id="2" dur="indefinite" nodeType="mainSeq">
-                <p:childTnLst>
-                  <p:par>
-                    <p:cTn id="3" fill="hold">
-                      <p:stCondLst>
-                        <p:cond delay="indefinite"/>
-                      </p:stCondLst>
-                      <p:childTnLst>
-                        <p:par>
-                          <p:cTn id="4" fill="hold">
-                            <p:stCondLst>
-                              <p:cond delay="0"/>
-                            </p:stCondLst>
-                            <p:childTnLst>
-                              <p:par>
-                                <p:cTn id="5" presetID="1" presetClass="entr" presetSubtype="0" fill="hold" grpId="0" nodeType="clickEffect">
-                                  <p:stCondLst>
-                                    <p:cond delay="0"/>
-                                  </p:stCondLst>
-                                  <p:childTnLst>
-                                    <p:set>
-                                      <p:cBhvr>
-                                        <p:cTn id="6" dur="1" fill="hold">
-                                          <p:stCondLst>
-                                            <p:cond delay="0"/>
-                                          </p:stCondLst>
-                                        </p:cTn>
-                                        <p:tgtEl>
-                                          <p:spTgt spid="8">
-                                            <p:bg/>
-                                          </p:spTgt>
-                                        </p:tgtEl>
-                                        <p:attrNameLst>
-                                          <p:attrName>style.visibility</p:attrName>
-                                        </p:attrNameLst>
-                                      </p:cBhvr>
-                                      <p:to>
-                                        <p:strVal val="visible"/>
-                                      </p:to>
-                                    </p:set>
-                                  </p:childTnLst>
-                                </p:cTn>
-                              </p:par>
-                            </p:childTnLst>
-                          </p:cTn>
-                        </p:par>
-                      </p:childTnLst>
-                    </p:cTn>
-                  </p:par>
-                  <p:par>
-                    <p:cTn id="7" fill="hold">
-                      <p:stCondLst>
-                        <p:cond delay="indefinite"/>
-                      </p:stCondLst>
-                      <p:childTnLst>
-                        <p:par>
-                          <p:cTn id="8" fill="hold">
-                            <p:stCondLst>
-                              <p:cond delay="0"/>
-                            </p:stCondLst>
-                            <p:childTnLst>
-                              <p:par>
-                                <p:cTn id="9" presetID="22" presetClass="entr" presetSubtype="8" fill="hold" grpId="0" nodeType="clickEffect">
-                                  <p:stCondLst>
-                                    <p:cond delay="0"/>
-                                  </p:stCondLst>
-                                  <p:childTnLst>
-                                    <p:set>
-                                      <p:cBhvr>
-                                        <p:cTn id="10" dur="1" fill="hold">
-                                          <p:stCondLst>
-                                            <p:cond delay="0"/>
-                                          </p:stCondLst>
-                                        </p:cTn>
-                                        <p:tgtEl>
-                                          <p:spTgt spid="8">
-                                            <p:txEl>
-                                              <p:pRg st="0" end="0"/>
-                                            </p:txEl>
-                                          </p:spTgt>
-                                        </p:tgtEl>
-                                        <p:attrNameLst>
-                                          <p:attrName>style.visibility</p:attrName>
-                                        </p:attrNameLst>
-                                      </p:cBhvr>
-                                      <p:to>
-                                        <p:strVal val="visible"/>
-                                      </p:to>
-                                    </p:set>
-                                    <p:animEffect transition="in" filter="wipe(left)">
-                                      <p:cBhvr>
-                                        <p:cTn id="11" dur="500"/>
-                                        <p:tgtEl>
-                                          <p:spTgt spid="8">
-                                            <p:txEl>
-                                              <p:pRg st="0" end="0"/>
-                                            </p:txEl>
-                                          </p:spTgt>
-                                        </p:tgtEl>
-                                      </p:cBhvr>
-                                    </p:animEffect>
-                                  </p:childTnLst>
-                                </p:cTn>
-                              </p:par>
-                            </p:childTnLst>
-                          </p:cTn>
-                        </p:par>
-                      </p:childTnLst>
-                    </p:cTn>
-                  </p:par>
-                  <p:par>
-                    <p:cTn id="12" fill="hold">
-                      <p:stCondLst>
-                        <p:cond delay="indefinite"/>
-                      </p:stCondLst>
-                      <p:childTnLst>
-                        <p:par>
-                          <p:cTn id="13" fill="hold">
-                            <p:stCondLst>
-                              <p:cond delay="0"/>
-                            </p:stCondLst>
-                            <p:childTnLst>
-                              <p:par>
-                                <p:cTn id="14" presetID="22" presetClass="entr" presetSubtype="8" fill="hold" grpId="0" nodeType="clickEffect">
-                                  <p:stCondLst>
-                                    <p:cond delay="0"/>
-                                  </p:stCondLst>
-                                  <p:childTnLst>
-                                    <p:set>
-                                      <p:cBhvr>
-                                        <p:cTn id="15" dur="1" fill="hold">
-                                          <p:stCondLst>
-                                            <p:cond delay="0"/>
-                                          </p:stCondLst>
-                                        </p:cTn>
-                                        <p:tgtEl>
-                                          <p:spTgt spid="8">
-                                            <p:txEl>
-                                              <p:pRg st="1" end="1"/>
-                                            </p:txEl>
-                                          </p:spTgt>
-                                        </p:tgtEl>
-                                        <p:attrNameLst>
-                                          <p:attrName>style.visibility</p:attrName>
-                                        </p:attrNameLst>
-                                      </p:cBhvr>
-                                      <p:to>
-                                        <p:strVal val="visible"/>
-                                      </p:to>
-                                    </p:set>
-                                    <p:animEffect transition="in" filter="wipe(left)">
-                                      <p:cBhvr>
-                                        <p:cTn id="16" dur="500"/>
-                                        <p:tgtEl>
-                                          <p:spTgt spid="8">
-                                            <p:txEl>
-                                              <p:pRg st="1" end="1"/>
-                                            </p:txEl>
-                                          </p:spTgt>
-                                        </p:tgtEl>
-                                      </p:cBhvr>
-                                    </p:animEffect>
-                                  </p:childTnLst>
-                                </p:cTn>
-                              </p:par>
-                            </p:childTnLst>
-                          </p:cTn>
-                        </p:par>
-                      </p:childTnLst>
-                    </p:cTn>
-                  </p:par>
-                  <p:par>
-                    <p:cTn id="17" fill="hold">
-                      <p:stCondLst>
-                        <p:cond delay="indefinite"/>
-                      </p:stCondLst>
-                      <p:childTnLst>
-                        <p:par>
-                          <p:cTn id="18" fill="hold">
-                            <p:stCondLst>
-                              <p:cond delay="0"/>
-                            </p:stCondLst>
-                            <p:childTnLst>
-                              <p:par>
-                                <p:cTn id="19" presetID="22" presetClass="entr" presetSubtype="8" fill="hold" grpId="0" nodeType="clickEffect">
-                                  <p:stCondLst>
-                                    <p:cond delay="0"/>
-                                  </p:stCondLst>
-                                  <p:childTnLst>
-                                    <p:set>
-                                      <p:cBhvr>
-                                        <p:cTn id="20" dur="1" fill="hold">
-                                          <p:stCondLst>
-                                            <p:cond delay="0"/>
-                                          </p:stCondLst>
-                                        </p:cTn>
-                                        <p:tgtEl>
-                                          <p:spTgt spid="8">
-                                            <p:txEl>
-                                              <p:pRg st="2" end="2"/>
-                                            </p:txEl>
-                                          </p:spTgt>
-                                        </p:tgtEl>
-                                        <p:attrNameLst>
-                                          <p:attrName>style.visibility</p:attrName>
-                                        </p:attrNameLst>
-                                      </p:cBhvr>
-                                      <p:to>
-                                        <p:strVal val="visible"/>
-                                      </p:to>
-                                    </p:set>
-                                    <p:animEffect transition="in" filter="wipe(left)">
-                                      <p:cBhvr>
-                                        <p:cTn id="21" dur="500"/>
-                                        <p:tgtEl>
-                                          <p:spTgt spid="8">
-                                            <p:txEl>
-                                              <p:pRg st="2" end="2"/>
-                                            </p:txEl>
-                                          </p:spTgt>
-                                        </p:tgtEl>
-                                      </p:cBhvr>
-                                    </p:animEffect>
-                                  </p:childTnLst>
-                                </p:cTn>
-                              </p:par>
-                            </p:childTnLst>
-                          </p:cTn>
-                        </p:par>
-                      </p:childTnLst>
-                    </p:cTn>
-                  </p:par>
-                  <p:par>
-                    <p:cTn id="22" fill="hold">
-                      <p:stCondLst>
-                        <p:cond delay="indefinite"/>
-                      </p:stCondLst>
-                      <p:childTnLst>
-                        <p:par>
-                          <p:cTn id="23" fill="hold">
-                            <p:stCondLst>
-                              <p:cond delay="0"/>
-                            </p:stCondLst>
-                            <p:childTnLst>
-                              <p:par>
-                                <p:cTn id="24" presetID="22" presetClass="entr" presetSubtype="8" fill="hold" grpId="0" nodeType="clickEffect">
-                                  <p:stCondLst>
-                                    <p:cond delay="0"/>
-                                  </p:stCondLst>
-                                  <p:childTnLst>
-                                    <p:set>
-                                      <p:cBhvr>
-                                        <p:cTn id="25" dur="1" fill="hold">
-                                          <p:stCondLst>
-                                            <p:cond delay="0"/>
-                                          </p:stCondLst>
-                                        </p:cTn>
-                                        <p:tgtEl>
-                                          <p:spTgt spid="8">
-                                            <p:txEl>
-                                              <p:pRg st="3" end="3"/>
-                                            </p:txEl>
-                                          </p:spTgt>
-                                        </p:tgtEl>
-                                        <p:attrNameLst>
-                                          <p:attrName>style.visibility</p:attrName>
-                                        </p:attrNameLst>
-                                      </p:cBhvr>
-                                      <p:to>
-                                        <p:strVal val="visible"/>
-                                      </p:to>
-                                    </p:set>
-                                    <p:animEffect transition="in" filter="wipe(left)">
-                                      <p:cBhvr>
-                                        <p:cTn id="26" dur="500"/>
-                                        <p:tgtEl>
-                                          <p:spTgt spid="8">
-                                            <p:txEl>
-                                              <p:pRg st="3" end="3"/>
-                                            </p:txEl>
-                                          </p:spTgt>
-                                        </p:tgtEl>
-                                      </p:cBhvr>
-                                    </p:animEffect>
-                                  </p:childTnLst>
-                                </p:cTn>
-                              </p:par>
-                            </p:childTnLst>
-                          </p:cTn>
-                        </p:par>
-                      </p:childTnLst>
-                    </p:cTn>
-                  </p:par>
-                  <p:par>
-                    <p:cTn id="27" fill="hold">
-                      <p:stCondLst>
-                        <p:cond delay="indefinite"/>
-                      </p:stCondLst>
-                      <p:childTnLst>
-                        <p:par>
-                          <p:cTn id="28" fill="hold">
-                            <p:stCondLst>
-                              <p:cond delay="0"/>
-                            </p:stCondLst>
-                            <p:childTnLst>
-                              <p:par>
-                                <p:cTn id="29" presetID="22" presetClass="entr" presetSubtype="8" fill="hold" grpId="0" nodeType="clickEffect">
-                                  <p:stCondLst>
-                                    <p:cond delay="0"/>
-                                  </p:stCondLst>
-                                  <p:childTnLst>
-                                    <p:set>
-                                      <p:cBhvr>
-                                        <p:cTn id="30" dur="1" fill="hold">
-                                          <p:stCondLst>
-                                            <p:cond delay="0"/>
-                                          </p:stCondLst>
-                                        </p:cTn>
-                                        <p:tgtEl>
-                                          <p:spTgt spid="8">
-                                            <p:txEl>
-                                              <p:pRg st="4" end="4"/>
-                                            </p:txEl>
-                                          </p:spTgt>
-                                        </p:tgtEl>
-                                        <p:attrNameLst>
-                                          <p:attrName>style.visibility</p:attrName>
-                                        </p:attrNameLst>
-                                      </p:cBhvr>
-                                      <p:to>
-                                        <p:strVal val="visible"/>
-                                      </p:to>
-                                    </p:set>
-                                    <p:animEffect transition="in" filter="wipe(left)">
-                                      <p:cBhvr>
-                                        <p:cTn id="31" dur="500"/>
-                                        <p:tgtEl>
-                                          <p:spTgt spid="8">
-                                            <p:txEl>
-                                              <p:pRg st="4" end="4"/>
-                                            </p:txEl>
-                                          </p:spTgt>
-                                        </p:tgtEl>
-                                      </p:cBhvr>
-                                    </p:animEffect>
-                                  </p:childTnLst>
-                                </p:cTn>
-                              </p:par>
-                            </p:childTnLst>
-                          </p:cTn>
-                        </p:par>
-                      </p:childTnLst>
-                    </p:cTn>
-                  </p:par>
-                  <p:par>
-                    <p:cTn id="32" fill="hold">
-                      <p:stCondLst>
-                        <p:cond delay="indefinite"/>
-                      </p:stCondLst>
-                      <p:childTnLst>
-                        <p:par>
-                          <p:cTn id="33" fill="hold">
-                            <p:stCondLst>
-                              <p:cond delay="0"/>
-                            </p:stCondLst>
-                            <p:childTnLst>
-                              <p:par>
-                                <p:cTn id="34" presetID="22" presetClass="entr" presetSubtype="8" fill="hold" grpId="0" nodeType="clickEffect">
-                                  <p:stCondLst>
-                                    <p:cond delay="0"/>
-                                  </p:stCondLst>
-                                  <p:childTnLst>
-                                    <p:set>
-                                      <p:cBhvr>
-                                        <p:cTn id="35" dur="1" fill="hold">
-                                          <p:stCondLst>
-                                            <p:cond delay="0"/>
-                                          </p:stCondLst>
-                                        </p:cTn>
-                                        <p:tgtEl>
-                                          <p:spTgt spid="8">
-                                            <p:txEl>
-                                              <p:pRg st="5" end="5"/>
-                                            </p:txEl>
-                                          </p:spTgt>
-                                        </p:tgtEl>
-                                        <p:attrNameLst>
-                                          <p:attrName>style.visibility</p:attrName>
-                                        </p:attrNameLst>
-                                      </p:cBhvr>
-                                      <p:to>
-                                        <p:strVal val="visible"/>
-                                      </p:to>
-                                    </p:set>
-                                    <p:animEffect transition="in" filter="wipe(left)">
-                                      <p:cBhvr>
-                                        <p:cTn id="36" dur="500"/>
-                                        <p:tgtEl>
-                                          <p:spTgt spid="8">
-                                            <p:txEl>
-                                              <p:pRg st="5" end="5"/>
-                                            </p:txEl>
-                                          </p:spTgt>
-                                        </p:tgtEl>
-                                      </p:cBhvr>
-                                    </p:animEffect>
-                                  </p:childTnLst>
-                                </p:cTn>
-                              </p:par>
-                            </p:childTnLst>
-                          </p:cTn>
-                        </p:par>
-                      </p:childTnLst>
-                    </p:cTn>
-                  </p:par>
-                  <p:par>
-                    <p:cTn id="37" fill="hold">
-                      <p:stCondLst>
-                        <p:cond delay="indefinite"/>
-                      </p:stCondLst>
-                      <p:childTnLst>
-                        <p:par>
-                          <p:cTn id="38" fill="hold">
-                            <p:stCondLst>
-                              <p:cond delay="0"/>
-                            </p:stCondLst>
-                            <p:childTnLst>
-                              <p:par>
-                                <p:cTn id="39" presetID="22" presetClass="entr" presetSubtype="8" fill="hold" grpId="0" nodeType="clickEffect">
-                                  <p:stCondLst>
-                                    <p:cond delay="0"/>
-                                  </p:stCondLst>
-                                  <p:childTnLst>
-                                    <p:set>
-                                      <p:cBhvr>
-                                        <p:cTn id="40" dur="1" fill="hold">
-                                          <p:stCondLst>
-                                            <p:cond delay="0"/>
-                                          </p:stCondLst>
-                                        </p:cTn>
-                                        <p:tgtEl>
-                                          <p:spTgt spid="8">
-                                            <p:txEl>
-                                              <p:pRg st="6" end="6"/>
-                                            </p:txEl>
-                                          </p:spTgt>
-                                        </p:tgtEl>
-                                        <p:attrNameLst>
-                                          <p:attrName>style.visibility</p:attrName>
-                                        </p:attrNameLst>
-                                      </p:cBhvr>
-                                      <p:to>
-                                        <p:strVal val="visible"/>
-                                      </p:to>
-                                    </p:set>
-                                    <p:animEffect transition="in" filter="wipe(left)">
-                                      <p:cBhvr>
-                                        <p:cTn id="41" dur="500"/>
-                                        <p:tgtEl>
-                                          <p:spTgt spid="8">
-                                            <p:txEl>
-                                              <p:pRg st="6" end="6"/>
-                                            </p:txEl>
-                                          </p:spTgt>
-                                        </p:tgtEl>
-                                      </p:cBhvr>
-                                    </p:animEffect>
-                                  </p:childTnLst>
-                                </p:cTn>
-                              </p:par>
-                            </p:childTnLst>
-                          </p:cTn>
-                        </p:par>
-                      </p:childTnLst>
-                    </p:cTn>
-                  </p:par>
-                  <p:par>
-                    <p:cTn id="42" fill="hold">
-                      <p:stCondLst>
-                        <p:cond delay="indefinite"/>
-                      </p:stCondLst>
-                      <p:childTnLst>
-                        <p:par>
-                          <p:cTn id="43" fill="hold">
-                            <p:stCondLst>
-                              <p:cond delay="0"/>
-                            </p:stCondLst>
-                            <p:childTnLst>
-                              <p:par>
-                                <p:cTn id="44" presetID="22" presetClass="entr" presetSubtype="8" fill="hold" grpId="0" nodeType="clickEffect">
-                                  <p:stCondLst>
-                                    <p:cond delay="0"/>
-                                  </p:stCondLst>
-                                  <p:childTnLst>
-                                    <p:set>
-                                      <p:cBhvr>
-                                        <p:cTn id="45" dur="1" fill="hold">
-                                          <p:stCondLst>
-                                            <p:cond delay="0"/>
-                                          </p:stCondLst>
-                                        </p:cTn>
-                                        <p:tgtEl>
-                                          <p:spTgt spid="8">
-                                            <p:txEl>
-                                              <p:pRg st="7" end="7"/>
-                                            </p:txEl>
-                                          </p:spTgt>
-                                        </p:tgtEl>
-                                        <p:attrNameLst>
-                                          <p:attrName>style.visibility</p:attrName>
-                                        </p:attrNameLst>
-                                      </p:cBhvr>
-                                      <p:to>
-                                        <p:strVal val="visible"/>
-                                      </p:to>
-                                    </p:set>
-                                    <p:animEffect transition="in" filter="wipe(left)">
-                                      <p:cBhvr>
-                                        <p:cTn id="46" dur="500"/>
-                                        <p:tgtEl>
-                                          <p:spTgt spid="8">
-                                            <p:txEl>
-                                              <p:pRg st="7" end="7"/>
-                                            </p:txEl>
-                                          </p:spTgt>
-                                        </p:tgtEl>
-                                      </p:cBhvr>
-                                    </p:animEffect>
-                                  </p:childTnLst>
-                                </p:cTn>
-                              </p:par>
-                            </p:childTnLst>
-                          </p:cTn>
-                        </p:par>
-                      </p:childTnLst>
-                    </p:cTn>
-                  </p:par>
-                  <p:par>
-                    <p:cTn id="47" fill="hold">
-                      <p:stCondLst>
-                        <p:cond delay="indefinite"/>
-                      </p:stCondLst>
-                      <p:childTnLst>
-                        <p:par>
-                          <p:cTn id="48" fill="hold">
-                            <p:stCondLst>
-                              <p:cond delay="0"/>
-                            </p:stCondLst>
-                            <p:childTnLst>
-                              <p:par>
-                                <p:cTn id="49" presetID="22" presetClass="entr" presetSubtype="8" fill="hold" grpId="0" nodeType="clickEffect">
-                                  <p:stCondLst>
-                                    <p:cond delay="0"/>
-                                  </p:stCondLst>
-                                  <p:childTnLst>
-                                    <p:set>
-                                      <p:cBhvr>
-                                        <p:cTn id="50" dur="1" fill="hold">
-                                          <p:stCondLst>
-                                            <p:cond delay="0"/>
-                                          </p:stCondLst>
-                                        </p:cTn>
-                                        <p:tgtEl>
-                                          <p:spTgt spid="8">
-                                            <p:txEl>
-                                              <p:pRg st="8" end="8"/>
-                                            </p:txEl>
-                                          </p:spTgt>
-                                        </p:tgtEl>
-                                        <p:attrNameLst>
-                                          <p:attrName>style.visibility</p:attrName>
-                                        </p:attrNameLst>
-                                      </p:cBhvr>
-                                      <p:to>
-                                        <p:strVal val="visible"/>
-                                      </p:to>
-                                    </p:set>
-                                    <p:animEffect transition="in" filter="wipe(left)">
-                                      <p:cBhvr>
-                                        <p:cTn id="51" dur="500"/>
-                                        <p:tgtEl>
-                                          <p:spTgt spid="8">
-                                            <p:txEl>
-                                              <p:pRg st="8" end="8"/>
-                                            </p:txEl>
-                                          </p:spTgt>
-                                        </p:tgtEl>
-                                      </p:cBhvr>
-                                    </p:animEffect>
-                                  </p:childTnLst>
-                                </p:cTn>
-                              </p:par>
-                            </p:childTnLst>
-                          </p:cTn>
-                        </p:par>
-                      </p:childTnLst>
-                    </p:cTn>
-                  </p:par>
-                  <p:par>
-                    <p:cTn id="52" fill="hold">
-                      <p:stCondLst>
-                        <p:cond delay="indefinite"/>
-                      </p:stCondLst>
-                      <p:childTnLst>
-                        <p:par>
-                          <p:cTn id="53" fill="hold">
-                            <p:stCondLst>
-                              <p:cond delay="0"/>
-                            </p:stCondLst>
-                            <p:childTnLst>
-                              <p:par>
-                                <p:cTn id="54" presetID="22" presetClass="entr" presetSubtype="8" fill="hold" grpId="0" nodeType="clickEffect">
-                                  <p:stCondLst>
-                                    <p:cond delay="0"/>
-                                  </p:stCondLst>
-                                  <p:childTnLst>
-                                    <p:set>
-                                      <p:cBhvr>
-                                        <p:cTn id="55" dur="1" fill="hold">
-                                          <p:stCondLst>
-                                            <p:cond delay="0"/>
-                                          </p:stCondLst>
-                                        </p:cTn>
-                                        <p:tgtEl>
-                                          <p:spTgt spid="8">
-                                            <p:txEl>
-                                              <p:pRg st="9" end="9"/>
-                                            </p:txEl>
-                                          </p:spTgt>
-                                        </p:tgtEl>
-                                        <p:attrNameLst>
-                                          <p:attrName>style.visibility</p:attrName>
-                                        </p:attrNameLst>
-                                      </p:cBhvr>
-                                      <p:to>
-                                        <p:strVal val="visible"/>
-                                      </p:to>
-                                    </p:set>
-                                    <p:animEffect transition="in" filter="wipe(left)">
-                                      <p:cBhvr>
-                                        <p:cTn id="56" dur="500"/>
-                                        <p:tgtEl>
-                                          <p:spTgt spid="8">
-                                            <p:txEl>
-                                              <p:pRg st="9" end="9"/>
-                                            </p:txEl>
-                                          </p:spTgt>
-                                        </p:tgtEl>
-                                      </p:cBhvr>
-                                    </p:animEffect>
-                                  </p:childTnLst>
-                                </p:cTn>
-                              </p:par>
-                            </p:childTnLst>
-                          </p:cTn>
-                        </p:par>
-                      </p:childTnLst>
-                    </p:cTn>
-                  </p:par>
-                  <p:par>
-                    <p:cTn id="57" fill="hold">
-                      <p:stCondLst>
-                        <p:cond delay="indefinite"/>
-                      </p:stCondLst>
-                      <p:childTnLst>
-                        <p:par>
-                          <p:cTn id="58" fill="hold">
-                            <p:stCondLst>
-                              <p:cond delay="0"/>
-                            </p:stCondLst>
-                            <p:childTnLst>
-                              <p:par>
-                                <p:cTn id="59" presetID="22" presetClass="entr" presetSubtype="8" fill="hold" grpId="0" nodeType="clickEffect">
-                                  <p:stCondLst>
-                                    <p:cond delay="0"/>
-                                  </p:stCondLst>
-                                  <p:childTnLst>
-                                    <p:set>
-                                      <p:cBhvr>
-                                        <p:cTn id="60" dur="1" fill="hold">
-                                          <p:stCondLst>
-                                            <p:cond delay="0"/>
-                                          </p:stCondLst>
-                                        </p:cTn>
-                                        <p:tgtEl>
-                                          <p:spTgt spid="8">
-                                            <p:txEl>
-                                              <p:pRg st="10" end="10"/>
-                                            </p:txEl>
-                                          </p:spTgt>
-                                        </p:tgtEl>
-                                        <p:attrNameLst>
-                                          <p:attrName>style.visibility</p:attrName>
-                                        </p:attrNameLst>
-                                      </p:cBhvr>
-                                      <p:to>
-                                        <p:strVal val="visible"/>
-                                      </p:to>
-                                    </p:set>
-                                    <p:animEffect transition="in" filter="wipe(left)">
-                                      <p:cBhvr>
-                                        <p:cTn id="61" dur="500"/>
-                                        <p:tgtEl>
-                                          <p:spTgt spid="8">
-                                            <p:txEl>
-                                              <p:pRg st="10" end="10"/>
-                                            </p:txEl>
-                                          </p:spTgt>
-                                        </p:tgtEl>
-                                      </p:cBhvr>
-                                    </p:animEffect>
-                                  </p:childTnLst>
-                                </p:cTn>
-                              </p:par>
-                            </p:childTnLst>
-                          </p:cTn>
-                        </p:par>
-                      </p:childTnLst>
-                    </p:cTn>
-                  </p:par>
-                </p:childTnLst>
-              </p:cTn>
-              <p:prevCondLst>
-                <p:cond evt="onPrev" delay="0">
-                  <p:tgtEl>
-                    <p:sldTgt/>
-                  </p:tgtEl>
-                </p:cond>
-              </p:prevCondLst>
-              <p:nextCondLst>
-                <p:cond evt="onNext" delay="0">
-                  <p:tgtEl>
-                    <p:sldTgt/>
-                  </p:tgtEl>
-                </p:cond>
-              </p:nextCondLst>
-            </p:seq>
-          </p:childTnLst>
-        </p:cTn>
-      </p:par>
-    </p:tnLst>
-    <p:bldLst>
-      <p:bldP spid="8" grpId="0" uiExpand="1" build="p" animBg="1"/>
-    </p:bldLst>
-  </p:timing>
-</p:sld>
-</file>
-
-<file path=ppt/slides/slide11.xml><?xml version="1.0" encoding="utf-8"?>
-<p:sld xmlns:a="http://schemas.openxmlformats.org/drawingml/2006/main" xmlns:r="http://schemas.openxmlformats.org/officeDocument/2006/relationships" xmlns:p="http://schemas.openxmlformats.org/presentationml/2006/main">
-  <p:cSld>
-    <p:spTree>
-      <p:nvGrpSpPr>
-        <p:cNvPr id="1" name=""/>
-        <p:cNvGrpSpPr/>
-        <p:nvPr/>
-      </p:nvGrpSpPr>
-      <p:grpSpPr>
-        <a:xfrm>
-          <a:off x="0" y="0"/>
-          <a:ext cx="0" cy="0"/>
-          <a:chOff x="0" y="0"/>
-          <a:chExt cx="0" cy="0"/>
-        </a:xfrm>
-      </p:grpSpPr>
-      <p:sp>
-        <p:nvSpPr>
-          <p:cNvPr id="2" name="Title 1">
-            <a:extLst>
-              <a:ext uri="{FF2B5EF4-FFF2-40B4-BE49-F238E27FC236}">
                 <a16:creationId xmlns:a16="http://schemas.microsoft.com/office/drawing/2014/main" id="{776F5F82-8BDA-6044-BB01-AE44298016CC}"/>
               </a:ext>
             </a:extLst>
@@ -5853,9 +4931,6 @@
                     <a14:imgEffect>
                       <a14:artisticPhotocopy/>
                     </a14:imgEffect>
-                    <a14:imgEffect>
-                      <a14:colorTemperature colorTemp="7117"/>
-                    </a14:imgEffect>
                   </a14:imgLayer>
                 </a14:imgProps>
               </a:ext>
@@ -5867,8 +4942,8 @@
         </p:blipFill>
         <p:spPr>
           <a:xfrm>
-            <a:off x="963837" y="2392307"/>
-            <a:ext cx="5394960" cy="3587075"/>
+            <a:off x="707923" y="2553020"/>
+            <a:ext cx="5650874" cy="3124162"/>
           </a:xfrm>
           <a:prstGeom prst="rect">
             <a:avLst/>
@@ -6524,7 +5599,7 @@
 </p:sld>
 </file>
 
-<file path=ppt/slides/slide12.xml><?xml version="1.0" encoding="utf-8"?>
+<file path=ppt/slides/slide11.xml><?xml version="1.0" encoding="utf-8"?>
 <p:sld xmlns:a="http://schemas.openxmlformats.org/drawingml/2006/main" xmlns:r="http://schemas.openxmlformats.org/officeDocument/2006/relationships" xmlns:p="http://schemas.openxmlformats.org/presentationml/2006/main">
   <p:cSld>
     <p:spTree>
@@ -6600,7 +5675,23 @@
                   <a:srgbClr val="00B0F0"/>
                 </a:solidFill>
               </a:rPr>
-              <a:t>(s)</a:t>
+              <a:t>(</a:t>
+            </a:r>
+            <a:r>
+              <a:rPr lang="en-US" b="1" i="1" dirty="0" err="1">
+                <a:solidFill>
+                  <a:srgbClr val="00B0F0"/>
+                </a:solidFill>
+              </a:rPr>
+              <a:t>es</a:t>
+            </a:r>
+            <a:r>
+              <a:rPr lang="en-US" b="1" i="1" dirty="0">
+                <a:solidFill>
+                  <a:srgbClr val="00B0F0"/>
+                </a:solidFill>
+              </a:rPr>
+              <a:t>)</a:t>
             </a:r>
             <a:r>
               <a:rPr lang="en-US" dirty="0"/>
@@ -6880,7 +5971,7 @@
 </p:sld>
 </file>
 
-<file path=ppt/slides/slide13.xml><?xml version="1.0" encoding="utf-8"?>
+<file path=ppt/slides/slide12.xml><?xml version="1.0" encoding="utf-8"?>
 <p:sld xmlns:a="http://schemas.openxmlformats.org/drawingml/2006/main" xmlns:r="http://schemas.openxmlformats.org/officeDocument/2006/relationships" xmlns:p="http://schemas.openxmlformats.org/presentationml/2006/main">
   <p:cSld>
     <p:spTree>
@@ -6938,7 +6029,7 @@
 </p:sld>
 </file>
 
-<file path=ppt/slides/slide14.xml><?xml version="1.0" encoding="utf-8"?>
+<file path=ppt/slides/slide13.xml><?xml version="1.0" encoding="utf-8"?>
 <p:sld xmlns:a="http://schemas.openxmlformats.org/drawingml/2006/main" xmlns:r="http://schemas.openxmlformats.org/officeDocument/2006/relationships" xmlns:p="http://schemas.openxmlformats.org/presentationml/2006/main">
   <p:cSld>
     <p:spTree>
@@ -7003,7 +6094,7 @@
           <p:nvPr/>
         </p:nvPicPr>
         <p:blipFill>
-          <a:blip r:embed="rId2">
+          <a:blip r:embed="rId3">
             <a:lum bright="70000" contrast="-70000"/>
             <a:extLst>
               <a:ext uri="{BEBA8EAE-BF5A-486C-A8C5-ECC9F3942E4B}">
@@ -7555,7 +6646,7 @@
                 <a:ea typeface="Menlo" panose="020B0609030804020204" pitchFamily="49" charset="0"/>
                 <a:cs typeface="Menlo" panose="020B0609030804020204" pitchFamily="49" charset="0"/>
               </a:rPr>
-              <a:t>’&gt;, (&lt;class '__</a:t>
+              <a:t>’&gt;, &lt;class '__</a:t>
             </a:r>
             <a:r>
               <a:rPr lang="en-US" dirty="0" err="1">
@@ -8491,7 +7582,7 @@
 </p:sld>
 </file>
 
-<file path=ppt/slides/slide15.xml><?xml version="1.0" encoding="utf-8"?>
+<file path=ppt/slides/slide14.xml><?xml version="1.0" encoding="utf-8"?>
 <p:sld xmlns:a="http://schemas.openxmlformats.org/drawingml/2006/main" xmlns:r="http://schemas.openxmlformats.org/officeDocument/2006/relationships" xmlns:p="http://schemas.openxmlformats.org/presentationml/2006/main">
   <p:cSld>
     <p:spTree>
@@ -8556,7 +7647,7 @@
           <p:nvPr/>
         </p:nvPicPr>
         <p:blipFill>
-          <a:blip r:embed="rId2">
+          <a:blip r:embed="rId3">
             <a:lum bright="70000" contrast="-70000"/>
             <a:extLst>
               <a:ext uri="{BEBA8EAE-BF5A-486C-A8C5-ECC9F3942E4B}">
@@ -8815,78 +7906,6 @@
                 <a:cs typeface="Menlo" panose="020B0609030804020204" pitchFamily="49" charset="0"/>
               </a:rPr>
               <a:t> D?</a:t>
-            </a:r>
-          </a:p>
-          <a:p>
-            <a:pPr lvl="3"/>
-            <a:r>
-              <a:rPr lang="en-US" dirty="0">
-                <a:ea typeface="Menlo" panose="020B0609030804020204" pitchFamily="49" charset="0"/>
-                <a:cs typeface="Menlo" panose="020B0609030804020204" pitchFamily="49" charset="0"/>
-              </a:rPr>
-              <a:t>we want to stay close to </a:t>
-            </a:r>
-            <a:r>
-              <a:rPr lang="en-US" dirty="0">
-                <a:latin typeface="Menlo" panose="020B0609030804020204" pitchFamily="49" charset="0"/>
-                <a:ea typeface="Menlo" panose="020B0609030804020204" pitchFamily="49" charset="0"/>
-                <a:cs typeface="Menlo" panose="020B0609030804020204" pitchFamily="49" charset="0"/>
-              </a:rPr>
-              <a:t>E</a:t>
-            </a:r>
-            <a:r>
-              <a:rPr lang="en-US" dirty="0">
-                <a:ea typeface="Menlo" panose="020B0609030804020204" pitchFamily="49" charset="0"/>
-                <a:cs typeface="Menlo" panose="020B0609030804020204" pitchFamily="49" charset="0"/>
-              </a:rPr>
-              <a:t> if possible</a:t>
-            </a:r>
-          </a:p>
-          <a:p>
-            <a:pPr lvl="3"/>
-            <a:r>
-              <a:rPr lang="en-US" dirty="0">
-                <a:ea typeface="Menlo" panose="020B0609030804020204" pitchFamily="49" charset="0"/>
-                <a:cs typeface="Menlo" panose="020B0609030804020204" pitchFamily="49" charset="0"/>
-              </a:rPr>
-              <a:t>lets search bottom-up</a:t>
-            </a:r>
-          </a:p>
-          <a:p>
-            <a:pPr lvl="2"/>
-            <a:r>
-              <a:rPr lang="en-US" dirty="0">
-                <a:latin typeface="Menlo" panose="020B0609030804020204" pitchFamily="49" charset="0"/>
-                <a:ea typeface="Menlo" panose="020B0609030804020204" pitchFamily="49" charset="0"/>
-                <a:cs typeface="Menlo" panose="020B0609030804020204" pitchFamily="49" charset="0"/>
-              </a:rPr>
-              <a:t>D</a:t>
-            </a:r>
-          </a:p>
-          <a:p>
-            <a:pPr lvl="2"/>
-            <a:r>
-              <a:rPr lang="en-US" dirty="0">
-                <a:latin typeface="Menlo" panose="020B0609030804020204" pitchFamily="49" charset="0"/>
-                <a:ea typeface="Menlo" panose="020B0609030804020204" pitchFamily="49" charset="0"/>
-                <a:cs typeface="Menlo" panose="020B0609030804020204" pitchFamily="49" charset="0"/>
-              </a:rPr>
-              <a:t>A </a:t>
-            </a:r>
-            <a:r>
-              <a:rPr lang="en-US" dirty="0">
-                <a:ea typeface="Menlo" panose="020B0609030804020204" pitchFamily="49" charset="0"/>
-                <a:cs typeface="Menlo" panose="020B0609030804020204" pitchFamily="49" charset="0"/>
-              </a:rPr>
-              <a:t>or</a:t>
-            </a:r>
-            <a:r>
-              <a:rPr lang="en-US" dirty="0">
-                <a:latin typeface="Menlo" panose="020B0609030804020204" pitchFamily="49" charset="0"/>
-                <a:ea typeface="Menlo" panose="020B0609030804020204" pitchFamily="49" charset="0"/>
-                <a:cs typeface="Menlo" panose="020B0609030804020204" pitchFamily="49" charset="0"/>
-              </a:rPr>
-              <a:t> B?</a:t>
             </a:r>
           </a:p>
           <a:p>
@@ -9450,184 +8469,6 @@
                                   </p:childTnLst>
                                 </p:cTn>
                               </p:par>
-                              <p:par>
-                                <p:cTn id="45" presetID="1" presetClass="entr" presetSubtype="0" fill="hold" grpId="0" nodeType="withEffect">
-                                  <p:stCondLst>
-                                    <p:cond delay="0"/>
-                                  </p:stCondLst>
-                                  <p:childTnLst>
-                                    <p:set>
-                                      <p:cBhvr>
-                                        <p:cTn id="46" dur="1" fill="hold">
-                                          <p:stCondLst>
-                                            <p:cond delay="0"/>
-                                          </p:stCondLst>
-                                        </p:cTn>
-                                        <p:tgtEl>
-                                          <p:spTgt spid="5">
-                                            <p:txEl>
-                                              <p:pRg st="11" end="11"/>
-                                            </p:txEl>
-                                          </p:spTgt>
-                                        </p:tgtEl>
-                                        <p:attrNameLst>
-                                          <p:attrName>style.visibility</p:attrName>
-                                        </p:attrNameLst>
-                                      </p:cBhvr>
-                                      <p:to>
-                                        <p:strVal val="visible"/>
-                                      </p:to>
-                                    </p:set>
-                                  </p:childTnLst>
-                                </p:cTn>
-                              </p:par>
-                            </p:childTnLst>
-                          </p:cTn>
-                        </p:par>
-                      </p:childTnLst>
-                    </p:cTn>
-                  </p:par>
-                  <p:par>
-                    <p:cTn id="47" fill="hold">
-                      <p:stCondLst>
-                        <p:cond delay="indefinite"/>
-                      </p:stCondLst>
-                      <p:childTnLst>
-                        <p:par>
-                          <p:cTn id="48" fill="hold">
-                            <p:stCondLst>
-                              <p:cond delay="0"/>
-                            </p:stCondLst>
-                            <p:childTnLst>
-                              <p:par>
-                                <p:cTn id="49" presetID="1" presetClass="entr" presetSubtype="0" fill="hold" grpId="0" nodeType="clickEffect">
-                                  <p:stCondLst>
-                                    <p:cond delay="0"/>
-                                  </p:stCondLst>
-                                  <p:childTnLst>
-                                    <p:set>
-                                      <p:cBhvr>
-                                        <p:cTn id="50" dur="1" fill="hold">
-                                          <p:stCondLst>
-                                            <p:cond delay="0"/>
-                                          </p:stCondLst>
-                                        </p:cTn>
-                                        <p:tgtEl>
-                                          <p:spTgt spid="5">
-                                            <p:txEl>
-                                              <p:pRg st="12" end="12"/>
-                                            </p:txEl>
-                                          </p:spTgt>
-                                        </p:tgtEl>
-                                        <p:attrNameLst>
-                                          <p:attrName>style.visibility</p:attrName>
-                                        </p:attrNameLst>
-                                      </p:cBhvr>
-                                      <p:to>
-                                        <p:strVal val="visible"/>
-                                      </p:to>
-                                    </p:set>
-                                  </p:childTnLst>
-                                </p:cTn>
-                              </p:par>
-                            </p:childTnLst>
-                          </p:cTn>
-                        </p:par>
-                      </p:childTnLst>
-                    </p:cTn>
-                  </p:par>
-                  <p:par>
-                    <p:cTn id="51" fill="hold">
-                      <p:stCondLst>
-                        <p:cond delay="indefinite"/>
-                      </p:stCondLst>
-                      <p:childTnLst>
-                        <p:par>
-                          <p:cTn id="52" fill="hold">
-                            <p:stCondLst>
-                              <p:cond delay="0"/>
-                            </p:stCondLst>
-                            <p:childTnLst>
-                              <p:par>
-                                <p:cTn id="53" presetID="1" presetClass="entr" presetSubtype="0" fill="hold" grpId="0" nodeType="clickEffect">
-                                  <p:stCondLst>
-                                    <p:cond delay="0"/>
-                                  </p:stCondLst>
-                                  <p:childTnLst>
-                                    <p:set>
-                                      <p:cBhvr>
-                                        <p:cTn id="54" dur="1" fill="hold">
-                                          <p:stCondLst>
-                                            <p:cond delay="0"/>
-                                          </p:stCondLst>
-                                        </p:cTn>
-                                        <p:tgtEl>
-                                          <p:spTgt spid="5">
-                                            <p:txEl>
-                                              <p:pRg st="13" end="13"/>
-                                            </p:txEl>
-                                          </p:spTgt>
-                                        </p:tgtEl>
-                                        <p:attrNameLst>
-                                          <p:attrName>style.visibility</p:attrName>
-                                        </p:attrNameLst>
-                                      </p:cBhvr>
-                                      <p:to>
-                                        <p:strVal val="visible"/>
-                                      </p:to>
-                                    </p:set>
-                                  </p:childTnLst>
-                                </p:cTn>
-                              </p:par>
-                            </p:childTnLst>
-                          </p:cTn>
-                        </p:par>
-                      </p:childTnLst>
-                    </p:cTn>
-                  </p:par>
-                  <p:par>
-                    <p:cTn id="55" fill="hold">
-                      <p:stCondLst>
-                        <p:cond delay="indefinite"/>
-                      </p:stCondLst>
-                      <p:childTnLst>
-                        <p:par>
-                          <p:cTn id="56" fill="hold">
-                            <p:stCondLst>
-                              <p:cond delay="0"/>
-                            </p:stCondLst>
-                            <p:childTnLst>
-                              <p:par>
-                                <p:cTn id="57" presetID="1" presetClass="entr" presetSubtype="0" fill="hold" grpId="0" nodeType="clickEffect">
-                                  <p:stCondLst>
-                                    <p:cond delay="0"/>
-                                  </p:stCondLst>
-                                  <p:childTnLst>
-                                    <p:set>
-                                      <p:cBhvr>
-                                        <p:cTn id="58" dur="1" fill="hold">
-                                          <p:stCondLst>
-                                            <p:cond delay="0"/>
-                                          </p:stCondLst>
-                                        </p:cTn>
-                                        <p:tgtEl>
-                                          <p:spTgt spid="5">
-                                            <p:txEl>
-                                              <p:pRg st="14" end="14"/>
-                                            </p:txEl>
-                                          </p:spTgt>
-                                        </p:tgtEl>
-                                        <p:attrNameLst>
-                                          <p:attrName>style.visibility</p:attrName>
-                                        </p:attrNameLst>
-                                      </p:cBhvr>
-                                      <p:to>
-                                        <p:strVal val="visible"/>
-                                      </p:to>
-                                    </p:set>
-                                  </p:childTnLst>
-                                </p:cTn>
-                              </p:par>
                             </p:childTnLst>
                           </p:cTn>
                         </p:par>
@@ -9662,7 +8503,7 @@
 </p:sld>
 </file>
 
-<file path=ppt/slides/slide16.xml><?xml version="1.0" encoding="utf-8"?>
+<file path=ppt/slides/slide15.xml><?xml version="1.0" encoding="utf-8"?>
 <p:sld xmlns:a="http://schemas.openxmlformats.org/drawingml/2006/main" xmlns:r="http://schemas.openxmlformats.org/officeDocument/2006/relationships" xmlns:p="http://schemas.openxmlformats.org/presentationml/2006/main">
   <p:cSld>
     <p:spTree>
@@ -9755,8 +8596,8 @@
           </a:prstGeom>
         </p:spPr>
       </p:pic>
-      <mc:AlternateContent xmlns:mc="http://schemas.openxmlformats.org/markup-compatibility/2006">
-        <mc:Choice xmlns:a14="http://schemas.microsoft.com/office/drawing/2010/main" Requires="a14">
+      <mc:AlternateContent xmlns:mc="http://schemas.openxmlformats.org/markup-compatibility/2006" xmlns:a14="http://schemas.microsoft.com/office/drawing/2010/main">
+        <mc:Choice Requires="a14">
           <p:sp>
             <p:nvSpPr>
               <p:cNvPr id="5" name="Content Placeholder 2">
@@ -10551,7 +9392,7 @@
                         <m:sSub>
                           <m:sSubPr>
                             <m:ctrlPr>
-                              <a:rPr lang="en-US" dirty="0" smtClean="0">
+                              <a:rPr lang="en-US" i="1" dirty="0" smtClean="0">
                                 <a:solidFill>
                                   <a:schemeClr val="accent2">
                                     <a:lumMod val="40000"/>
@@ -10611,7 +9452,7 @@
                         <m:sSub>
                           <m:sSubPr>
                             <m:ctrlPr>
-                              <a:rPr lang="en-US" dirty="0" smtClean="0">
+                              <a:rPr lang="en-US" i="1" dirty="0" smtClean="0">
                                 <a:solidFill>
                                   <a:schemeClr val="accent2">
                                     <a:lumMod val="40000"/>
@@ -11055,7 +9896,7 @@
             </p:txBody>
           </p:sp>
         </mc:Choice>
-        <mc:Fallback>
+        <mc:Fallback xmlns="">
           <p:sp>
             <p:nvSpPr>
               <p:cNvPr id="5" name="Content Placeholder 2">
@@ -11825,13 +10666,13 @@
       </p:par>
     </p:tnLst>
     <p:bldLst>
-      <p:bldP spid="5" grpId="0" build="p" bldLvl="3"/>
+      <p:bldP spid="5" grpId="0" uiExpand="1" build="p" bldLvl="3"/>
     </p:bldLst>
   </p:timing>
 </p:sld>
 </file>
 
-<file path=ppt/slides/slide17.xml><?xml version="1.0" encoding="utf-8"?>
+<file path=ppt/slides/slide16.xml><?xml version="1.0" encoding="utf-8"?>
 <p:sld xmlns:a="http://schemas.openxmlformats.org/drawingml/2006/main" xmlns:r="http://schemas.openxmlformats.org/officeDocument/2006/relationships" xmlns:p="http://schemas.openxmlformats.org/presentationml/2006/main">
   <p:cSld>
     <p:spTree>
@@ -11924,8 +10765,8 @@
           </a:prstGeom>
         </p:spPr>
       </p:pic>
-      <mc:AlternateContent xmlns:mc="http://schemas.openxmlformats.org/markup-compatibility/2006">
-        <mc:Choice xmlns:a14="http://schemas.microsoft.com/office/drawing/2010/main" Requires="a14">
+      <mc:AlternateContent xmlns:mc="http://schemas.openxmlformats.org/markup-compatibility/2006" xmlns:a14="http://schemas.microsoft.com/office/drawing/2010/main">
+        <mc:Choice Requires="a14">
           <p:sp>
             <p:nvSpPr>
               <p:cNvPr id="5" name="Content Placeholder 2">
@@ -12720,7 +11561,7 @@
                         <m:sSub>
                           <m:sSubPr>
                             <m:ctrlPr>
-                              <a:rPr lang="en-US" dirty="0" smtClean="0">
+                              <a:rPr lang="en-US" i="1" dirty="0" smtClean="0">
                                 <a:solidFill>
                                   <a:schemeClr val="accent2">
                                     <a:lumMod val="40000"/>
@@ -12780,7 +11621,7 @@
                         <m:sSub>
                           <m:sSubPr>
                             <m:ctrlPr>
-                              <a:rPr lang="en-US" dirty="0" smtClean="0">
+                              <a:rPr lang="en-US" i="1" dirty="0" smtClean="0">
                                 <a:solidFill>
                                   <a:schemeClr val="accent2">
                                     <a:lumMod val="40000"/>
@@ -13301,7 +12142,7 @@
                         <m:begChr m:val="["/>
                         <m:endChr m:val="]"/>
                         <m:ctrlPr>
-                          <a:rPr lang="en-US">
+                          <a:rPr lang="en-US" i="1">
                             <a:solidFill>
                               <a:srgbClr val="00B0F0"/>
                             </a:solidFill>
@@ -13499,7 +12340,7 @@
                         <m:begChr m:val="["/>
                         <m:endChr m:val="]"/>
                         <m:ctrlPr>
-                          <a:rPr lang="en-US">
+                          <a:rPr lang="en-US" i="1">
                             <a:latin typeface="Cambria Math" panose="02040503050406030204" pitchFamily="18" charset="0"/>
                             <a:ea typeface="Menlo" panose="020B0609030804020204" pitchFamily="49" charset="0"/>
                             <a:cs typeface="Menlo" panose="020B0609030804020204" pitchFamily="49" charset="0"/>
@@ -13575,7 +12416,7 @@
             </p:txBody>
           </p:sp>
         </mc:Choice>
-        <mc:Fallback>
+        <mc:Fallback xmlns="">
           <p:sp>
             <p:nvSpPr>
               <p:cNvPr id="5" name="Content Placeholder 2">
@@ -14174,7 +13015,7 @@
 </p:sld>
 </file>
 
-<file path=ppt/slides/slide18.xml><?xml version="1.0" encoding="utf-8"?>
+<file path=ppt/slides/slide17.xml><?xml version="1.0" encoding="utf-8"?>
 <p:sld xmlns:a="http://schemas.openxmlformats.org/drawingml/2006/main" xmlns:r="http://schemas.openxmlformats.org/officeDocument/2006/relationships" xmlns:p="http://schemas.openxmlformats.org/presentationml/2006/main">
   <p:cSld>
     <p:spTree>
@@ -14267,8 +13108,8 @@
           </a:prstGeom>
         </p:spPr>
       </p:pic>
-      <mc:AlternateContent xmlns:mc="http://schemas.openxmlformats.org/markup-compatibility/2006">
-        <mc:Choice xmlns:a14="http://schemas.microsoft.com/office/drawing/2010/main" Requires="a14">
+      <mc:AlternateContent xmlns:mc="http://schemas.openxmlformats.org/markup-compatibility/2006" xmlns:a14="http://schemas.microsoft.com/office/drawing/2010/main">
+        <mc:Choice Requires="a14">
           <p:sp>
             <p:nvSpPr>
               <p:cNvPr id="5" name="Content Placeholder 2">
@@ -15063,7 +13904,7 @@
                         <m:sSub>
                           <m:sSubPr>
                             <m:ctrlPr>
-                              <a:rPr lang="en-US" dirty="0" smtClean="0">
+                              <a:rPr lang="en-US" i="1" dirty="0" smtClean="0">
                                 <a:solidFill>
                                   <a:schemeClr val="accent2">
                                     <a:lumMod val="40000"/>
@@ -15123,7 +13964,7 @@
                         <m:sSub>
                           <m:sSubPr>
                             <m:ctrlPr>
-                              <a:rPr lang="en-US" dirty="0" smtClean="0">
+                              <a:rPr lang="en-US" i="1" dirty="0" smtClean="0">
                                 <a:solidFill>
                                   <a:schemeClr val="accent2">
                                     <a:lumMod val="40000"/>
@@ -15426,7 +14267,7 @@
                         <m:begChr m:val="["/>
                         <m:endChr m:val="]"/>
                         <m:ctrlPr>
-                          <a:rPr lang="en-US">
+                          <a:rPr lang="en-US" i="1">
                             <a:solidFill>
                               <a:srgbClr val="00B0F0"/>
                             </a:solidFill>
@@ -15644,7 +14485,7 @@
                         <m:begChr m:val="["/>
                         <m:endChr m:val="]"/>
                         <m:ctrlPr>
-                          <a:rPr lang="en-US">
+                          <a:rPr lang="en-US" i="1">
                             <a:solidFill>
                               <a:srgbClr val="00B0F0"/>
                             </a:solidFill>
@@ -15842,7 +14683,7 @@
                         <m:begChr m:val="["/>
                         <m:endChr m:val="]"/>
                         <m:ctrlPr>
-                          <a:rPr lang="en-US">
+                          <a:rPr lang="en-US" i="1">
                             <a:latin typeface="Cambria Math" panose="02040503050406030204" pitchFamily="18" charset="0"/>
                             <a:ea typeface="Menlo" panose="020B0609030804020204" pitchFamily="49" charset="0"/>
                             <a:cs typeface="Menlo" panose="020B0609030804020204" pitchFamily="49" charset="0"/>
@@ -15918,7 +14759,7 @@
             </p:txBody>
           </p:sp>
         </mc:Choice>
-        <mc:Fallback>
+        <mc:Fallback xmlns="">
           <p:sp>
             <p:nvSpPr>
               <p:cNvPr id="5" name="Content Placeholder 2">
@@ -16026,33 +14867,15 @@
                                   </p:childTnLst>
                                 </p:cTn>
                               </p:par>
-                            </p:childTnLst>
-                          </p:cTn>
-                        </p:par>
-                      </p:childTnLst>
-                    </p:cTn>
-                  </p:par>
-                  <p:par>
-                    <p:cTn id="7" fill="hold">
-                      <p:stCondLst>
-                        <p:cond delay="indefinite"/>
-                      </p:stCondLst>
-                      <p:childTnLst>
-                        <p:par>
-                          <p:cTn id="8" fill="hold">
-                            <p:stCondLst>
-                              <p:cond delay="0"/>
-                            </p:stCondLst>
-                            <p:childTnLst>
                               <p:par>
-                                <p:cTn id="9" presetID="1" presetClass="entr" presetSubtype="0" fill="hold" grpId="0" nodeType="clickEffect">
+                                <p:cTn id="7" presetID="1" presetClass="entr" presetSubtype="0" fill="hold" grpId="0" nodeType="withEffect">
                                   <p:stCondLst>
                                     <p:cond delay="0"/>
                                   </p:stCondLst>
                                   <p:childTnLst>
                                     <p:set>
                                       <p:cBhvr>
-                                        <p:cTn id="10" dur="1" fill="hold">
+                                        <p:cTn id="8" dur="1" fill="hold">
                                           <p:stCondLst>
                                             <p:cond delay="0"/>
                                           </p:stCondLst>
@@ -16075,33 +14898,15 @@
                                   </p:childTnLst>
                                 </p:cTn>
                               </p:par>
-                            </p:childTnLst>
-                          </p:cTn>
-                        </p:par>
-                      </p:childTnLst>
-                    </p:cTn>
-                  </p:par>
-                  <p:par>
-                    <p:cTn id="11" fill="hold">
-                      <p:stCondLst>
-                        <p:cond delay="indefinite"/>
-                      </p:stCondLst>
-                      <p:childTnLst>
-                        <p:par>
-                          <p:cTn id="12" fill="hold">
-                            <p:stCondLst>
-                              <p:cond delay="0"/>
-                            </p:stCondLst>
-                            <p:childTnLst>
                               <p:par>
-                                <p:cTn id="13" presetID="1" presetClass="entr" presetSubtype="0" fill="hold" grpId="0" nodeType="clickEffect">
+                                <p:cTn id="9" presetID="1" presetClass="entr" presetSubtype="0" fill="hold" grpId="0" nodeType="withEffect">
                                   <p:stCondLst>
                                     <p:cond delay="0"/>
                                   </p:stCondLst>
                                   <p:childTnLst>
                                     <p:set>
                                       <p:cBhvr>
-                                        <p:cTn id="14" dur="1" fill="hold">
+                                        <p:cTn id="10" dur="1" fill="hold">
                                           <p:stCondLst>
                                             <p:cond delay="0"/>
                                           </p:stCondLst>
@@ -16124,26 +14929,101 @@
                                   </p:childTnLst>
                                 </p:cTn>
                               </p:par>
-                            </p:childTnLst>
-                          </p:cTn>
-                        </p:par>
-                      </p:childTnLst>
-                    </p:cTn>
-                  </p:par>
-                  <p:par>
-                    <p:cTn id="15" fill="hold">
-                      <p:stCondLst>
-                        <p:cond delay="indefinite"/>
-                      </p:stCondLst>
-                      <p:childTnLst>
-                        <p:par>
-                          <p:cTn id="16" fill="hold">
-                            <p:stCondLst>
-                              <p:cond delay="0"/>
-                            </p:stCondLst>
-                            <p:childTnLst>
                               <p:par>
-                                <p:cTn id="17" presetID="1" presetClass="entr" presetSubtype="0" fill="hold" grpId="0" nodeType="clickEffect">
+                                <p:cTn id="11" presetID="1" presetClass="entr" presetSubtype="0" fill="hold" grpId="0" nodeType="withEffect">
+                                  <p:stCondLst>
+                                    <p:cond delay="0"/>
+                                  </p:stCondLst>
+                                  <p:childTnLst>
+                                    <p:set>
+                                      <p:cBhvr>
+                                        <p:cTn id="12" dur="1" fill="hold">
+                                          <p:stCondLst>
+                                            <p:cond delay="0"/>
+                                          </p:stCondLst>
+                                        </p:cTn>
+                                        <p:tgtEl>
+                                          <p:spTgt spid="5">
+                                            <p:txEl>
+                                              <p:pRg st="3" end="3"/>
+                                            </p:txEl>
+                                          </p:spTgt>
+                                        </p:tgtEl>
+                                        <p:attrNameLst>
+                                          <p:attrName>style.visibility</p:attrName>
+                                        </p:attrNameLst>
+                                      </p:cBhvr>
+                                      <p:to>
+                                        <p:strVal val="visible"/>
+                                      </p:to>
+                                    </p:set>
+                                  </p:childTnLst>
+                                </p:cTn>
+                              </p:par>
+                              <p:par>
+                                <p:cTn id="13" presetID="1" presetClass="entr" presetSubtype="0" fill="hold" grpId="0" nodeType="withEffect">
+                                  <p:stCondLst>
+                                    <p:cond delay="0"/>
+                                  </p:stCondLst>
+                                  <p:childTnLst>
+                                    <p:set>
+                                      <p:cBhvr>
+                                        <p:cTn id="14" dur="1" fill="hold">
+                                          <p:stCondLst>
+                                            <p:cond delay="0"/>
+                                          </p:stCondLst>
+                                        </p:cTn>
+                                        <p:tgtEl>
+                                          <p:spTgt spid="5">
+                                            <p:txEl>
+                                              <p:pRg st="4" end="4"/>
+                                            </p:txEl>
+                                          </p:spTgt>
+                                        </p:tgtEl>
+                                        <p:attrNameLst>
+                                          <p:attrName>style.visibility</p:attrName>
+                                        </p:attrNameLst>
+                                      </p:cBhvr>
+                                      <p:to>
+                                        <p:strVal val="visible"/>
+                                      </p:to>
+                                    </p:set>
+                                  </p:childTnLst>
+                                </p:cTn>
+                              </p:par>
+                              <p:par>
+                                <p:cTn id="15" presetID="1" presetClass="entr" presetSubtype="0" fill="hold" grpId="0" nodeType="withEffect">
+                                  <p:stCondLst>
+                                    <p:cond delay="0"/>
+                                  </p:stCondLst>
+                                  <p:childTnLst>
+                                    <p:set>
+                                      <p:cBhvr>
+                                        <p:cTn id="16" dur="1" fill="hold">
+                                          <p:stCondLst>
+                                            <p:cond delay="0"/>
+                                          </p:stCondLst>
+                                        </p:cTn>
+                                        <p:tgtEl>
+                                          <p:spTgt spid="5">
+                                            <p:txEl>
+                                              <p:pRg st="5" end="5"/>
+                                            </p:txEl>
+                                          </p:spTgt>
+                                        </p:tgtEl>
+                                        <p:attrNameLst>
+                                          <p:attrName>style.visibility</p:attrName>
+                                        </p:attrNameLst>
+                                      </p:cBhvr>
+                                      <p:to>
+                                        <p:strVal val="visible"/>
+                                      </p:to>
+                                    </p:set>
+                                  </p:childTnLst>
+                                </p:cTn>
+                              </p:par>
+                              <p:par>
+                                <p:cTn id="17" presetID="1" presetClass="entr" presetSubtype="0" fill="hold" grpId="0" nodeType="withEffect">
                                   <p:stCondLst>
                                     <p:cond delay="0"/>
                                   </p:stCondLst>
@@ -16158,7 +15038,7 @@
                                         <p:tgtEl>
                                           <p:spTgt spid="5">
                                             <p:txEl>
-                                              <p:pRg st="3" end="3"/>
+                                              <p:pRg st="6" end="6"/>
                                             </p:txEl>
                                           </p:spTgt>
                                         </p:tgtEl>
@@ -16189,7 +15069,7 @@
                                         <p:tgtEl>
                                           <p:spTgt spid="5">
                                             <p:txEl>
-                                              <p:pRg st="4" end="4"/>
+                                              <p:pRg st="7" end="7"/>
                                             </p:txEl>
                                           </p:spTgt>
                                         </p:tgtEl>
@@ -16220,7 +15100,7 @@
                                         <p:tgtEl>
                                           <p:spTgt spid="5">
                                             <p:txEl>
-                                              <p:pRg st="5" end="5"/>
+                                              <p:pRg st="8" end="8"/>
                                             </p:txEl>
                                           </p:spTgt>
                                         </p:tgtEl>
@@ -16251,38 +15131,7 @@
                                         <p:tgtEl>
                                           <p:spTgt spid="5">
                                             <p:txEl>
-                                              <p:pRg st="6" end="6"/>
-                                            </p:txEl>
-                                          </p:spTgt>
-                                        </p:tgtEl>
-                                        <p:attrNameLst>
-                                          <p:attrName>style.visibility</p:attrName>
-                                        </p:attrNameLst>
-                                      </p:cBhvr>
-                                      <p:to>
-                                        <p:strVal val="visible"/>
-                                      </p:to>
-                                    </p:set>
-                                  </p:childTnLst>
-                                </p:cTn>
-                              </p:par>
-                              <p:par>
-                                <p:cTn id="25" presetID="1" presetClass="entr" presetSubtype="0" fill="hold" grpId="0" nodeType="withEffect">
-                                  <p:stCondLst>
-                                    <p:cond delay="0"/>
-                                  </p:stCondLst>
-                                  <p:childTnLst>
-                                    <p:set>
-                                      <p:cBhvr>
-                                        <p:cTn id="26" dur="1" fill="hold">
-                                          <p:stCondLst>
-                                            <p:cond delay="0"/>
-                                          </p:stCondLst>
-                                        </p:cTn>
-                                        <p:tgtEl>
-                                          <p:spTgt spid="5">
-                                            <p:txEl>
-                                              <p:pRg st="7" end="7"/>
+                                              <p:pRg st="9" end="9"/>
                                             </p:txEl>
                                           </p:spTgt>
                                         </p:tgtEl>
@@ -16304,26 +15153,26 @@
                     </p:cTn>
                   </p:par>
                   <p:par>
-                    <p:cTn id="27" fill="hold">
+                    <p:cTn id="25" fill="hold">
                       <p:stCondLst>
                         <p:cond delay="indefinite"/>
                       </p:stCondLst>
                       <p:childTnLst>
                         <p:par>
-                          <p:cTn id="28" fill="hold">
+                          <p:cTn id="26" fill="hold">
                             <p:stCondLst>
                               <p:cond delay="0"/>
                             </p:stCondLst>
                             <p:childTnLst>
                               <p:par>
-                                <p:cTn id="29" presetID="1" presetClass="entr" presetSubtype="0" fill="hold" grpId="0" nodeType="clickEffect">
+                                <p:cTn id="27" presetID="1" presetClass="entr" presetSubtype="0" fill="hold" grpId="0" nodeType="clickEffect">
                                   <p:stCondLst>
                                     <p:cond delay="0"/>
                                   </p:stCondLst>
                                   <p:childTnLst>
                                     <p:set>
                                       <p:cBhvr>
-                                        <p:cTn id="30" dur="1" fill="hold">
+                                        <p:cTn id="28" dur="1" fill="hold">
                                           <p:stCondLst>
                                             <p:cond delay="0"/>
                                           </p:stCondLst>
@@ -16331,7 +15180,7 @@
                                         <p:tgtEl>
                                           <p:spTgt spid="5">
                                             <p:txEl>
-                                              <p:pRg st="8" end="8"/>
+                                              <p:pRg st="10" end="10"/>
                                             </p:txEl>
                                           </p:spTgt>
                                         </p:tgtEl>
@@ -16346,8 +15195,26 @@
                                   </p:childTnLst>
                                 </p:cTn>
                               </p:par>
+                            </p:childTnLst>
+                          </p:cTn>
+                        </p:par>
+                      </p:childTnLst>
+                    </p:cTn>
+                  </p:par>
+                  <p:par>
+                    <p:cTn id="29" fill="hold">
+                      <p:stCondLst>
+                        <p:cond delay="indefinite"/>
+                      </p:stCondLst>
+                      <p:childTnLst>
+                        <p:par>
+                          <p:cTn id="30" fill="hold">
+                            <p:stCondLst>
+                              <p:cond delay="0"/>
+                            </p:stCondLst>
+                            <p:childTnLst>
                               <p:par>
-                                <p:cTn id="31" presetID="1" presetClass="entr" presetSubtype="0" fill="hold" grpId="0" nodeType="withEffect">
+                                <p:cTn id="31" presetID="1" presetClass="entr" presetSubtype="0" fill="hold" grpId="0" nodeType="clickEffect">
                                   <p:stCondLst>
                                     <p:cond delay="0"/>
                                   </p:stCondLst>
@@ -16362,7 +15229,7 @@
                                         <p:tgtEl>
                                           <p:spTgt spid="5">
                                             <p:txEl>
-                                              <p:pRg st="9" end="9"/>
+                                              <p:pRg st="11" end="11"/>
                                             </p:txEl>
                                           </p:spTgt>
                                         </p:tgtEl>
@@ -16411,7 +15278,7 @@
                                         <p:tgtEl>
                                           <p:spTgt spid="5">
                                             <p:txEl>
-                                              <p:pRg st="10" end="10"/>
+                                              <p:pRg st="12" end="12"/>
                                             </p:txEl>
                                           </p:spTgt>
                                         </p:tgtEl>
@@ -16453,104 +15320,6 @@
                                     <p:set>
                                       <p:cBhvr>
                                         <p:cTn id="40" dur="1" fill="hold">
-                                          <p:stCondLst>
-                                            <p:cond delay="0"/>
-                                          </p:stCondLst>
-                                        </p:cTn>
-                                        <p:tgtEl>
-                                          <p:spTgt spid="5">
-                                            <p:txEl>
-                                              <p:pRg st="11" end="11"/>
-                                            </p:txEl>
-                                          </p:spTgt>
-                                        </p:tgtEl>
-                                        <p:attrNameLst>
-                                          <p:attrName>style.visibility</p:attrName>
-                                        </p:attrNameLst>
-                                      </p:cBhvr>
-                                      <p:to>
-                                        <p:strVal val="visible"/>
-                                      </p:to>
-                                    </p:set>
-                                  </p:childTnLst>
-                                </p:cTn>
-                              </p:par>
-                            </p:childTnLst>
-                          </p:cTn>
-                        </p:par>
-                      </p:childTnLst>
-                    </p:cTn>
-                  </p:par>
-                  <p:par>
-                    <p:cTn id="41" fill="hold">
-                      <p:stCondLst>
-                        <p:cond delay="indefinite"/>
-                      </p:stCondLst>
-                      <p:childTnLst>
-                        <p:par>
-                          <p:cTn id="42" fill="hold">
-                            <p:stCondLst>
-                              <p:cond delay="0"/>
-                            </p:stCondLst>
-                            <p:childTnLst>
-                              <p:par>
-                                <p:cTn id="43" presetID="1" presetClass="entr" presetSubtype="0" fill="hold" grpId="0" nodeType="clickEffect">
-                                  <p:stCondLst>
-                                    <p:cond delay="0"/>
-                                  </p:stCondLst>
-                                  <p:childTnLst>
-                                    <p:set>
-                                      <p:cBhvr>
-                                        <p:cTn id="44" dur="1" fill="hold">
-                                          <p:stCondLst>
-                                            <p:cond delay="0"/>
-                                          </p:stCondLst>
-                                        </p:cTn>
-                                        <p:tgtEl>
-                                          <p:spTgt spid="5">
-                                            <p:txEl>
-                                              <p:pRg st="12" end="12"/>
-                                            </p:txEl>
-                                          </p:spTgt>
-                                        </p:tgtEl>
-                                        <p:attrNameLst>
-                                          <p:attrName>style.visibility</p:attrName>
-                                        </p:attrNameLst>
-                                      </p:cBhvr>
-                                      <p:to>
-                                        <p:strVal val="visible"/>
-                                      </p:to>
-                                    </p:set>
-                                  </p:childTnLst>
-                                </p:cTn>
-                              </p:par>
-                            </p:childTnLst>
-                          </p:cTn>
-                        </p:par>
-                      </p:childTnLst>
-                    </p:cTn>
-                  </p:par>
-                  <p:par>
-                    <p:cTn id="45" fill="hold">
-                      <p:stCondLst>
-                        <p:cond delay="indefinite"/>
-                      </p:stCondLst>
-                      <p:childTnLst>
-                        <p:par>
-                          <p:cTn id="46" fill="hold">
-                            <p:stCondLst>
-                              <p:cond delay="0"/>
-                            </p:stCondLst>
-                            <p:childTnLst>
-                              <p:par>
-                                <p:cTn id="47" presetID="1" presetClass="entr" presetSubtype="0" fill="hold" grpId="0" nodeType="clickEffect">
-                                  <p:stCondLst>
-                                    <p:cond delay="0"/>
-                                  </p:stCondLst>
-                                  <p:childTnLst>
-                                    <p:set>
-                                      <p:cBhvr>
-                                        <p:cTn id="48" dur="1" fill="hold">
                                           <p:stCondLst>
                                             <p:cond delay="0"/>
                                           </p:stCondLst>
@@ -16607,7 +15376,7 @@
 </p:sld>
 </file>
 
-<file path=ppt/slides/slide19.xml><?xml version="1.0" encoding="utf-8"?>
+<file path=ppt/slides/slide18.xml><?xml version="1.0" encoding="utf-8"?>
 <p:sld xmlns:a="http://schemas.openxmlformats.org/drawingml/2006/main" xmlns:r="http://schemas.openxmlformats.org/officeDocument/2006/relationships" xmlns:p="http://schemas.openxmlformats.org/presentationml/2006/main">
   <p:cSld>
     <p:spTree>
@@ -16700,8 +15469,8 @@
           </a:prstGeom>
         </p:spPr>
       </p:pic>
-      <mc:AlternateContent xmlns:mc="http://schemas.openxmlformats.org/markup-compatibility/2006">
-        <mc:Choice xmlns:a14="http://schemas.microsoft.com/office/drawing/2010/main" Requires="a14">
+      <mc:AlternateContent xmlns:mc="http://schemas.openxmlformats.org/markup-compatibility/2006" xmlns:a14="http://schemas.microsoft.com/office/drawing/2010/main">
+        <mc:Choice Requires="a14">
           <p:sp>
             <p:nvSpPr>
               <p:cNvPr id="5" name="Content Placeholder 2">
@@ -17496,7 +16265,7 @@
                         <m:sSub>
                           <m:sSubPr>
                             <m:ctrlPr>
-                              <a:rPr lang="en-US" dirty="0" smtClean="0">
+                              <a:rPr lang="en-US" i="1" dirty="0" smtClean="0">
                                 <a:solidFill>
                                   <a:schemeClr val="accent2">
                                     <a:lumMod val="40000"/>
@@ -17556,7 +16325,7 @@
                         <m:sSub>
                           <m:sSubPr>
                             <m:ctrlPr>
-                              <a:rPr lang="en-US" dirty="0" smtClean="0">
+                              <a:rPr lang="en-US" i="1" dirty="0" smtClean="0">
                                 <a:solidFill>
                                   <a:schemeClr val="accent2">
                                     <a:lumMod val="40000"/>
@@ -17859,7 +16628,7 @@
                         <m:begChr m:val="["/>
                         <m:endChr m:val="]"/>
                         <m:ctrlPr>
-                          <a:rPr lang="en-US">
+                          <a:rPr lang="en-US" i="1">
                             <a:solidFill>
                               <a:srgbClr val="00B0F0"/>
                             </a:solidFill>
@@ -18080,7 +16849,7 @@
                         <m:begChr m:val="["/>
                         <m:endChr m:val="]"/>
                         <m:ctrlPr>
-                          <a:rPr lang="en-US">
+                          <a:rPr lang="en-US" i="1">
                             <a:solidFill>
                               <a:srgbClr val="00B0F0"/>
                             </a:solidFill>
@@ -18342,7 +17111,7 @@
                         <m:begChr m:val="["/>
                         <m:endChr m:val="]"/>
                         <m:ctrlPr>
-                          <a:rPr lang="en-US">
+                          <a:rPr lang="en-US" i="1">
                             <a:latin typeface="Cambria Math" panose="02040503050406030204" pitchFamily="18" charset="0"/>
                             <a:ea typeface="Menlo" panose="020B0609030804020204" pitchFamily="49" charset="0"/>
                             <a:cs typeface="Menlo" panose="020B0609030804020204" pitchFamily="49" charset="0"/>
@@ -18420,7 +17189,7 @@
             </p:txBody>
           </p:sp>
         </mc:Choice>
-        <mc:Fallback>
+        <mc:Fallback xmlns="">
           <p:sp>
             <p:nvSpPr>
               <p:cNvPr id="5" name="Content Placeholder 2">
@@ -18528,33 +17297,15 @@
                                   </p:childTnLst>
                                 </p:cTn>
                               </p:par>
-                            </p:childTnLst>
-                          </p:cTn>
-                        </p:par>
-                      </p:childTnLst>
-                    </p:cTn>
-                  </p:par>
-                  <p:par>
-                    <p:cTn id="7" fill="hold">
-                      <p:stCondLst>
-                        <p:cond delay="indefinite"/>
-                      </p:stCondLst>
-                      <p:childTnLst>
-                        <p:par>
-                          <p:cTn id="8" fill="hold">
-                            <p:stCondLst>
-                              <p:cond delay="0"/>
-                            </p:stCondLst>
-                            <p:childTnLst>
                               <p:par>
-                                <p:cTn id="9" presetID="1" presetClass="entr" presetSubtype="0" fill="hold" grpId="0" nodeType="clickEffect">
+                                <p:cTn id="7" presetID="1" presetClass="entr" presetSubtype="0" fill="hold" grpId="0" nodeType="withEffect">
                                   <p:stCondLst>
                                     <p:cond delay="0"/>
                                   </p:stCondLst>
                                   <p:childTnLst>
                                     <p:set>
                                       <p:cBhvr>
-                                        <p:cTn id="10" dur="1" fill="hold">
+                                        <p:cTn id="8" dur="1" fill="hold">
                                           <p:stCondLst>
                                             <p:cond delay="0"/>
                                           </p:stCondLst>
@@ -18577,33 +17328,15 @@
                                   </p:childTnLst>
                                 </p:cTn>
                               </p:par>
-                            </p:childTnLst>
-                          </p:cTn>
-                        </p:par>
-                      </p:childTnLst>
-                    </p:cTn>
-                  </p:par>
-                  <p:par>
-                    <p:cTn id="11" fill="hold">
-                      <p:stCondLst>
-                        <p:cond delay="indefinite"/>
-                      </p:stCondLst>
-                      <p:childTnLst>
-                        <p:par>
-                          <p:cTn id="12" fill="hold">
-                            <p:stCondLst>
-                              <p:cond delay="0"/>
-                            </p:stCondLst>
-                            <p:childTnLst>
                               <p:par>
-                                <p:cTn id="13" presetID="1" presetClass="entr" presetSubtype="0" fill="hold" grpId="0" nodeType="clickEffect">
+                                <p:cTn id="9" presetID="1" presetClass="entr" presetSubtype="0" fill="hold" grpId="0" nodeType="withEffect">
                                   <p:stCondLst>
                                     <p:cond delay="0"/>
                                   </p:stCondLst>
                                   <p:childTnLst>
                                     <p:set>
                                       <p:cBhvr>
-                                        <p:cTn id="14" dur="1" fill="hold">
+                                        <p:cTn id="10" dur="1" fill="hold">
                                           <p:stCondLst>
                                             <p:cond delay="0"/>
                                           </p:stCondLst>
@@ -18626,26 +17359,101 @@
                                   </p:childTnLst>
                                 </p:cTn>
                               </p:par>
-                            </p:childTnLst>
-                          </p:cTn>
-                        </p:par>
-                      </p:childTnLst>
-                    </p:cTn>
-                  </p:par>
-                  <p:par>
-                    <p:cTn id="15" fill="hold">
-                      <p:stCondLst>
-                        <p:cond delay="indefinite"/>
-                      </p:stCondLst>
-                      <p:childTnLst>
-                        <p:par>
-                          <p:cTn id="16" fill="hold">
-                            <p:stCondLst>
-                              <p:cond delay="0"/>
-                            </p:stCondLst>
-                            <p:childTnLst>
                               <p:par>
-                                <p:cTn id="17" presetID="1" presetClass="entr" presetSubtype="0" fill="hold" grpId="0" nodeType="clickEffect">
+                                <p:cTn id="11" presetID="1" presetClass="entr" presetSubtype="0" fill="hold" grpId="0" nodeType="withEffect">
+                                  <p:stCondLst>
+                                    <p:cond delay="0"/>
+                                  </p:stCondLst>
+                                  <p:childTnLst>
+                                    <p:set>
+                                      <p:cBhvr>
+                                        <p:cTn id="12" dur="1" fill="hold">
+                                          <p:stCondLst>
+                                            <p:cond delay="0"/>
+                                          </p:stCondLst>
+                                        </p:cTn>
+                                        <p:tgtEl>
+                                          <p:spTgt spid="5">
+                                            <p:txEl>
+                                              <p:pRg st="3" end="3"/>
+                                            </p:txEl>
+                                          </p:spTgt>
+                                        </p:tgtEl>
+                                        <p:attrNameLst>
+                                          <p:attrName>style.visibility</p:attrName>
+                                        </p:attrNameLst>
+                                      </p:cBhvr>
+                                      <p:to>
+                                        <p:strVal val="visible"/>
+                                      </p:to>
+                                    </p:set>
+                                  </p:childTnLst>
+                                </p:cTn>
+                              </p:par>
+                              <p:par>
+                                <p:cTn id="13" presetID="1" presetClass="entr" presetSubtype="0" fill="hold" grpId="0" nodeType="withEffect">
+                                  <p:stCondLst>
+                                    <p:cond delay="0"/>
+                                  </p:stCondLst>
+                                  <p:childTnLst>
+                                    <p:set>
+                                      <p:cBhvr>
+                                        <p:cTn id="14" dur="1" fill="hold">
+                                          <p:stCondLst>
+                                            <p:cond delay="0"/>
+                                          </p:stCondLst>
+                                        </p:cTn>
+                                        <p:tgtEl>
+                                          <p:spTgt spid="5">
+                                            <p:txEl>
+                                              <p:pRg st="4" end="4"/>
+                                            </p:txEl>
+                                          </p:spTgt>
+                                        </p:tgtEl>
+                                        <p:attrNameLst>
+                                          <p:attrName>style.visibility</p:attrName>
+                                        </p:attrNameLst>
+                                      </p:cBhvr>
+                                      <p:to>
+                                        <p:strVal val="visible"/>
+                                      </p:to>
+                                    </p:set>
+                                  </p:childTnLst>
+                                </p:cTn>
+                              </p:par>
+                              <p:par>
+                                <p:cTn id="15" presetID="1" presetClass="entr" presetSubtype="0" fill="hold" grpId="0" nodeType="withEffect">
+                                  <p:stCondLst>
+                                    <p:cond delay="0"/>
+                                  </p:stCondLst>
+                                  <p:childTnLst>
+                                    <p:set>
+                                      <p:cBhvr>
+                                        <p:cTn id="16" dur="1" fill="hold">
+                                          <p:stCondLst>
+                                            <p:cond delay="0"/>
+                                          </p:stCondLst>
+                                        </p:cTn>
+                                        <p:tgtEl>
+                                          <p:spTgt spid="5">
+                                            <p:txEl>
+                                              <p:pRg st="5" end="5"/>
+                                            </p:txEl>
+                                          </p:spTgt>
+                                        </p:tgtEl>
+                                        <p:attrNameLst>
+                                          <p:attrName>style.visibility</p:attrName>
+                                        </p:attrNameLst>
+                                      </p:cBhvr>
+                                      <p:to>
+                                        <p:strVal val="visible"/>
+                                      </p:to>
+                                    </p:set>
+                                  </p:childTnLst>
+                                </p:cTn>
+                              </p:par>
+                              <p:par>
+                                <p:cTn id="17" presetID="1" presetClass="entr" presetSubtype="0" fill="hold" grpId="0" nodeType="withEffect">
                                   <p:stCondLst>
                                     <p:cond delay="0"/>
                                   </p:stCondLst>
@@ -18660,7 +17468,7 @@
                                         <p:tgtEl>
                                           <p:spTgt spid="5">
                                             <p:txEl>
-                                              <p:pRg st="3" end="3"/>
+                                              <p:pRg st="6" end="6"/>
                                             </p:txEl>
                                           </p:spTgt>
                                         </p:tgtEl>
@@ -18691,7 +17499,7 @@
                                         <p:tgtEl>
                                           <p:spTgt spid="5">
                                             <p:txEl>
-                                              <p:pRg st="4" end="4"/>
+                                              <p:pRg st="7" end="7"/>
                                             </p:txEl>
                                           </p:spTgt>
                                         </p:tgtEl>
@@ -18722,7 +17530,7 @@
                                         <p:tgtEl>
                                           <p:spTgt spid="5">
                                             <p:txEl>
-                                              <p:pRg st="5" end="5"/>
+                                              <p:pRg st="8" end="8"/>
                                             </p:txEl>
                                           </p:spTgt>
                                         </p:tgtEl>
@@ -18753,38 +17561,7 @@
                                         <p:tgtEl>
                                           <p:spTgt spid="5">
                                             <p:txEl>
-                                              <p:pRg st="6" end="6"/>
-                                            </p:txEl>
-                                          </p:spTgt>
-                                        </p:tgtEl>
-                                        <p:attrNameLst>
-                                          <p:attrName>style.visibility</p:attrName>
-                                        </p:attrNameLst>
-                                      </p:cBhvr>
-                                      <p:to>
-                                        <p:strVal val="visible"/>
-                                      </p:to>
-                                    </p:set>
-                                  </p:childTnLst>
-                                </p:cTn>
-                              </p:par>
-                              <p:par>
-                                <p:cTn id="25" presetID="1" presetClass="entr" presetSubtype="0" fill="hold" grpId="0" nodeType="withEffect">
-                                  <p:stCondLst>
-                                    <p:cond delay="0"/>
-                                  </p:stCondLst>
-                                  <p:childTnLst>
-                                    <p:set>
-                                      <p:cBhvr>
-                                        <p:cTn id="26" dur="1" fill="hold">
-                                          <p:stCondLst>
-                                            <p:cond delay="0"/>
-                                          </p:stCondLst>
-                                        </p:cTn>
-                                        <p:tgtEl>
-                                          <p:spTgt spid="5">
-                                            <p:txEl>
-                                              <p:pRg st="7" end="7"/>
+                                              <p:pRg st="9" end="9"/>
                                             </p:txEl>
                                           </p:spTgt>
                                         </p:tgtEl>
@@ -18806,26 +17583,26 @@
                     </p:cTn>
                   </p:par>
                   <p:par>
-                    <p:cTn id="27" fill="hold">
+                    <p:cTn id="25" fill="hold">
                       <p:stCondLst>
                         <p:cond delay="indefinite"/>
                       </p:stCondLst>
                       <p:childTnLst>
                         <p:par>
-                          <p:cTn id="28" fill="hold">
+                          <p:cTn id="26" fill="hold">
                             <p:stCondLst>
                               <p:cond delay="0"/>
                             </p:stCondLst>
                             <p:childTnLst>
                               <p:par>
-                                <p:cTn id="29" presetID="1" presetClass="entr" presetSubtype="0" fill="hold" grpId="0" nodeType="clickEffect">
+                                <p:cTn id="27" presetID="1" presetClass="entr" presetSubtype="0" fill="hold" grpId="0" nodeType="clickEffect">
                                   <p:stCondLst>
                                     <p:cond delay="0"/>
                                   </p:stCondLst>
                                   <p:childTnLst>
                                     <p:set>
                                       <p:cBhvr>
-                                        <p:cTn id="30" dur="1" fill="hold">
+                                        <p:cTn id="28" dur="1" fill="hold">
                                           <p:stCondLst>
                                             <p:cond delay="0"/>
                                           </p:stCondLst>
@@ -18833,7 +17610,7 @@
                                         <p:tgtEl>
                                           <p:spTgt spid="5">
                                             <p:txEl>
-                                              <p:pRg st="8" end="8"/>
+                                              <p:pRg st="10" end="10"/>
                                             </p:txEl>
                                           </p:spTgt>
                                         </p:tgtEl>
@@ -18848,8 +17625,26 @@
                                   </p:childTnLst>
                                 </p:cTn>
                               </p:par>
+                            </p:childTnLst>
+                          </p:cTn>
+                        </p:par>
+                      </p:childTnLst>
+                    </p:cTn>
+                  </p:par>
+                  <p:par>
+                    <p:cTn id="29" fill="hold">
+                      <p:stCondLst>
+                        <p:cond delay="indefinite"/>
+                      </p:stCondLst>
+                      <p:childTnLst>
+                        <p:par>
+                          <p:cTn id="30" fill="hold">
+                            <p:stCondLst>
+                              <p:cond delay="0"/>
+                            </p:stCondLst>
+                            <p:childTnLst>
                               <p:par>
-                                <p:cTn id="31" presetID="1" presetClass="entr" presetSubtype="0" fill="hold" grpId="0" nodeType="withEffect">
+                                <p:cTn id="31" presetID="1" presetClass="entr" presetSubtype="0" fill="hold" grpId="0" nodeType="clickEffect">
                                   <p:stCondLst>
                                     <p:cond delay="0"/>
                                   </p:stCondLst>
@@ -18864,7 +17659,7 @@
                                         <p:tgtEl>
                                           <p:spTgt spid="5">
                                             <p:txEl>
-                                              <p:pRg st="9" end="9"/>
+                                              <p:pRg st="11" end="11"/>
                                             </p:txEl>
                                           </p:spTgt>
                                         </p:tgtEl>
@@ -18913,7 +17708,7 @@
                                         <p:tgtEl>
                                           <p:spTgt spid="5">
                                             <p:txEl>
-                                              <p:pRg st="10" end="10"/>
+                                              <p:pRg st="12" end="12"/>
                                             </p:txEl>
                                           </p:spTgt>
                                         </p:tgtEl>
@@ -18962,7 +17757,7 @@
                                         <p:tgtEl>
                                           <p:spTgt spid="5">
                                             <p:txEl>
-                                              <p:pRg st="11" end="11"/>
+                                              <p:pRg st="13" end="13"/>
                                             </p:txEl>
                                           </p:spTgt>
                                         </p:tgtEl>
@@ -19004,104 +17799,6 @@
                                     <p:set>
                                       <p:cBhvr>
                                         <p:cTn id="44" dur="1" fill="hold">
-                                          <p:stCondLst>
-                                            <p:cond delay="0"/>
-                                          </p:stCondLst>
-                                        </p:cTn>
-                                        <p:tgtEl>
-                                          <p:spTgt spid="5">
-                                            <p:txEl>
-                                              <p:pRg st="12" end="12"/>
-                                            </p:txEl>
-                                          </p:spTgt>
-                                        </p:tgtEl>
-                                        <p:attrNameLst>
-                                          <p:attrName>style.visibility</p:attrName>
-                                        </p:attrNameLst>
-                                      </p:cBhvr>
-                                      <p:to>
-                                        <p:strVal val="visible"/>
-                                      </p:to>
-                                    </p:set>
-                                  </p:childTnLst>
-                                </p:cTn>
-                              </p:par>
-                            </p:childTnLst>
-                          </p:cTn>
-                        </p:par>
-                      </p:childTnLst>
-                    </p:cTn>
-                  </p:par>
-                  <p:par>
-                    <p:cTn id="45" fill="hold">
-                      <p:stCondLst>
-                        <p:cond delay="indefinite"/>
-                      </p:stCondLst>
-                      <p:childTnLst>
-                        <p:par>
-                          <p:cTn id="46" fill="hold">
-                            <p:stCondLst>
-                              <p:cond delay="0"/>
-                            </p:stCondLst>
-                            <p:childTnLst>
-                              <p:par>
-                                <p:cTn id="47" presetID="1" presetClass="entr" presetSubtype="0" fill="hold" grpId="0" nodeType="clickEffect">
-                                  <p:stCondLst>
-                                    <p:cond delay="0"/>
-                                  </p:stCondLst>
-                                  <p:childTnLst>
-                                    <p:set>
-                                      <p:cBhvr>
-                                        <p:cTn id="48" dur="1" fill="hold">
-                                          <p:stCondLst>
-                                            <p:cond delay="0"/>
-                                          </p:stCondLst>
-                                        </p:cTn>
-                                        <p:tgtEl>
-                                          <p:spTgt spid="5">
-                                            <p:txEl>
-                                              <p:pRg st="13" end="13"/>
-                                            </p:txEl>
-                                          </p:spTgt>
-                                        </p:tgtEl>
-                                        <p:attrNameLst>
-                                          <p:attrName>style.visibility</p:attrName>
-                                        </p:attrNameLst>
-                                      </p:cBhvr>
-                                      <p:to>
-                                        <p:strVal val="visible"/>
-                                      </p:to>
-                                    </p:set>
-                                  </p:childTnLst>
-                                </p:cTn>
-                              </p:par>
-                            </p:childTnLst>
-                          </p:cTn>
-                        </p:par>
-                      </p:childTnLst>
-                    </p:cTn>
-                  </p:par>
-                  <p:par>
-                    <p:cTn id="49" fill="hold">
-                      <p:stCondLst>
-                        <p:cond delay="indefinite"/>
-                      </p:stCondLst>
-                      <p:childTnLst>
-                        <p:par>
-                          <p:cTn id="50" fill="hold">
-                            <p:stCondLst>
-                              <p:cond delay="0"/>
-                            </p:stCondLst>
-                            <p:childTnLst>
-                              <p:par>
-                                <p:cTn id="51" presetID="1" presetClass="entr" presetSubtype="0" fill="hold" grpId="0" nodeType="clickEffect">
-                                  <p:stCondLst>
-                                    <p:cond delay="0"/>
-                                  </p:stCondLst>
-                                  <p:childTnLst>
-                                    <p:set>
-                                      <p:cBhvr>
-                                        <p:cTn id="52" dur="1" fill="hold">
                                           <p:stCondLst>
                                             <p:cond delay="0"/>
                                           </p:stCondLst>
@@ -19158,78 +17855,7 @@
 </p:sld>
 </file>
 
-<file path=ppt/slides/slide2.xml><?xml version="1.0" encoding="utf-8"?>
-<p:sld xmlns:a="http://schemas.openxmlformats.org/drawingml/2006/main" xmlns:r="http://schemas.openxmlformats.org/officeDocument/2006/relationships" xmlns:p="http://schemas.openxmlformats.org/presentationml/2006/main">
-  <p:cSld>
-    <p:spTree>
-      <p:nvGrpSpPr>
-        <p:cNvPr id="1" name=""/>
-        <p:cNvGrpSpPr/>
-        <p:nvPr/>
-      </p:nvGrpSpPr>
-      <p:grpSpPr>
-        <a:xfrm>
-          <a:off x="0" y="0"/>
-          <a:ext cx="0" cy="0"/>
-          <a:chOff x="0" y="0"/>
-          <a:chExt cx="0" cy="0"/>
-        </a:xfrm>
-      </p:grpSpPr>
-      <p:sp>
-        <p:nvSpPr>
-          <p:cNvPr id="2" name="Title 1">
-            <a:extLst>
-              <a:ext uri="{FF2B5EF4-FFF2-40B4-BE49-F238E27FC236}">
-                <a16:creationId xmlns:a16="http://schemas.microsoft.com/office/drawing/2014/main" id="{B3988C21-2E4F-3448-B23A-1F9BBC63B546}"/>
-              </a:ext>
-            </a:extLst>
-          </p:cNvPr>
-          <p:cNvSpPr>
-            <a:spLocks noGrp="1"/>
-          </p:cNvSpPr>
-          <p:nvPr>
-            <p:ph type="title"/>
-          </p:nvPr>
-        </p:nvSpPr>
-        <p:spPr>
-          <a:xfrm>
-            <a:off x="1416206" y="2068551"/>
-            <a:ext cx="9601200" cy="1485900"/>
-          </a:xfrm>
-        </p:spPr>
-        <p:txBody>
-          <a:bodyPr/>
-          <a:lstStyle/>
-          <a:p>
-            <a:pPr algn="ctr"/>
-            <a:r>
-              <a:rPr lang="en-US" dirty="0"/>
-              <a:t>First, </a:t>
-            </a:r>
-            <a:br>
-              <a:rPr lang="en-US" dirty="0"/>
-            </a:br>
-            <a:r>
-              <a:rPr lang="en-US" dirty="0"/>
-              <a:t>Let’s Watch Our Prisoners</a:t>
-            </a:r>
-          </a:p>
-        </p:txBody>
-      </p:sp>
-    </p:spTree>
-    <p:extLst>
-      <p:ext uri="{BB962C8B-B14F-4D97-AF65-F5344CB8AC3E}">
-        <p14:creationId xmlns:p14="http://schemas.microsoft.com/office/powerpoint/2010/main" val="3264669264"/>
-      </p:ext>
-    </p:extLst>
-  </p:cSld>
-  <p:clrMapOvr>
-    <a:masterClrMapping/>
-  </p:clrMapOvr>
-</p:sld>
-</file>
-
-<file path=ppt/slides/slide20.xml><?xml version="1.0" encoding="utf-8"?>
+<file path=ppt/slides/slide19.xml><?xml version="1.0" encoding="utf-8"?>
 <p:sld xmlns:a="http://schemas.openxmlformats.org/drawingml/2006/main" xmlns:r="http://schemas.openxmlformats.org/officeDocument/2006/relationships" xmlns:p="http://schemas.openxmlformats.org/presentationml/2006/main">
   <p:cSld>
     <p:spTree>
@@ -20609,7 +19235,177 @@
 </p:sld>
 </file>
 
-<file path=ppt/slides/slide21.xml><?xml version="1.0" encoding="utf-8"?>
+<file path=ppt/slides/slide2.xml><?xml version="1.0" encoding="utf-8"?>
+<p:sld xmlns:a="http://schemas.openxmlformats.org/drawingml/2006/main" xmlns:r="http://schemas.openxmlformats.org/officeDocument/2006/relationships" xmlns:p="http://schemas.openxmlformats.org/presentationml/2006/main">
+  <p:cSld>
+    <p:spTree>
+      <p:nvGrpSpPr>
+        <p:cNvPr id="1" name=""/>
+        <p:cNvGrpSpPr/>
+        <p:nvPr/>
+      </p:nvGrpSpPr>
+      <p:grpSpPr>
+        <a:xfrm>
+          <a:off x="0" y="0"/>
+          <a:ext cx="0" cy="0"/>
+          <a:chOff x="0" y="0"/>
+          <a:chExt cx="0" cy="0"/>
+        </a:xfrm>
+      </p:grpSpPr>
+      <p:sp>
+        <p:nvSpPr>
+          <p:cNvPr id="2" name="Title 1">
+            <a:extLst>
+              <a:ext uri="{FF2B5EF4-FFF2-40B4-BE49-F238E27FC236}">
+                <a16:creationId xmlns:a16="http://schemas.microsoft.com/office/drawing/2014/main" id="{8CA1928F-2599-6946-AFA0-793B4EA27F6A}"/>
+              </a:ext>
+            </a:extLst>
+          </p:cNvPr>
+          <p:cNvSpPr>
+            <a:spLocks noGrp="1"/>
+          </p:cNvSpPr>
+          <p:nvPr>
+            <p:ph type="title"/>
+          </p:nvPr>
+        </p:nvSpPr>
+        <p:spPr/>
+        <p:txBody>
+          <a:bodyPr/>
+          <a:lstStyle/>
+          <a:p>
+            <a:r>
+              <a:rPr lang="en-US" dirty="0"/>
+              <a:t>Today: Python Inheritance</a:t>
+            </a:r>
+          </a:p>
+        </p:txBody>
+      </p:sp>
+      <p:sp>
+        <p:nvSpPr>
+          <p:cNvPr id="3" name="Content Placeholder 2">
+            <a:extLst>
+              <a:ext uri="{FF2B5EF4-FFF2-40B4-BE49-F238E27FC236}">
+                <a16:creationId xmlns:a16="http://schemas.microsoft.com/office/drawing/2014/main" id="{F5C7A69E-FEF0-FB44-A7FE-1C41D07AFE0B}"/>
+              </a:ext>
+            </a:extLst>
+          </p:cNvPr>
+          <p:cNvSpPr>
+            <a:spLocks noGrp="1"/>
+          </p:cNvSpPr>
+          <p:nvPr>
+            <p:ph idx="1"/>
+          </p:nvPr>
+        </p:nvSpPr>
+        <p:spPr>
+          <a:xfrm>
+            <a:off x="1371600" y="2285999"/>
+            <a:ext cx="9601200" cy="3929605"/>
+          </a:xfrm>
+        </p:spPr>
+        <p:txBody>
+          <a:bodyPr>
+            <a:normAutofit/>
+          </a:bodyPr>
+          <a:lstStyle/>
+          <a:p>
+            <a:r>
+              <a:rPr lang="en-US" dirty="0"/>
+              <a:t>Review</a:t>
+            </a:r>
+          </a:p>
+          <a:p>
+            <a:pPr lvl="1"/>
+            <a:r>
+              <a:rPr lang="en-US" dirty="0"/>
+              <a:t>Watch Prisoners</a:t>
+            </a:r>
+          </a:p>
+          <a:p>
+            <a:r>
+              <a:rPr lang="en-US" dirty="0"/>
+              <a:t>The Syntax</a:t>
+            </a:r>
+          </a:p>
+          <a:p>
+            <a:pPr lvl="1"/>
+            <a:r>
+              <a:rPr lang="en-US" dirty="0"/>
+              <a:t>Some examples</a:t>
+            </a:r>
+          </a:p>
+          <a:p>
+            <a:pPr lvl="1"/>
+            <a:r>
+              <a:rPr lang="en-US" b="1" u="sng" dirty="0"/>
+              <a:t>A</a:t>
+            </a:r>
+            <a:r>
+              <a:rPr lang="en-US" dirty="0"/>
+              <a:t> Method Resolution Order (MRO)</a:t>
+            </a:r>
+          </a:p>
+          <a:p>
+            <a:r>
+              <a:rPr lang="en-US" dirty="0" err="1"/>
+              <a:t>Multple</a:t>
+            </a:r>
+            <a:r>
+              <a:rPr lang="en-US" dirty="0"/>
+              <a:t> Inheritance</a:t>
+            </a:r>
+          </a:p>
+          <a:p>
+            <a:pPr lvl="1"/>
+            <a:r>
+              <a:rPr lang="en-US" dirty="0"/>
+              <a:t>The Diamond Problem</a:t>
+            </a:r>
+          </a:p>
+          <a:p>
+            <a:pPr lvl="1"/>
+            <a:r>
+              <a:rPr lang="en-US" dirty="0"/>
+              <a:t>C3 Linearization</a:t>
+            </a:r>
+          </a:p>
+          <a:p>
+            <a:pPr lvl="1"/>
+            <a:r>
+              <a:rPr lang="en-US" b="1" u="sng" dirty="0"/>
+              <a:t>The</a:t>
+            </a:r>
+            <a:r>
+              <a:rPr lang="en-US" dirty="0"/>
+              <a:t> Method Resolution Order (MRO)</a:t>
+            </a:r>
+          </a:p>
+          <a:p>
+            <a:pPr lvl="1"/>
+            <a:r>
+              <a:rPr lang="en-US" dirty="0"/>
+              <a:t>Super()</a:t>
+            </a:r>
+          </a:p>
+          <a:p>
+            <a:pPr lvl="1"/>
+            <a:endParaRPr lang="en-US" dirty="0"/>
+          </a:p>
+        </p:txBody>
+      </p:sp>
+    </p:spTree>
+    <p:extLst>
+      <p:ext uri="{BB962C8B-B14F-4D97-AF65-F5344CB8AC3E}">
+        <p14:creationId xmlns:p14="http://schemas.microsoft.com/office/powerpoint/2010/main" val="3330320989"/>
+      </p:ext>
+    </p:extLst>
+  </p:cSld>
+  <p:clrMapOvr>
+    <a:masterClrMapping/>
+  </p:clrMapOvr>
+</p:sld>
+</file>
+
+<file path=ppt/slides/slide20.xml><?xml version="1.0" encoding="utf-8"?>
 <p:sld xmlns:a="http://schemas.openxmlformats.org/drawingml/2006/main" xmlns:r="http://schemas.openxmlformats.org/officeDocument/2006/relationships" xmlns:p="http://schemas.openxmlformats.org/presentationml/2006/main">
   <p:cSld>
     <p:spTree>
@@ -22980,38 +21776,10 @@
       </p:grpSpPr>
       <p:sp>
         <p:nvSpPr>
-          <p:cNvPr id="2" name="Title 1">
+          <p:cNvPr id="4" name="Content Placeholder 2">
             <a:extLst>
               <a:ext uri="{FF2B5EF4-FFF2-40B4-BE49-F238E27FC236}">
-                <a16:creationId xmlns:a16="http://schemas.microsoft.com/office/drawing/2014/main" id="{8CA1928F-2599-6946-AFA0-793B4EA27F6A}"/>
-              </a:ext>
-            </a:extLst>
-          </p:cNvPr>
-          <p:cNvSpPr>
-            <a:spLocks noGrp="1"/>
-          </p:cNvSpPr>
-          <p:nvPr>
-            <p:ph type="title"/>
-          </p:nvPr>
-        </p:nvSpPr>
-        <p:spPr/>
-        <p:txBody>
-          <a:bodyPr/>
-          <a:lstStyle/>
-          <a:p>
-            <a:r>
-              <a:rPr lang="en-US" dirty="0"/>
-              <a:t>Today: Python Inheritance</a:t>
-            </a:r>
-          </a:p>
-        </p:txBody>
-      </p:sp>
-      <p:sp>
-        <p:nvSpPr>
-          <p:cNvPr id="3" name="Content Placeholder 2">
-            <a:extLst>
-              <a:ext uri="{FF2B5EF4-FFF2-40B4-BE49-F238E27FC236}">
-                <a16:creationId xmlns:a16="http://schemas.microsoft.com/office/drawing/2014/main" id="{F5C7A69E-FEF0-FB44-A7FE-1C41D07AFE0B}"/>
+                <a16:creationId xmlns:a16="http://schemas.microsoft.com/office/drawing/2014/main" id="{F6D971A4-33A8-EC46-BCF4-7081877B93CB}"/>
               </a:ext>
             </a:extLst>
           </p:cNvPr>
@@ -23024,110 +21792,169 @@
         </p:nvSpPr>
         <p:spPr>
           <a:xfrm>
-            <a:off x="1371600" y="2285999"/>
-            <a:ext cx="9601200" cy="3929605"/>
+            <a:off x="1371600" y="1538343"/>
+            <a:ext cx="9601200" cy="4701091"/>
           </a:xfrm>
         </p:spPr>
         <p:txBody>
           <a:bodyPr>
-            <a:normAutofit/>
+            <a:normAutofit lnSpcReduction="10000"/>
           </a:bodyPr>
           <a:lstStyle/>
           <a:p>
             <a:r>
               <a:rPr lang="en-US" dirty="0"/>
-              <a:t>The Syntax</a:t>
+              <a:t>Objects are everywhere in Python</a:t>
+            </a:r>
+          </a:p>
+          <a:p>
+            <a:r>
+              <a:rPr lang="en-US" dirty="0"/>
+              <a:t>Python is dynamically typed</a:t>
             </a:r>
           </a:p>
           <a:p>
             <a:pPr lvl="1"/>
             <a:r>
               <a:rPr lang="en-US" dirty="0"/>
-              <a:t>Some examples</a:t>
+              <a:t>Use assertions and warning to counteract</a:t>
+            </a:r>
+          </a:p>
+          <a:p>
+            <a:r>
+              <a:rPr lang="en-US" dirty="0"/>
+              <a:t>Make your own types of objects with “class”</a:t>
             </a:r>
           </a:p>
           <a:p>
             <a:pPr lvl="1"/>
             <a:r>
+              <a:rPr lang="en-US" dirty="0"/>
+              <a:t>methods must take “self” as first parameter!</a:t>
+            </a:r>
+          </a:p>
+          <a:p>
+            <a:pPr lvl="1"/>
+            <a:r>
+              <a:rPr lang="en-US" dirty="0"/>
+              <a:t>__</a:t>
+            </a:r>
+            <a:r>
               <a:rPr lang="en-US" dirty="0" err="1"/>
-              <a:t>Subclassing</a:t>
+              <a:t>init</a:t>
             </a:r>
             <a:r>
               <a:rPr lang="en-US" dirty="0"/>
-              <a:t> tuple</a:t>
-            </a:r>
-          </a:p>
-          <a:p>
-            <a:pPr lvl="2"/>
+              <a:t>__ is the constructor</a:t>
+            </a:r>
+          </a:p>
+          <a:p>
+            <a:pPr lvl="1"/>
+            <a:r>
+              <a:rPr lang="en-US" dirty="0"/>
+              <a:t>”</a:t>
+            </a:r>
             <a:r>
               <a:rPr lang="en-US" dirty="0" err="1"/>
-              <a:t>namedtuple</a:t>
-            </a:r>
-            <a:endParaRPr lang="en-US" dirty="0"/>
+              <a:t>dunder</a:t>
+            </a:r>
+            <a:r>
+              <a:rPr lang="en-US" dirty="0"/>
+              <a:t>” means “__” means built-in method</a:t>
+            </a:r>
           </a:p>
           <a:p>
             <a:pPr lvl="1"/>
             <a:r>
-              <a:rPr lang="en-US" b="1" u="sng" dirty="0"/>
-              <a:t>A</a:t>
+              <a:rPr lang="en-US" dirty="0" err="1"/>
+              <a:t>str</a:t>
             </a:r>
             <a:r>
               <a:rPr lang="en-US" dirty="0"/>
-              <a:t> Method Resolution Order (MRO)</a:t>
-            </a:r>
-          </a:p>
-          <a:p>
+              <a:t>() calls __</a:t>
+            </a:r>
             <a:r>
               <a:rPr lang="en-US" dirty="0" err="1"/>
-              <a:t>Multple</a:t>
+              <a:t>str</a:t>
             </a:r>
             <a:r>
               <a:rPr lang="en-US" dirty="0"/>
-              <a:t> Inheritance</a:t>
+              <a:t>__()</a:t>
+            </a:r>
+          </a:p>
+          <a:p>
+            <a:r>
+              <a:rPr lang="en-US" dirty="0"/>
+              <a:t>__new__ is static</a:t>
             </a:r>
           </a:p>
           <a:p>
             <a:pPr lvl="1"/>
             <a:r>
               <a:rPr lang="en-US" dirty="0"/>
-              <a:t>The Diamond Problem</a:t>
+              <a:t>makes self</a:t>
+            </a:r>
+          </a:p>
+          <a:p>
+            <a:r>
+              <a:rPr lang="en-US" dirty="0"/>
+              <a:t>__</a:t>
+            </a:r>
+            <a:r>
+              <a:rPr lang="en-US" dirty="0" err="1"/>
+              <a:t>init</a:t>
+            </a:r>
+            <a:r>
+              <a:rPr lang="en-US" dirty="0"/>
+              <a:t>__ is non-static</a:t>
             </a:r>
           </a:p>
           <a:p>
             <a:pPr lvl="1"/>
             <a:r>
               <a:rPr lang="en-US" dirty="0"/>
-              <a:t>C3 Linearization</a:t>
-            </a:r>
-          </a:p>
-          <a:p>
-            <a:pPr lvl="1"/>
-            <a:r>
-              <a:rPr lang="en-US" b="1" u="sng" dirty="0"/>
-              <a:t>The</a:t>
-            </a:r>
+              <a:t>populates self</a:t>
+            </a:r>
+          </a:p>
+        </p:txBody>
+      </p:sp>
+      <p:sp>
+        <p:nvSpPr>
+          <p:cNvPr id="5" name="Title 1">
+            <a:extLst>
+              <a:ext uri="{FF2B5EF4-FFF2-40B4-BE49-F238E27FC236}">
+                <a16:creationId xmlns:a16="http://schemas.microsoft.com/office/drawing/2014/main" id="{8FC3FFF6-7913-E949-A4FB-0B904FD5A4AF}"/>
+              </a:ext>
+            </a:extLst>
+          </p:cNvPr>
+          <p:cNvSpPr>
+            <a:spLocks noGrp="1"/>
+          </p:cNvSpPr>
+          <p:nvPr>
+            <p:ph type="title"/>
+          </p:nvPr>
+        </p:nvSpPr>
+        <p:spPr>
+          <a:xfrm>
+            <a:off x="1371600" y="685800"/>
+            <a:ext cx="9601200" cy="1485900"/>
+          </a:xfrm>
+        </p:spPr>
+        <p:txBody>
+          <a:bodyPr/>
+          <a:lstStyle/>
+          <a:p>
             <a:r>
               <a:rPr lang="en-US" dirty="0"/>
-              <a:t> Method Resolution Order (MRO)</a:t>
-            </a:r>
-          </a:p>
-          <a:p>
-            <a:pPr lvl="1"/>
-            <a:r>
-              <a:rPr lang="en-US" dirty="0"/>
-              <a:t>Super()</a:t>
-            </a:r>
-          </a:p>
-          <a:p>
-            <a:pPr lvl="1"/>
-            <a:endParaRPr lang="en-US" dirty="0"/>
+              <a:t>Review</a:t>
+            </a:r>
           </a:p>
         </p:txBody>
       </p:sp>
     </p:spTree>
     <p:extLst>
       <p:ext uri="{BB962C8B-B14F-4D97-AF65-F5344CB8AC3E}">
-        <p14:creationId xmlns:p14="http://schemas.microsoft.com/office/powerpoint/2010/main" val="3330320989"/>
+        <p14:creationId xmlns:p14="http://schemas.microsoft.com/office/powerpoint/2010/main" val="4190311815"/>
       </p:ext>
     </p:extLst>
   </p:cSld>
@@ -23138,6 +21965,77 @@
 </file>
 
 <file path=ppt/slides/slide4.xml><?xml version="1.0" encoding="utf-8"?>
+<p:sld xmlns:a="http://schemas.openxmlformats.org/drawingml/2006/main" xmlns:r="http://schemas.openxmlformats.org/officeDocument/2006/relationships" xmlns:p="http://schemas.openxmlformats.org/presentationml/2006/main">
+  <p:cSld>
+    <p:spTree>
+      <p:nvGrpSpPr>
+        <p:cNvPr id="1" name=""/>
+        <p:cNvGrpSpPr/>
+        <p:nvPr/>
+      </p:nvGrpSpPr>
+      <p:grpSpPr>
+        <a:xfrm>
+          <a:off x="0" y="0"/>
+          <a:ext cx="0" cy="0"/>
+          <a:chOff x="0" y="0"/>
+          <a:chExt cx="0" cy="0"/>
+        </a:xfrm>
+      </p:grpSpPr>
+      <p:sp>
+        <p:nvSpPr>
+          <p:cNvPr id="2" name="Title 1">
+            <a:extLst>
+              <a:ext uri="{FF2B5EF4-FFF2-40B4-BE49-F238E27FC236}">
+                <a16:creationId xmlns:a16="http://schemas.microsoft.com/office/drawing/2014/main" id="{B3988C21-2E4F-3448-B23A-1F9BBC63B546}"/>
+              </a:ext>
+            </a:extLst>
+          </p:cNvPr>
+          <p:cNvSpPr>
+            <a:spLocks noGrp="1"/>
+          </p:cNvSpPr>
+          <p:nvPr>
+            <p:ph type="title"/>
+          </p:nvPr>
+        </p:nvSpPr>
+        <p:spPr>
+          <a:xfrm>
+            <a:off x="1416206" y="2068551"/>
+            <a:ext cx="9601200" cy="1485900"/>
+          </a:xfrm>
+        </p:spPr>
+        <p:txBody>
+          <a:bodyPr/>
+          <a:lstStyle/>
+          <a:p>
+            <a:pPr algn="ctr"/>
+            <a:r>
+              <a:rPr lang="en-US" dirty="0"/>
+              <a:t> </a:t>
+            </a:r>
+            <a:br>
+              <a:rPr lang="en-US" dirty="0"/>
+            </a:br>
+            <a:r>
+              <a:rPr lang="en-US" dirty="0"/>
+              <a:t>Let’s Watch Our Prisoners</a:t>
+            </a:r>
+          </a:p>
+        </p:txBody>
+      </p:sp>
+    </p:spTree>
+    <p:extLst>
+      <p:ext uri="{BB962C8B-B14F-4D97-AF65-F5344CB8AC3E}">
+        <p14:creationId xmlns:p14="http://schemas.microsoft.com/office/powerpoint/2010/main" val="3264669264"/>
+      </p:ext>
+    </p:extLst>
+  </p:cSld>
+  <p:clrMapOvr>
+    <a:masterClrMapping/>
+  </p:clrMapOvr>
+</p:sld>
+</file>
+
+<file path=ppt/slides/slide5.xml><?xml version="1.0" encoding="utf-8"?>
 <p:sld xmlns:a="http://schemas.openxmlformats.org/drawingml/2006/main" xmlns:r="http://schemas.openxmlformats.org/officeDocument/2006/relationships" xmlns:p="http://schemas.openxmlformats.org/presentationml/2006/main">
   <p:cSld>
     <p:spTree>
@@ -23250,7 +22148,7 @@
 </p:sld>
 </file>
 
-<file path=ppt/slides/slide5.xml><?xml version="1.0" encoding="utf-8"?>
+<file path=ppt/slides/slide6.xml><?xml version="1.0" encoding="utf-8"?>
 <p:sld xmlns:a="http://schemas.openxmlformats.org/drawingml/2006/main" xmlns:r="http://schemas.openxmlformats.org/officeDocument/2006/relationships" xmlns:p="http://schemas.openxmlformats.org/presentationml/2006/main">
   <p:cSld>
     <p:spTree>
@@ -27575,7 +26473,108 @@
 </p:sld>
 </file>
 
-<file path=ppt/slides/slide6.xml><?xml version="1.0" encoding="utf-8"?>
+<file path=ppt/slides/slide7.xml><?xml version="1.0" encoding="utf-8"?>
+<p:sld xmlns:a="http://schemas.openxmlformats.org/drawingml/2006/main" xmlns:r="http://schemas.openxmlformats.org/officeDocument/2006/relationships" xmlns:p="http://schemas.openxmlformats.org/presentationml/2006/main">
+  <p:cSld>
+    <p:spTree>
+      <p:nvGrpSpPr>
+        <p:cNvPr id="1" name=""/>
+        <p:cNvGrpSpPr/>
+        <p:nvPr/>
+      </p:nvGrpSpPr>
+      <p:grpSpPr>
+        <a:xfrm>
+          <a:off x="0" y="0"/>
+          <a:ext cx="0" cy="0"/>
+          <a:chOff x="0" y="0"/>
+          <a:chExt cx="0" cy="0"/>
+        </a:xfrm>
+      </p:grpSpPr>
+      <p:sp>
+        <p:nvSpPr>
+          <p:cNvPr id="2" name="Title 1">
+            <a:extLst>
+              <a:ext uri="{FF2B5EF4-FFF2-40B4-BE49-F238E27FC236}">
+                <a16:creationId xmlns:a16="http://schemas.microsoft.com/office/drawing/2014/main" id="{66D2708D-D5AB-624D-8400-EA7C7F21F7E2}"/>
+              </a:ext>
+            </a:extLst>
+          </p:cNvPr>
+          <p:cNvSpPr>
+            <a:spLocks noGrp="1"/>
+          </p:cNvSpPr>
+          <p:nvPr>
+            <p:ph type="title"/>
+          </p:nvPr>
+        </p:nvSpPr>
+        <p:spPr/>
+        <p:txBody>
+          <a:bodyPr/>
+          <a:lstStyle/>
+          <a:p>
+            <a:r>
+              <a:rPr lang="en-US" dirty="0"/>
+              <a:t>Let’s Implement a Diagram</a:t>
+            </a:r>
+          </a:p>
+        </p:txBody>
+      </p:sp>
+      <p:pic>
+        <p:nvPicPr>
+          <p:cNvPr id="4" name="Picture 3">
+            <a:extLst>
+              <a:ext uri="{FF2B5EF4-FFF2-40B4-BE49-F238E27FC236}">
+                <a16:creationId xmlns:a16="http://schemas.microsoft.com/office/drawing/2014/main" id="{B8B32D2D-8011-C840-BBB2-494FAC7FEE77}"/>
+              </a:ext>
+            </a:extLst>
+          </p:cNvPr>
+          <p:cNvPicPr>
+            <a:picLocks noChangeAspect="1"/>
+          </p:cNvPicPr>
+          <p:nvPr/>
+        </p:nvPicPr>
+        <p:blipFill>
+          <a:blip r:embed="rId2">
+            <a:lum bright="70000" contrast="-70000"/>
+            <a:extLst>
+              <a:ext uri="{BEBA8EAE-BF5A-486C-A8C5-ECC9F3942E4B}">
+                <a14:imgProps xmlns:a14="http://schemas.microsoft.com/office/drawing/2010/main">
+                  <a14:imgLayer>
+                    <a14:imgEffect>
+                      <a14:artisticPhotocopy/>
+                    </a14:imgEffect>
+                  </a14:imgLayer>
+                </a14:imgProps>
+              </a:ext>
+            </a:extLst>
+          </a:blip>
+          <a:stretch>
+            <a:fillRect/>
+          </a:stretch>
+        </p:blipFill>
+        <p:spPr>
+          <a:xfrm>
+            <a:off x="1848233" y="1810742"/>
+            <a:ext cx="6951522" cy="3843243"/>
+          </a:xfrm>
+          <a:prstGeom prst="rect">
+            <a:avLst/>
+          </a:prstGeom>
+        </p:spPr>
+      </p:pic>
+    </p:spTree>
+    <p:extLst>
+      <p:ext uri="{BB962C8B-B14F-4D97-AF65-F5344CB8AC3E}">
+        <p14:creationId xmlns:p14="http://schemas.microsoft.com/office/powerpoint/2010/main" val="1792330614"/>
+      </p:ext>
+    </p:extLst>
+  </p:cSld>
+  <p:clrMapOvr>
+    <a:masterClrMapping/>
+  </p:clrMapOvr>
+</p:sld>
+</file>
+
+<file path=ppt/slides/slide8.xml><?xml version="1.0" encoding="utf-8"?>
 <p:sld xmlns:a="http://schemas.openxmlformats.org/drawingml/2006/main" xmlns:r="http://schemas.openxmlformats.org/officeDocument/2006/relationships" xmlns:p="http://schemas.openxmlformats.org/presentationml/2006/main">
   <p:cSld>
     <p:spTree>
@@ -27620,57 +26619,11 @@
           <a:p>
             <a:r>
               <a:rPr lang="en-US" dirty="0"/>
-              <a:t>Let’s Practice a Bit</a:t>
+              <a:t>Let’s Implement a Diagram</a:t>
             </a:r>
           </a:p>
         </p:txBody>
       </p:sp>
-      <p:pic>
-        <p:nvPicPr>
-          <p:cNvPr id="7" name="Picture 6">
-            <a:extLst>
-              <a:ext uri="{FF2B5EF4-FFF2-40B4-BE49-F238E27FC236}">
-                <a16:creationId xmlns:a16="http://schemas.microsoft.com/office/drawing/2014/main" id="{CC16012C-5DE3-1C48-BB3A-DAA3A6212D81}"/>
-              </a:ext>
-            </a:extLst>
-          </p:cNvPr>
-          <p:cNvPicPr>
-            <a:picLocks noChangeAspect="1"/>
-          </p:cNvPicPr>
-          <p:nvPr/>
-        </p:nvPicPr>
-        <p:blipFill>
-          <a:blip r:embed="rId2">
-            <a:lum bright="70000" contrast="-70000"/>
-            <a:extLst>
-              <a:ext uri="{BEBA8EAE-BF5A-486C-A8C5-ECC9F3942E4B}">
-                <a14:imgProps xmlns:a14="http://schemas.microsoft.com/office/drawing/2010/main">
-                  <a14:imgLayer>
-                    <a14:imgEffect>
-                      <a14:artisticPhotocopy/>
-                    </a14:imgEffect>
-                    <a14:imgEffect>
-                      <a14:colorTemperature colorTemp="7117"/>
-                    </a14:imgEffect>
-                  </a14:imgLayer>
-                </a14:imgProps>
-              </a:ext>
-            </a:extLst>
-          </a:blip>
-          <a:stretch>
-            <a:fillRect/>
-          </a:stretch>
-        </p:blipFill>
-        <p:spPr>
-          <a:xfrm>
-            <a:off x="807720" y="1821179"/>
-            <a:ext cx="5394960" cy="3587075"/>
-          </a:xfrm>
-          <a:prstGeom prst="rect">
-            <a:avLst/>
-          </a:prstGeom>
-        </p:spPr>
-      </p:pic>
       <p:sp>
         <p:nvSpPr>
           <p:cNvPr id="8" name="Content Placeholder 2">
@@ -27687,8 +26640,8 @@
         </p:nvSpPr>
         <p:spPr>
           <a:xfrm>
-            <a:off x="6888480" y="883920"/>
-            <a:ext cx="4855216" cy="5196840"/>
+            <a:off x="6390374" y="1096247"/>
+            <a:ext cx="5384899" cy="5196840"/>
           </a:xfrm>
           <a:prstGeom prst="rect">
             <a:avLst/>
@@ -28170,8 +27123,47 @@
                 <a:ea typeface="Menlo" panose="020B0609030804020204" pitchFamily="49" charset="0"/>
                 <a:cs typeface="Menlo" panose="020B0609030804020204" pitchFamily="49" charset="0"/>
               </a:rPr>
-              <a:t>__</a:t>
-            </a:r>
+              <a:t>__ </a:t>
+            </a:r>
+            <a:r>
+              <a:rPr lang="en-US" dirty="0">
+                <a:solidFill>
+                  <a:schemeClr val="accent1">
+                    <a:lumMod val="40000"/>
+                    <a:lumOff val="60000"/>
+                  </a:schemeClr>
+                </a:solidFill>
+                <a:latin typeface="Menlo" panose="020B0609030804020204" pitchFamily="49" charset="0"/>
+                <a:ea typeface="Menlo" panose="020B0609030804020204" pitchFamily="49" charset="0"/>
+                <a:cs typeface="Menlo" panose="020B0609030804020204" pitchFamily="49" charset="0"/>
+              </a:rPr>
+              <a:t># as in </a:t>
+            </a:r>
+            <a:r>
+              <a:rPr lang="en-US" dirty="0" err="1">
+                <a:solidFill>
+                  <a:schemeClr val="accent1">
+                    <a:lumMod val="40000"/>
+                    <a:lumOff val="60000"/>
+                  </a:schemeClr>
+                </a:solidFill>
+                <a:latin typeface="Menlo" panose="020B0609030804020204" pitchFamily="49" charset="0"/>
+                <a:ea typeface="Menlo" panose="020B0609030804020204" pitchFamily="49" charset="0"/>
+                <a:cs typeface="Menlo" panose="020B0609030804020204" pitchFamily="49" charset="0"/>
+              </a:rPr>
+              <a:t>baseclasses</a:t>
+            </a:r>
+            <a:endParaRPr lang="en-US" dirty="0">
+              <a:solidFill>
+                <a:schemeClr val="accent1">
+                  <a:lumMod val="40000"/>
+                  <a:lumOff val="60000"/>
+                </a:schemeClr>
+              </a:solidFill>
+              <a:latin typeface="Menlo" panose="020B0609030804020204" pitchFamily="49" charset="0"/>
+              <a:ea typeface="Menlo" panose="020B0609030804020204" pitchFamily="49" charset="0"/>
+              <a:cs typeface="Menlo" panose="020B0609030804020204" pitchFamily="49" charset="0"/>
+            </a:endParaRPr>
           </a:p>
           <a:p>
             <a:pPr marL="0" indent="0">
@@ -28191,7 +27183,18 @@
                 <a:ea typeface="Menlo" panose="020B0609030804020204" pitchFamily="49" charset="0"/>
                 <a:cs typeface="Menlo" panose="020B0609030804020204" pitchFamily="49" charset="0"/>
               </a:rPr>
-              <a:t>main__.A</a:t>
+              <a:t>main__.</a:t>
+            </a:r>
+            <a:r>
+              <a:rPr lang="en-US" dirty="0" err="1">
+                <a:solidFill>
+                  <a:srgbClr val="FF00EA"/>
+                </a:solidFill>
+                <a:latin typeface="Menlo" panose="020B0609030804020204" pitchFamily="49" charset="0"/>
+                <a:ea typeface="Menlo" panose="020B0609030804020204" pitchFamily="49" charset="0"/>
+                <a:cs typeface="Menlo" panose="020B0609030804020204" pitchFamily="49" charset="0"/>
+              </a:rPr>
+              <a:t>A</a:t>
             </a:r>
             <a:r>
               <a:rPr lang="en-US" dirty="0">
@@ -28201,6 +27204,103 @@
               </a:rPr>
               <a:t>'&gt;,)</a:t>
             </a:r>
+          </a:p>
+        </p:txBody>
+      </p:sp>
+      <p:pic>
+        <p:nvPicPr>
+          <p:cNvPr id="5" name="Picture 4">
+            <a:extLst>
+              <a:ext uri="{FF2B5EF4-FFF2-40B4-BE49-F238E27FC236}">
+                <a16:creationId xmlns:a16="http://schemas.microsoft.com/office/drawing/2014/main" id="{994ED376-C69F-1141-85CC-3F12188E5F52}"/>
+              </a:ext>
+            </a:extLst>
+          </p:cNvPr>
+          <p:cNvPicPr>
+            <a:picLocks noChangeAspect="1"/>
+          </p:cNvPicPr>
+          <p:nvPr/>
+        </p:nvPicPr>
+        <p:blipFill>
+          <a:blip r:embed="rId3">
+            <a:lum bright="70000" contrast="-70000"/>
+            <a:extLst>
+              <a:ext uri="{BEBA8EAE-BF5A-486C-A8C5-ECC9F3942E4B}">
+                <a14:imgProps xmlns:a14="http://schemas.microsoft.com/office/drawing/2010/main">
+                  <a14:imgLayer>
+                    <a14:imgEffect>
+                      <a14:artisticPhotocopy/>
+                    </a14:imgEffect>
+                  </a14:imgLayer>
+                </a14:imgProps>
+              </a:ext>
+            </a:extLst>
+          </a:blip>
+          <a:stretch>
+            <a:fillRect/>
+          </a:stretch>
+        </p:blipFill>
+        <p:spPr>
+          <a:xfrm>
+            <a:off x="707923" y="2553020"/>
+            <a:ext cx="5650874" cy="3124162"/>
+          </a:xfrm>
+          <a:prstGeom prst="rect">
+            <a:avLst/>
+          </a:prstGeom>
+        </p:spPr>
+      </p:pic>
+      <p:sp>
+        <p:nvSpPr>
+          <p:cNvPr id="3" name="Rectangle 2">
+            <a:extLst>
+              <a:ext uri="{FF2B5EF4-FFF2-40B4-BE49-F238E27FC236}">
+                <a16:creationId xmlns:a16="http://schemas.microsoft.com/office/drawing/2014/main" id="{2F6975A9-E776-2D40-9B84-9DACEB74E1DA}"/>
+              </a:ext>
+            </a:extLst>
+          </p:cNvPr>
+          <p:cNvSpPr/>
+          <p:nvPr/>
+        </p:nvSpPr>
+        <p:spPr>
+          <a:xfrm rot="1731923">
+            <a:off x="1251167" y="3148053"/>
+            <a:ext cx="1879056" cy="2865029"/>
+          </a:xfrm>
+          <a:prstGeom prst="rect">
+            <a:avLst/>
+          </a:prstGeom>
+          <a:solidFill>
+            <a:schemeClr val="bg1">
+              <a:alpha val="67000"/>
+            </a:schemeClr>
+          </a:solidFill>
+          <a:ln>
+            <a:noFill/>
+          </a:ln>
+        </p:spPr>
+        <p:style>
+          <a:lnRef idx="2">
+            <a:schemeClr val="accent1">
+              <a:shade val="50000"/>
+            </a:schemeClr>
+          </a:lnRef>
+          <a:fillRef idx="1">
+            <a:schemeClr val="accent1"/>
+          </a:fillRef>
+          <a:effectRef idx="0">
+            <a:schemeClr val="accent1"/>
+          </a:effectRef>
+          <a:fontRef idx="minor">
+            <a:schemeClr val="lt1"/>
+          </a:fontRef>
+        </p:style>
+        <p:txBody>
+          <a:bodyPr rtlCol="0" anchor="ctr"/>
+          <a:lstStyle/>
+          <a:p>
+            <a:pPr algn="ctr"/>
+            <a:endParaRPr lang="en-US" dirty="0"/>
           </a:p>
         </p:txBody>
       </p:sp>
@@ -29025,7 +28125,7 @@
 </p:sld>
 </file>
 
-<file path=ppt/slides/slide7.xml><?xml version="1.0" encoding="utf-8"?>
+<file path=ppt/slides/slide9.xml><?xml version="1.0" encoding="utf-8"?>
 <p:sld xmlns:a="http://schemas.openxmlformats.org/drawingml/2006/main" xmlns:r="http://schemas.openxmlformats.org/officeDocument/2006/relationships" xmlns:p="http://schemas.openxmlformats.org/presentationml/2006/main">
   <p:cSld>
     <p:spTree>
@@ -29070,17 +28170,17 @@
           <a:p>
             <a:r>
               <a:rPr lang="en-US" dirty="0"/>
-              <a:t>Let’s Practice a Bit</a:t>
+              <a:t>Let’s Implement a Diagram</a:t>
             </a:r>
           </a:p>
         </p:txBody>
       </p:sp>
       <p:pic>
         <p:nvPicPr>
-          <p:cNvPr id="7" name="Picture 6">
+          <p:cNvPr id="5" name="Picture 4">
             <a:extLst>
               <a:ext uri="{FF2B5EF4-FFF2-40B4-BE49-F238E27FC236}">
-                <a16:creationId xmlns:a16="http://schemas.microsoft.com/office/drawing/2014/main" id="{CC16012C-5DE3-1C48-BB3A-DAA3A6212D81}"/>
+                <a16:creationId xmlns:a16="http://schemas.microsoft.com/office/drawing/2014/main" id="{18FBA012-659F-3442-9ABF-D8CC4F647B63}"/>
               </a:ext>
             </a:extLst>
           </p:cNvPr>
@@ -29090,7 +28190,7 @@
           <p:nvPr/>
         </p:nvPicPr>
         <p:blipFill>
-          <a:blip r:embed="rId2">
+          <a:blip r:embed="rId3">
             <a:lum bright="70000" contrast="-70000"/>
             <a:extLst>
               <a:ext uri="{BEBA8EAE-BF5A-486C-A8C5-ECC9F3942E4B}">
@@ -29098,9 +28198,6 @@
                   <a14:imgLayer>
                     <a14:imgEffect>
                       <a14:artisticPhotocopy/>
-                    </a14:imgEffect>
-                    <a14:imgEffect>
-                      <a14:colorTemperature colorTemp="7117"/>
                     </a14:imgEffect>
                   </a14:imgLayer>
                 </a14:imgProps>
@@ -29113,14 +28210,68 @@
         </p:blipFill>
         <p:spPr>
           <a:xfrm>
-            <a:off x="807720" y="1821179"/>
-            <a:ext cx="5394960" cy="3587075"/>
+            <a:off x="870155" y="2564130"/>
+            <a:ext cx="5650874" cy="3124162"/>
           </a:xfrm>
           <a:prstGeom prst="rect">
             <a:avLst/>
           </a:prstGeom>
         </p:spPr>
       </p:pic>
+      <p:sp>
+        <p:nvSpPr>
+          <p:cNvPr id="6" name="Rectangle 5">
+            <a:extLst>
+              <a:ext uri="{FF2B5EF4-FFF2-40B4-BE49-F238E27FC236}">
+                <a16:creationId xmlns:a16="http://schemas.microsoft.com/office/drawing/2014/main" id="{7A992C73-2C52-B84B-A3BF-ED184BD90766}"/>
+              </a:ext>
+            </a:extLst>
+          </p:cNvPr>
+          <p:cNvSpPr/>
+          <p:nvPr/>
+        </p:nvSpPr>
+        <p:spPr>
+          <a:xfrm rot="736874">
+            <a:off x="3258677" y="3718913"/>
+            <a:ext cx="3249150" cy="2480799"/>
+          </a:xfrm>
+          <a:prstGeom prst="rect">
+            <a:avLst/>
+          </a:prstGeom>
+          <a:solidFill>
+            <a:schemeClr val="bg1">
+              <a:alpha val="67000"/>
+            </a:schemeClr>
+          </a:solidFill>
+          <a:ln>
+            <a:noFill/>
+          </a:ln>
+        </p:spPr>
+        <p:style>
+          <a:lnRef idx="2">
+            <a:schemeClr val="accent1">
+              <a:shade val="50000"/>
+            </a:schemeClr>
+          </a:lnRef>
+          <a:fillRef idx="1">
+            <a:schemeClr val="accent1"/>
+          </a:fillRef>
+          <a:effectRef idx="0">
+            <a:schemeClr val="accent1"/>
+          </a:effectRef>
+          <a:fontRef idx="minor">
+            <a:schemeClr val="lt1"/>
+          </a:fontRef>
+        </p:style>
+        <p:txBody>
+          <a:bodyPr rtlCol="0" anchor="ctr"/>
+          <a:lstStyle/>
+          <a:p>
+            <a:pPr algn="ctr"/>
+            <a:endParaRPr lang="en-US" dirty="0"/>
+          </a:p>
+        </p:txBody>
+      </p:sp>
       <p:sp>
         <p:nvSpPr>
           <p:cNvPr id="8" name="Content Placeholder 2">
@@ -29137,8 +28288,8 @@
         </p:nvSpPr>
         <p:spPr>
           <a:xfrm>
-            <a:off x="6202680" y="335280"/>
-            <a:ext cx="5852160" cy="6263640"/>
+            <a:off x="4632555" y="1527441"/>
+            <a:ext cx="7418295" cy="3722146"/>
           </a:xfrm>
           <a:prstGeom prst="rect">
             <a:avLst/>
@@ -29151,7 +28302,7 @@
         </p:spPr>
         <p:txBody>
           <a:bodyPr vert="horz" lIns="91440" tIns="45720" rIns="91440" bIns="45720" rtlCol="0">
-            <a:normAutofit fontScale="92500" lnSpcReduction="10000"/>
+            <a:normAutofit fontScale="92500" lnSpcReduction="20000"/>
           </a:bodyPr>
           <a:lstStyle>
             <a:lvl1pPr marL="384048" indent="-384048" algn="l" defTabSz="914400" rtl="0" eaLnBrk="1" latinLnBrk="0" hangingPunct="1">
@@ -29365,20 +28516,18 @@
                 <a:ea typeface="Menlo" panose="020B0609030804020204" pitchFamily="49" charset="0"/>
                 <a:cs typeface="Menlo" panose="020B0609030804020204" pitchFamily="49" charset="0"/>
               </a:rPr>
-              <a:t>class Point(tuple):</a:t>
-            </a:r>
-          </a:p>
-          <a:p>
-            <a:pPr marL="0" indent="0">
-              <a:buNone/>
-            </a:pPr>
-            <a:r>
-              <a:rPr lang="en-US" dirty="0">
+              <a:t>class </a:t>
+            </a:r>
+            <a:r>
+              <a:rPr lang="en-US" dirty="0" err="1">
+                <a:solidFill>
+                  <a:schemeClr val="accent6"/>
+                </a:solidFill>
                 <a:latin typeface="Menlo" panose="020B0609030804020204" pitchFamily="49" charset="0"/>
                 <a:ea typeface="Menlo" panose="020B0609030804020204" pitchFamily="49" charset="0"/>
                 <a:cs typeface="Menlo" panose="020B0609030804020204" pitchFamily="49" charset="0"/>
               </a:rPr>
-              <a:t>...   </a:t>
+              <a:t>MyException</a:t>
             </a:r>
             <a:r>
               <a:rPr lang="en-US" dirty="0">
@@ -29389,7 +28538,31 @@
                 <a:ea typeface="Menlo" panose="020B0609030804020204" pitchFamily="49" charset="0"/>
                 <a:cs typeface="Menlo" panose="020B0609030804020204" pitchFamily="49" charset="0"/>
               </a:rPr>
-              <a:t>  def __</a:t>
+              <a:t>(Exception):</a:t>
+            </a:r>
+          </a:p>
+          <a:p>
+            <a:pPr marL="0" indent="0">
+              <a:buNone/>
+            </a:pPr>
+            <a:r>
+              <a:rPr lang="en-US" dirty="0">
+                <a:latin typeface="Menlo" panose="020B0609030804020204" pitchFamily="49" charset="0"/>
+                <a:ea typeface="Menlo" panose="020B0609030804020204" pitchFamily="49" charset="0"/>
+                <a:cs typeface="Menlo" panose="020B0609030804020204" pitchFamily="49" charset="0"/>
+              </a:rPr>
+              <a:t>...    </a:t>
+            </a:r>
+            <a:r>
+              <a:rPr lang="en-US" dirty="0">
+                <a:solidFill>
+                  <a:schemeClr val="accent6"/>
+                </a:solidFill>
+                <a:latin typeface="Menlo" panose="020B0609030804020204" pitchFamily="49" charset="0"/>
+                <a:ea typeface="Menlo" panose="020B0609030804020204" pitchFamily="49" charset="0"/>
+                <a:cs typeface="Menlo" panose="020B0609030804020204" pitchFamily="49" charset="0"/>
+              </a:rPr>
+              <a:t> def __</a:t>
             </a:r>
             <a:r>
               <a:rPr lang="en-US" dirty="0" err="1">
@@ -29411,20 +28584,18 @@
                 <a:ea typeface="Menlo" panose="020B0609030804020204" pitchFamily="49" charset="0"/>
                 <a:cs typeface="Menlo" panose="020B0609030804020204" pitchFamily="49" charset="0"/>
               </a:rPr>
-              <a:t>__(self, x, y):</a:t>
-            </a:r>
-          </a:p>
-          <a:p>
-            <a:pPr marL="0" indent="0">
-              <a:buNone/>
-            </a:pPr>
-            <a:r>
-              <a:rPr lang="en-US" dirty="0">
+              <a:t>__(self, </a:t>
+            </a:r>
+            <a:r>
+              <a:rPr lang="en-US" dirty="0" err="1">
+                <a:solidFill>
+                  <a:schemeClr val="accent6"/>
+                </a:solidFill>
                 <a:latin typeface="Menlo" panose="020B0609030804020204" pitchFamily="49" charset="0"/>
                 <a:ea typeface="Menlo" panose="020B0609030804020204" pitchFamily="49" charset="0"/>
                 <a:cs typeface="Menlo" panose="020B0609030804020204" pitchFamily="49" charset="0"/>
               </a:rPr>
-              <a:t>...      </a:t>
+              <a:t>msg</a:t>
             </a:r>
             <a:r>
               <a:rPr lang="en-US" dirty="0">
@@ -29435,7 +28606,7 @@
                 <a:ea typeface="Menlo" panose="020B0609030804020204" pitchFamily="49" charset="0"/>
                 <a:cs typeface="Menlo" panose="020B0609030804020204" pitchFamily="49" charset="0"/>
               </a:rPr>
-              <a:t>   self[0] = x</a:t>
+              <a:t>):</a:t>
             </a:r>
           </a:p>
           <a:p>
@@ -29448,7 +28619,7 @@
                 <a:ea typeface="Menlo" panose="020B0609030804020204" pitchFamily="49" charset="0"/>
                 <a:cs typeface="Menlo" panose="020B0609030804020204" pitchFamily="49" charset="0"/>
               </a:rPr>
-              <a:t>...         </a:t>
+              <a:t>...       </a:t>
             </a:r>
             <a:r>
               <a:rPr lang="en-US" dirty="0">
@@ -29459,20 +28630,18 @@
                 <a:ea typeface="Menlo" panose="020B0609030804020204" pitchFamily="49" charset="0"/>
                 <a:cs typeface="Menlo" panose="020B0609030804020204" pitchFamily="49" charset="0"/>
               </a:rPr>
-              <a:t>self[1] = y</a:t>
-            </a:r>
-          </a:p>
-          <a:p>
-            <a:pPr marL="0" indent="0">
-              <a:buNone/>
-            </a:pPr>
-            <a:r>
-              <a:rPr lang="en-US" dirty="0">
+              <a:t>  super().__</a:t>
+            </a:r>
+            <a:r>
+              <a:rPr lang="en-US" dirty="0" err="1">
+                <a:solidFill>
+                  <a:schemeClr val="accent6"/>
+                </a:solidFill>
                 <a:latin typeface="Menlo" panose="020B0609030804020204" pitchFamily="49" charset="0"/>
                 <a:ea typeface="Menlo" panose="020B0609030804020204" pitchFamily="49" charset="0"/>
                 <a:cs typeface="Menlo" panose="020B0609030804020204" pitchFamily="49" charset="0"/>
               </a:rPr>
-              <a:t>...     </a:t>
+              <a:t>init</a:t>
             </a:r>
             <a:r>
               <a:rPr lang="en-US" dirty="0">
@@ -29483,7 +28652,7 @@
                 <a:ea typeface="Menlo" panose="020B0609030804020204" pitchFamily="49" charset="0"/>
                 <a:cs typeface="Menlo" panose="020B0609030804020204" pitchFamily="49" charset="0"/>
               </a:rPr>
-              <a:t>def __</a:t>
+              <a:t>__(</a:t>
             </a:r>
             <a:r>
               <a:rPr lang="en-US" dirty="0" err="1">
@@ -29494,7 +28663,7 @@
                 <a:ea typeface="Menlo" panose="020B0609030804020204" pitchFamily="49" charset="0"/>
                 <a:cs typeface="Menlo" panose="020B0609030804020204" pitchFamily="49" charset="0"/>
               </a:rPr>
-              <a:t>getattr</a:t>
+              <a:t>msg</a:t>
             </a:r>
             <a:r>
               <a:rPr lang="en-US" dirty="0">
@@ -29505,7 +28674,7 @@
                 <a:ea typeface="Menlo" panose="020B0609030804020204" pitchFamily="49" charset="0"/>
                 <a:cs typeface="Menlo" panose="020B0609030804020204" pitchFamily="49" charset="0"/>
               </a:rPr>
-              <a:t>__(self, name):</a:t>
+              <a:t>)</a:t>
             </a:r>
           </a:p>
           <a:p>
@@ -29518,7 +28687,7 @@
                 <a:ea typeface="Menlo" panose="020B0609030804020204" pitchFamily="49" charset="0"/>
                 <a:cs typeface="Menlo" panose="020B0609030804020204" pitchFamily="49" charset="0"/>
               </a:rPr>
-              <a:t>...    </a:t>
+              <a:t>...        </a:t>
             </a:r>
             <a:r>
               <a:rPr lang="en-US" dirty="0">
@@ -29529,7 +28698,7 @@
                 <a:ea typeface="Menlo" panose="020B0609030804020204" pitchFamily="49" charset="0"/>
                 <a:cs typeface="Menlo" panose="020B0609030804020204" pitchFamily="49" charset="0"/>
               </a:rPr>
-              <a:t>     if name == 'x':</a:t>
+              <a:t> print('One Exceptional Exception!')</a:t>
             </a:r>
           </a:p>
           <a:p>
@@ -29542,7 +28711,20 @@
                 <a:ea typeface="Menlo" panose="020B0609030804020204" pitchFamily="49" charset="0"/>
                 <a:cs typeface="Menlo" panose="020B0609030804020204" pitchFamily="49" charset="0"/>
               </a:rPr>
-              <a:t>...       </a:t>
+              <a:t>... </a:t>
+            </a:r>
+          </a:p>
+          <a:p>
+            <a:pPr marL="0" indent="0">
+              <a:buNone/>
+            </a:pPr>
+            <a:r>
+              <a:rPr lang="en-US" dirty="0">
+                <a:latin typeface="Menlo" panose="020B0609030804020204" pitchFamily="49" charset="0"/>
+                <a:ea typeface="Menlo" panose="020B0609030804020204" pitchFamily="49" charset="0"/>
+                <a:cs typeface="Menlo" panose="020B0609030804020204" pitchFamily="49" charset="0"/>
+              </a:rPr>
+              <a:t>&gt;&gt;&gt; </a:t>
             </a:r>
             <a:r>
               <a:rPr lang="en-US" dirty="0">
@@ -29553,20 +28735,18 @@
                 <a:ea typeface="Menlo" panose="020B0609030804020204" pitchFamily="49" charset="0"/>
                 <a:cs typeface="Menlo" panose="020B0609030804020204" pitchFamily="49" charset="0"/>
               </a:rPr>
-              <a:t>      return self[0]</a:t>
-            </a:r>
-          </a:p>
-          <a:p>
-            <a:pPr marL="0" indent="0">
-              <a:buNone/>
-            </a:pPr>
-            <a:r>
-              <a:rPr lang="en-US" dirty="0">
+              <a:t>raise </a:t>
+            </a:r>
+            <a:r>
+              <a:rPr lang="en-US" dirty="0" err="1">
+                <a:solidFill>
+                  <a:schemeClr val="accent6"/>
+                </a:solidFill>
                 <a:latin typeface="Menlo" panose="020B0609030804020204" pitchFamily="49" charset="0"/>
                 <a:ea typeface="Menlo" panose="020B0609030804020204" pitchFamily="49" charset="0"/>
                 <a:cs typeface="Menlo" panose="020B0609030804020204" pitchFamily="49" charset="0"/>
               </a:rPr>
-              <a:t>...      </a:t>
+              <a:t>MyException</a:t>
             </a:r>
             <a:r>
               <a:rPr lang="en-US" dirty="0">
@@ -29577,7 +28757,7 @@
                 <a:ea typeface="Menlo" panose="020B0609030804020204" pitchFamily="49" charset="0"/>
                 <a:cs typeface="Menlo" panose="020B0609030804020204" pitchFamily="49" charset="0"/>
               </a:rPr>
-              <a:t>   if name == 'y':</a:t>
+              <a:t>('test')</a:t>
             </a:r>
           </a:p>
           <a:p>
@@ -29590,18 +28770,7 @@
                 <a:ea typeface="Menlo" panose="020B0609030804020204" pitchFamily="49" charset="0"/>
                 <a:cs typeface="Menlo" panose="020B0609030804020204" pitchFamily="49" charset="0"/>
               </a:rPr>
-              <a:t>...       </a:t>
-            </a:r>
-            <a:r>
-              <a:rPr lang="en-US" dirty="0">
-                <a:solidFill>
-                  <a:schemeClr val="accent6"/>
-                </a:solidFill>
-                <a:latin typeface="Menlo" panose="020B0609030804020204" pitchFamily="49" charset="0"/>
-                <a:ea typeface="Menlo" panose="020B0609030804020204" pitchFamily="49" charset="0"/>
-                <a:cs typeface="Menlo" panose="020B0609030804020204" pitchFamily="49" charset="0"/>
-              </a:rPr>
-              <a:t>      return self[1]</a:t>
+              <a:t>One Exceptional Exception!</a:t>
             </a:r>
           </a:p>
           <a:p>
@@ -29610,110 +28779,6 @@
             </a:pPr>
             <a:r>
               <a:rPr lang="en-US" dirty="0">
-                <a:latin typeface="Menlo" panose="020B0609030804020204" pitchFamily="49" charset="0"/>
-                <a:ea typeface="Menlo" panose="020B0609030804020204" pitchFamily="49" charset="0"/>
-                <a:cs typeface="Menlo" panose="020B0609030804020204" pitchFamily="49" charset="0"/>
-              </a:rPr>
-              <a:t>...     </a:t>
-            </a:r>
-            <a:r>
-              <a:rPr lang="en-US" dirty="0">
-                <a:solidFill>
-                  <a:schemeClr val="accent6"/>
-                </a:solidFill>
-                <a:latin typeface="Menlo" panose="020B0609030804020204" pitchFamily="49" charset="0"/>
-                <a:ea typeface="Menlo" panose="020B0609030804020204" pitchFamily="49" charset="0"/>
-                <a:cs typeface="Menlo" panose="020B0609030804020204" pitchFamily="49" charset="0"/>
-              </a:rPr>
-              <a:t>    else:</a:t>
-            </a:r>
-          </a:p>
-          <a:p>
-            <a:pPr marL="0" indent="0">
-              <a:buNone/>
-            </a:pPr>
-            <a:r>
-              <a:rPr lang="en-US" dirty="0">
-                <a:latin typeface="Menlo" panose="020B0609030804020204" pitchFamily="49" charset="0"/>
-                <a:ea typeface="Menlo" panose="020B0609030804020204" pitchFamily="49" charset="0"/>
-                <a:cs typeface="Menlo" panose="020B0609030804020204" pitchFamily="49" charset="0"/>
-              </a:rPr>
-              <a:t>...            </a:t>
-            </a:r>
-            <a:r>
-              <a:rPr lang="en-US" dirty="0">
-                <a:solidFill>
-                  <a:schemeClr val="accent6"/>
-                </a:solidFill>
-                <a:latin typeface="Menlo" panose="020B0609030804020204" pitchFamily="49" charset="0"/>
-                <a:ea typeface="Menlo" panose="020B0609030804020204" pitchFamily="49" charset="0"/>
-                <a:cs typeface="Menlo" panose="020B0609030804020204" pitchFamily="49" charset="0"/>
-              </a:rPr>
-              <a:t> raise </a:t>
-            </a:r>
-            <a:r>
-              <a:rPr lang="en-US" dirty="0" err="1">
-                <a:solidFill>
-                  <a:schemeClr val="accent6"/>
-                </a:solidFill>
-                <a:latin typeface="Menlo" panose="020B0609030804020204" pitchFamily="49" charset="0"/>
-                <a:ea typeface="Menlo" panose="020B0609030804020204" pitchFamily="49" charset="0"/>
-                <a:cs typeface="Menlo" panose="020B0609030804020204" pitchFamily="49" charset="0"/>
-              </a:rPr>
-              <a:t>AttributeError</a:t>
-            </a:r>
-            <a:endParaRPr lang="en-US" dirty="0">
-              <a:solidFill>
-                <a:schemeClr val="accent6"/>
-              </a:solidFill>
-              <a:latin typeface="Menlo" panose="020B0609030804020204" pitchFamily="49" charset="0"/>
-              <a:ea typeface="Menlo" panose="020B0609030804020204" pitchFamily="49" charset="0"/>
-              <a:cs typeface="Menlo" panose="020B0609030804020204" pitchFamily="49" charset="0"/>
-            </a:endParaRPr>
-          </a:p>
-          <a:p>
-            <a:pPr marL="0" indent="0">
-              <a:buNone/>
-            </a:pPr>
-            <a:r>
-              <a:rPr lang="en-US" dirty="0">
-                <a:latin typeface="Menlo" panose="020B0609030804020204" pitchFamily="49" charset="0"/>
-                <a:ea typeface="Menlo" panose="020B0609030804020204" pitchFamily="49" charset="0"/>
-                <a:cs typeface="Menlo" panose="020B0609030804020204" pitchFamily="49" charset="0"/>
-              </a:rPr>
-              <a:t>... </a:t>
-            </a:r>
-          </a:p>
-          <a:p>
-            <a:pPr marL="0" indent="0">
-              <a:buNone/>
-            </a:pPr>
-            <a:r>
-              <a:rPr lang="en-US" dirty="0">
-                <a:latin typeface="Menlo" panose="020B0609030804020204" pitchFamily="49" charset="0"/>
-                <a:ea typeface="Menlo" panose="020B0609030804020204" pitchFamily="49" charset="0"/>
-                <a:cs typeface="Menlo" panose="020B0609030804020204" pitchFamily="49" charset="0"/>
-              </a:rPr>
-              <a:t>&gt;&gt;&gt; </a:t>
-            </a:r>
-            <a:r>
-              <a:rPr lang="en-US" dirty="0">
-                <a:solidFill>
-                  <a:schemeClr val="accent6"/>
-                </a:solidFill>
-                <a:latin typeface="Menlo" panose="020B0609030804020204" pitchFamily="49" charset="0"/>
-                <a:ea typeface="Menlo" panose="020B0609030804020204" pitchFamily="49" charset="0"/>
-                <a:cs typeface="Menlo" panose="020B0609030804020204" pitchFamily="49" charset="0"/>
-              </a:rPr>
-              <a:t>a = Point(1, 2)</a:t>
-            </a:r>
-          </a:p>
-          <a:p>
-            <a:pPr marL="0" indent="0">
-              <a:buNone/>
-            </a:pPr>
-            <a:r>
-              <a:rPr lang="en-US" sz="1500" dirty="0">
                 <a:solidFill>
                   <a:srgbClr val="FF0000"/>
                 </a:solidFill>
@@ -29729,7 +28794,7 @@
               <a:buNone/>
             </a:pPr>
             <a:r>
-              <a:rPr lang="en-US" sz="1500" dirty="0">
+              <a:rPr lang="en-US" dirty="0">
                 <a:solidFill>
                   <a:srgbClr val="FF0000"/>
                 </a:solidFill>
@@ -29745,7 +28810,7 @@
               <a:buNone/>
             </a:pPr>
             <a:r>
-              <a:rPr lang="en-US" sz="1500" dirty="0" err="1">
+              <a:rPr lang="en-US" dirty="0">
                 <a:solidFill>
                   <a:srgbClr val="FF0000"/>
                 </a:solidFill>
@@ -29753,10 +28818,10 @@
                 <a:ea typeface="Menlo" panose="020B0609030804020204" pitchFamily="49" charset="0"/>
                 <a:cs typeface="Menlo" panose="020B0609030804020204" pitchFamily="49" charset="0"/>
               </a:rPr>
-              <a:t>TypeError</a:t>
-            </a:r>
-            <a:r>
-              <a:rPr lang="en-US" sz="1500" dirty="0">
+              <a:t>__main__.</a:t>
+            </a:r>
+            <a:r>
+              <a:rPr lang="en-US" dirty="0" err="1">
                 <a:solidFill>
                   <a:srgbClr val="FF0000"/>
                 </a:solidFill>
@@ -29764,7 +28829,18 @@
                 <a:ea typeface="Menlo" panose="020B0609030804020204" pitchFamily="49" charset="0"/>
                 <a:cs typeface="Menlo" panose="020B0609030804020204" pitchFamily="49" charset="0"/>
               </a:rPr>
-              <a:t>: tuple() takes at most 1 argument (2 given)</a:t>
+              <a:t>MyException</a:t>
+            </a:r>
+            <a:r>
+              <a:rPr lang="en-US" dirty="0">
+                <a:solidFill>
+                  <a:srgbClr val="FF0000"/>
+                </a:solidFill>
+                <a:latin typeface="Menlo" panose="020B0609030804020204" pitchFamily="49" charset="0"/>
+                <a:ea typeface="Menlo" panose="020B0609030804020204" pitchFamily="49" charset="0"/>
+                <a:cs typeface="Menlo" panose="020B0609030804020204" pitchFamily="49" charset="0"/>
+              </a:rPr>
+              <a:t>: test</a:t>
             </a:r>
           </a:p>
         </p:txBody>
@@ -30444,336 +29520,6 @@
                       </p:childTnLst>
                     </p:cTn>
                   </p:par>
-                  <p:par>
-                    <p:cTn id="57" fill="hold">
-                      <p:stCondLst>
-                        <p:cond delay="indefinite"/>
-                      </p:stCondLst>
-                      <p:childTnLst>
-                        <p:par>
-                          <p:cTn id="58" fill="hold">
-                            <p:stCondLst>
-                              <p:cond delay="0"/>
-                            </p:stCondLst>
-                            <p:childTnLst>
-                              <p:par>
-                                <p:cTn id="59" presetID="22" presetClass="entr" presetSubtype="8" fill="hold" grpId="0" nodeType="clickEffect">
-                                  <p:stCondLst>
-                                    <p:cond delay="0"/>
-                                  </p:stCondLst>
-                                  <p:childTnLst>
-                                    <p:set>
-                                      <p:cBhvr>
-                                        <p:cTn id="60" dur="1" fill="hold">
-                                          <p:stCondLst>
-                                            <p:cond delay="0"/>
-                                          </p:stCondLst>
-                                        </p:cTn>
-                                        <p:tgtEl>
-                                          <p:spTgt spid="8">
-                                            <p:txEl>
-                                              <p:pRg st="10" end="10"/>
-                                            </p:txEl>
-                                          </p:spTgt>
-                                        </p:tgtEl>
-                                        <p:attrNameLst>
-                                          <p:attrName>style.visibility</p:attrName>
-                                        </p:attrNameLst>
-                                      </p:cBhvr>
-                                      <p:to>
-                                        <p:strVal val="visible"/>
-                                      </p:to>
-                                    </p:set>
-                                    <p:animEffect transition="in" filter="wipe(left)">
-                                      <p:cBhvr>
-                                        <p:cTn id="61" dur="500"/>
-                                        <p:tgtEl>
-                                          <p:spTgt spid="8">
-                                            <p:txEl>
-                                              <p:pRg st="10" end="10"/>
-                                            </p:txEl>
-                                          </p:spTgt>
-                                        </p:tgtEl>
-                                      </p:cBhvr>
-                                    </p:animEffect>
-                                  </p:childTnLst>
-                                </p:cTn>
-                              </p:par>
-                            </p:childTnLst>
-                          </p:cTn>
-                        </p:par>
-                      </p:childTnLst>
-                    </p:cTn>
-                  </p:par>
-                  <p:par>
-                    <p:cTn id="62" fill="hold">
-                      <p:stCondLst>
-                        <p:cond delay="indefinite"/>
-                      </p:stCondLst>
-                      <p:childTnLst>
-                        <p:par>
-                          <p:cTn id="63" fill="hold">
-                            <p:stCondLst>
-                              <p:cond delay="0"/>
-                            </p:stCondLst>
-                            <p:childTnLst>
-                              <p:par>
-                                <p:cTn id="64" presetID="22" presetClass="entr" presetSubtype="8" fill="hold" grpId="0" nodeType="clickEffect">
-                                  <p:stCondLst>
-                                    <p:cond delay="0"/>
-                                  </p:stCondLst>
-                                  <p:childTnLst>
-                                    <p:set>
-                                      <p:cBhvr>
-                                        <p:cTn id="65" dur="1" fill="hold">
-                                          <p:stCondLst>
-                                            <p:cond delay="0"/>
-                                          </p:stCondLst>
-                                        </p:cTn>
-                                        <p:tgtEl>
-                                          <p:spTgt spid="8">
-                                            <p:txEl>
-                                              <p:pRg st="11" end="11"/>
-                                            </p:txEl>
-                                          </p:spTgt>
-                                        </p:tgtEl>
-                                        <p:attrNameLst>
-                                          <p:attrName>style.visibility</p:attrName>
-                                        </p:attrNameLst>
-                                      </p:cBhvr>
-                                      <p:to>
-                                        <p:strVal val="visible"/>
-                                      </p:to>
-                                    </p:set>
-                                    <p:animEffect transition="in" filter="wipe(left)">
-                                      <p:cBhvr>
-                                        <p:cTn id="66" dur="500"/>
-                                        <p:tgtEl>
-                                          <p:spTgt spid="8">
-                                            <p:txEl>
-                                              <p:pRg st="11" end="11"/>
-                                            </p:txEl>
-                                          </p:spTgt>
-                                        </p:tgtEl>
-                                      </p:cBhvr>
-                                    </p:animEffect>
-                                  </p:childTnLst>
-                                </p:cTn>
-                              </p:par>
-                            </p:childTnLst>
-                          </p:cTn>
-                        </p:par>
-                      </p:childTnLst>
-                    </p:cTn>
-                  </p:par>
-                  <p:par>
-                    <p:cTn id="67" fill="hold">
-                      <p:stCondLst>
-                        <p:cond delay="indefinite"/>
-                      </p:stCondLst>
-                      <p:childTnLst>
-                        <p:par>
-                          <p:cTn id="68" fill="hold">
-                            <p:stCondLst>
-                              <p:cond delay="0"/>
-                            </p:stCondLst>
-                            <p:childTnLst>
-                              <p:par>
-                                <p:cTn id="69" presetID="22" presetClass="entr" presetSubtype="8" fill="hold" grpId="0" nodeType="clickEffect">
-                                  <p:stCondLst>
-                                    <p:cond delay="0"/>
-                                  </p:stCondLst>
-                                  <p:childTnLst>
-                                    <p:set>
-                                      <p:cBhvr>
-                                        <p:cTn id="70" dur="1" fill="hold">
-                                          <p:stCondLst>
-                                            <p:cond delay="0"/>
-                                          </p:stCondLst>
-                                        </p:cTn>
-                                        <p:tgtEl>
-                                          <p:spTgt spid="8">
-                                            <p:txEl>
-                                              <p:pRg st="12" end="12"/>
-                                            </p:txEl>
-                                          </p:spTgt>
-                                        </p:tgtEl>
-                                        <p:attrNameLst>
-                                          <p:attrName>style.visibility</p:attrName>
-                                        </p:attrNameLst>
-                                      </p:cBhvr>
-                                      <p:to>
-                                        <p:strVal val="visible"/>
-                                      </p:to>
-                                    </p:set>
-                                    <p:animEffect transition="in" filter="wipe(left)">
-                                      <p:cBhvr>
-                                        <p:cTn id="71" dur="500"/>
-                                        <p:tgtEl>
-                                          <p:spTgt spid="8">
-                                            <p:txEl>
-                                              <p:pRg st="12" end="12"/>
-                                            </p:txEl>
-                                          </p:spTgt>
-                                        </p:tgtEl>
-                                      </p:cBhvr>
-                                    </p:animEffect>
-                                  </p:childTnLst>
-                                </p:cTn>
-                              </p:par>
-                            </p:childTnLst>
-                          </p:cTn>
-                        </p:par>
-                      </p:childTnLst>
-                    </p:cTn>
-                  </p:par>
-                  <p:par>
-                    <p:cTn id="72" fill="hold">
-                      <p:stCondLst>
-                        <p:cond delay="indefinite"/>
-                      </p:stCondLst>
-                      <p:childTnLst>
-                        <p:par>
-                          <p:cTn id="73" fill="hold">
-                            <p:stCondLst>
-                              <p:cond delay="0"/>
-                            </p:stCondLst>
-                            <p:childTnLst>
-                              <p:par>
-                                <p:cTn id="74" presetID="22" presetClass="entr" presetSubtype="8" fill="hold" grpId="0" nodeType="clickEffect">
-                                  <p:stCondLst>
-                                    <p:cond delay="0"/>
-                                  </p:stCondLst>
-                                  <p:childTnLst>
-                                    <p:set>
-                                      <p:cBhvr>
-                                        <p:cTn id="75" dur="1" fill="hold">
-                                          <p:stCondLst>
-                                            <p:cond delay="0"/>
-                                          </p:stCondLst>
-                                        </p:cTn>
-                                        <p:tgtEl>
-                                          <p:spTgt spid="8">
-                                            <p:txEl>
-                                              <p:pRg st="13" end="13"/>
-                                            </p:txEl>
-                                          </p:spTgt>
-                                        </p:tgtEl>
-                                        <p:attrNameLst>
-                                          <p:attrName>style.visibility</p:attrName>
-                                        </p:attrNameLst>
-                                      </p:cBhvr>
-                                      <p:to>
-                                        <p:strVal val="visible"/>
-                                      </p:to>
-                                    </p:set>
-                                    <p:animEffect transition="in" filter="wipe(left)">
-                                      <p:cBhvr>
-                                        <p:cTn id="76" dur="500"/>
-                                        <p:tgtEl>
-                                          <p:spTgt spid="8">
-                                            <p:txEl>
-                                              <p:pRg st="13" end="13"/>
-                                            </p:txEl>
-                                          </p:spTgt>
-                                        </p:tgtEl>
-                                      </p:cBhvr>
-                                    </p:animEffect>
-                                  </p:childTnLst>
-                                </p:cTn>
-                              </p:par>
-                              <p:par>
-                                <p:cTn id="77" presetID="22" presetClass="entr" presetSubtype="8" fill="hold" grpId="0" nodeType="withEffect">
-                                  <p:stCondLst>
-                                    <p:cond delay="0"/>
-                                  </p:stCondLst>
-                                  <p:childTnLst>
-                                    <p:set>
-                                      <p:cBhvr>
-                                        <p:cTn id="78" dur="1" fill="hold">
-                                          <p:stCondLst>
-                                            <p:cond delay="0"/>
-                                          </p:stCondLst>
-                                        </p:cTn>
-                                        <p:tgtEl>
-                                          <p:spTgt spid="8">
-                                            <p:txEl>
-                                              <p:pRg st="14" end="14"/>
-                                            </p:txEl>
-                                          </p:spTgt>
-                                        </p:tgtEl>
-                                        <p:attrNameLst>
-                                          <p:attrName>style.visibility</p:attrName>
-                                        </p:attrNameLst>
-                                      </p:cBhvr>
-                                      <p:to>
-                                        <p:strVal val="visible"/>
-                                      </p:to>
-                                    </p:set>
-                                    <p:animEffect transition="in" filter="wipe(left)">
-                                      <p:cBhvr>
-                                        <p:cTn id="79" dur="500"/>
-                                        <p:tgtEl>
-                                          <p:spTgt spid="8">
-                                            <p:txEl>
-                                              <p:pRg st="14" end="14"/>
-                                            </p:txEl>
-                                          </p:spTgt>
-                                        </p:tgtEl>
-                                      </p:cBhvr>
-                                    </p:animEffect>
-                                  </p:childTnLst>
-                                </p:cTn>
-                              </p:par>
-                              <p:par>
-                                <p:cTn id="80" presetID="22" presetClass="entr" presetSubtype="8" fill="hold" grpId="0" nodeType="withEffect">
-                                  <p:stCondLst>
-                                    <p:cond delay="0"/>
-                                  </p:stCondLst>
-                                  <p:childTnLst>
-                                    <p:set>
-                                      <p:cBhvr>
-                                        <p:cTn id="81" dur="1" fill="hold">
-                                          <p:stCondLst>
-                                            <p:cond delay="0"/>
-                                          </p:stCondLst>
-                                        </p:cTn>
-                                        <p:tgtEl>
-                                          <p:spTgt spid="8">
-                                            <p:txEl>
-                                              <p:pRg st="15" end="15"/>
-                                            </p:txEl>
-                                          </p:spTgt>
-                                        </p:tgtEl>
-                                        <p:attrNameLst>
-                                          <p:attrName>style.visibility</p:attrName>
-                                        </p:attrNameLst>
-                                      </p:cBhvr>
-                                      <p:to>
-                                        <p:strVal val="visible"/>
-                                      </p:to>
-                                    </p:set>
-                                    <p:animEffect transition="in" filter="wipe(left)">
-                                      <p:cBhvr>
-                                        <p:cTn id="82" dur="500"/>
-                                        <p:tgtEl>
-                                          <p:spTgt spid="8">
-                                            <p:txEl>
-                                              <p:pRg st="15" end="15"/>
-                                            </p:txEl>
-                                          </p:spTgt>
-                                        </p:tgtEl>
-                                      </p:cBhvr>
-                                    </p:animEffect>
-                                  </p:childTnLst>
-                                </p:cTn>
-                              </p:par>
-                            </p:childTnLst>
-                          </p:cTn>
-                        </p:par>
-                      </p:childTnLst>
-                    </p:cTn>
-                  </p:par>
                 </p:childTnLst>
               </p:cTn>
               <p:prevCondLst>
@@ -30797,2310 +29543,6 @@
     </p:tnLst>
     <p:bldLst>
       <p:bldP spid="8" grpId="0" uiExpand="1" build="p" animBg="1"/>
-    </p:bldLst>
-  </p:timing>
-</p:sld>
-</file>
-
-<file path=ppt/slides/slide8.xml><?xml version="1.0" encoding="utf-8"?>
-<p:sld xmlns:a="http://schemas.openxmlformats.org/drawingml/2006/main" xmlns:r="http://schemas.openxmlformats.org/officeDocument/2006/relationships" xmlns:p="http://schemas.openxmlformats.org/presentationml/2006/main">
-  <p:cSld>
-    <p:spTree>
-      <p:nvGrpSpPr>
-        <p:cNvPr id="1" name=""/>
-        <p:cNvGrpSpPr/>
-        <p:nvPr/>
-      </p:nvGrpSpPr>
-      <p:grpSpPr>
-        <a:xfrm>
-          <a:off x="0" y="0"/>
-          <a:ext cx="0" cy="0"/>
-          <a:chOff x="0" y="0"/>
-          <a:chExt cx="0" cy="0"/>
-        </a:xfrm>
-      </p:grpSpPr>
-      <p:sp>
-        <p:nvSpPr>
-          <p:cNvPr id="2" name="Title 1">
-            <a:extLst>
-              <a:ext uri="{FF2B5EF4-FFF2-40B4-BE49-F238E27FC236}">
-                <a16:creationId xmlns:a16="http://schemas.microsoft.com/office/drawing/2014/main" id="{38A38EC1-BA6E-6B40-AE24-08BC22F00DBF}"/>
-              </a:ext>
-            </a:extLst>
-          </p:cNvPr>
-          <p:cNvSpPr>
-            <a:spLocks noGrp="1"/>
-          </p:cNvSpPr>
-          <p:nvPr>
-            <p:ph type="title"/>
-          </p:nvPr>
-        </p:nvSpPr>
-        <p:spPr>
-          <a:xfrm>
-            <a:off x="1264920" y="335280"/>
-            <a:ext cx="9601200" cy="1485900"/>
-          </a:xfrm>
-        </p:spPr>
-        <p:txBody>
-          <a:bodyPr/>
-          <a:lstStyle/>
-          <a:p>
-            <a:r>
-              <a:rPr lang="en-US" dirty="0"/>
-              <a:t>Let’s Practice a Bit</a:t>
-            </a:r>
-          </a:p>
-        </p:txBody>
-      </p:sp>
-      <p:pic>
-        <p:nvPicPr>
-          <p:cNvPr id="7" name="Picture 6">
-            <a:extLst>
-              <a:ext uri="{FF2B5EF4-FFF2-40B4-BE49-F238E27FC236}">
-                <a16:creationId xmlns:a16="http://schemas.microsoft.com/office/drawing/2014/main" id="{CC16012C-5DE3-1C48-BB3A-DAA3A6212D81}"/>
-              </a:ext>
-            </a:extLst>
-          </p:cNvPr>
-          <p:cNvPicPr>
-            <a:picLocks noChangeAspect="1"/>
-          </p:cNvPicPr>
-          <p:nvPr/>
-        </p:nvPicPr>
-        <p:blipFill>
-          <a:blip r:embed="rId2">
-            <a:lum bright="70000" contrast="-70000"/>
-            <a:extLst>
-              <a:ext uri="{BEBA8EAE-BF5A-486C-A8C5-ECC9F3942E4B}">
-                <a14:imgProps xmlns:a14="http://schemas.microsoft.com/office/drawing/2010/main">
-                  <a14:imgLayer>
-                    <a14:imgEffect>
-                      <a14:artisticPhotocopy/>
-                    </a14:imgEffect>
-                    <a14:imgEffect>
-                      <a14:colorTemperature colorTemp="7117"/>
-                    </a14:imgEffect>
-                  </a14:imgLayer>
-                </a14:imgProps>
-              </a:ext>
-            </a:extLst>
-          </a:blip>
-          <a:stretch>
-            <a:fillRect/>
-          </a:stretch>
-        </p:blipFill>
-        <p:spPr>
-          <a:xfrm>
-            <a:off x="807720" y="1821179"/>
-            <a:ext cx="5394960" cy="3587075"/>
-          </a:xfrm>
-          <a:prstGeom prst="rect">
-            <a:avLst/>
-          </a:prstGeom>
-        </p:spPr>
-      </p:pic>
-      <p:sp>
-        <p:nvSpPr>
-          <p:cNvPr id="8" name="Content Placeholder 2">
-            <a:extLst>
-              <a:ext uri="{FF2B5EF4-FFF2-40B4-BE49-F238E27FC236}">
-                <a16:creationId xmlns:a16="http://schemas.microsoft.com/office/drawing/2014/main" id="{A3E3F5DF-6B98-DB4B-B542-D4FDD22EF446}"/>
-              </a:ext>
-            </a:extLst>
-          </p:cNvPr>
-          <p:cNvSpPr txBox="1">
-            <a:spLocks/>
-          </p:cNvSpPr>
-          <p:nvPr/>
-        </p:nvSpPr>
-        <p:spPr>
-          <a:xfrm>
-            <a:off x="6202680" y="335280"/>
-            <a:ext cx="5852160" cy="6263640"/>
-          </a:xfrm>
-          <a:prstGeom prst="rect">
-            <a:avLst/>
-          </a:prstGeom>
-          <a:ln>
-            <a:solidFill>
-              <a:schemeClr val="tx1"/>
-            </a:solidFill>
-          </a:ln>
-        </p:spPr>
-        <p:txBody>
-          <a:bodyPr vert="horz" lIns="91440" tIns="45720" rIns="91440" bIns="45720" rtlCol="0">
-            <a:normAutofit fontScale="92500" lnSpcReduction="20000"/>
-          </a:bodyPr>
-          <a:lstStyle>
-            <a:lvl1pPr marL="384048" indent="-384048" algn="l" defTabSz="914400" rtl="0" eaLnBrk="1" latinLnBrk="0" hangingPunct="1">
-              <a:lnSpc>
-                <a:spcPct val="94000"/>
-              </a:lnSpc>
-              <a:spcBef>
-                <a:spcPts val="1000"/>
-              </a:spcBef>
-              <a:spcAft>
-                <a:spcPts val="200"/>
-              </a:spcAft>
-              <a:buFont typeface="Franklin Gothic Book" panose="020B0503020102020204" pitchFamily="34" charset="0"/>
-              <a:buChar char="■"/>
-              <a:defRPr sz="2000" kern="1200" baseline="0">
-                <a:solidFill>
-                  <a:schemeClr val="tx2"/>
-                </a:solidFill>
-                <a:latin typeface="+mn-lt"/>
-                <a:ea typeface="+mn-ea"/>
-                <a:cs typeface="+mn-cs"/>
-              </a:defRPr>
-            </a:lvl1pPr>
-            <a:lvl2pPr marL="914400" indent="-384048" algn="l" defTabSz="914400" rtl="0" eaLnBrk="1" latinLnBrk="0" hangingPunct="1">
-              <a:lnSpc>
-                <a:spcPct val="94000"/>
-              </a:lnSpc>
-              <a:spcBef>
-                <a:spcPts val="500"/>
-              </a:spcBef>
-              <a:spcAft>
-                <a:spcPts val="200"/>
-              </a:spcAft>
-              <a:buFont typeface="Franklin Gothic Book" panose="020B0503020102020204" pitchFamily="34" charset="0"/>
-              <a:buChar char="–"/>
-              <a:defRPr sz="2000" i="1" kern="1200" baseline="0">
-                <a:solidFill>
-                  <a:schemeClr val="tx2"/>
-                </a:solidFill>
-                <a:latin typeface="+mn-lt"/>
-                <a:ea typeface="+mn-ea"/>
-                <a:cs typeface="+mn-cs"/>
-              </a:defRPr>
-            </a:lvl2pPr>
-            <a:lvl3pPr marL="1371600" indent="-384048" algn="l" defTabSz="914400" rtl="0" eaLnBrk="1" latinLnBrk="0" hangingPunct="1">
-              <a:lnSpc>
-                <a:spcPct val="94000"/>
-              </a:lnSpc>
-              <a:spcBef>
-                <a:spcPts val="500"/>
-              </a:spcBef>
-              <a:spcAft>
-                <a:spcPts val="200"/>
-              </a:spcAft>
-              <a:buFont typeface="Franklin Gothic Book" panose="020B0503020102020204" pitchFamily="34" charset="0"/>
-              <a:buChar char="■"/>
-              <a:defRPr sz="1800" kern="1200" baseline="0">
-                <a:solidFill>
-                  <a:schemeClr val="tx2"/>
-                </a:solidFill>
-                <a:latin typeface="+mn-lt"/>
-                <a:ea typeface="+mn-ea"/>
-                <a:cs typeface="+mn-cs"/>
-              </a:defRPr>
-            </a:lvl3pPr>
-            <a:lvl4pPr marL="1828800" indent="-384048" algn="l" defTabSz="914400" rtl="0" eaLnBrk="1" latinLnBrk="0" hangingPunct="1">
-              <a:lnSpc>
-                <a:spcPct val="94000"/>
-              </a:lnSpc>
-              <a:spcBef>
-                <a:spcPts val="500"/>
-              </a:spcBef>
-              <a:spcAft>
-                <a:spcPts val="200"/>
-              </a:spcAft>
-              <a:buFont typeface="Franklin Gothic Book" panose="020B0503020102020204" pitchFamily="34" charset="0"/>
-              <a:buChar char="–"/>
-              <a:defRPr sz="1800" i="1" kern="1200" baseline="0">
-                <a:solidFill>
-                  <a:schemeClr val="tx2"/>
-                </a:solidFill>
-                <a:latin typeface="+mn-lt"/>
-                <a:ea typeface="+mn-ea"/>
-                <a:cs typeface="+mn-cs"/>
-              </a:defRPr>
-            </a:lvl4pPr>
-            <a:lvl5pPr marL="2286000" indent="-384048" algn="l" defTabSz="914400" rtl="0" eaLnBrk="1" latinLnBrk="0" hangingPunct="1">
-              <a:lnSpc>
-                <a:spcPct val="94000"/>
-              </a:lnSpc>
-              <a:spcBef>
-                <a:spcPts val="500"/>
-              </a:spcBef>
-              <a:spcAft>
-                <a:spcPts val="200"/>
-              </a:spcAft>
-              <a:buFont typeface="Franklin Gothic Book" panose="020B0503020102020204" pitchFamily="34" charset="0"/>
-              <a:buChar char="■"/>
-              <a:defRPr sz="1600" kern="1200" baseline="0">
-                <a:solidFill>
-                  <a:schemeClr val="tx2"/>
-                </a:solidFill>
-                <a:latin typeface="+mn-lt"/>
-                <a:ea typeface="+mn-ea"/>
-                <a:cs typeface="+mn-cs"/>
-              </a:defRPr>
-            </a:lvl5pPr>
-            <a:lvl6pPr marL="2743200" indent="-384048" algn="l" defTabSz="914400" rtl="0" eaLnBrk="1" latinLnBrk="0" hangingPunct="1">
-              <a:lnSpc>
-                <a:spcPct val="94000"/>
-              </a:lnSpc>
-              <a:spcBef>
-                <a:spcPts val="500"/>
-              </a:spcBef>
-              <a:spcAft>
-                <a:spcPts val="200"/>
-              </a:spcAft>
-              <a:buFont typeface="Franklin Gothic Book" panose="020B0503020102020204" pitchFamily="34" charset="0"/>
-              <a:buChar char="–"/>
-              <a:defRPr sz="1600" i="1" kern="1200" baseline="0">
-                <a:solidFill>
-                  <a:schemeClr val="tx2"/>
-                </a:solidFill>
-                <a:latin typeface="+mn-lt"/>
-                <a:ea typeface="+mn-ea"/>
-                <a:cs typeface="+mn-cs"/>
-              </a:defRPr>
-            </a:lvl6pPr>
-            <a:lvl7pPr marL="3200400" indent="-384048" algn="l" defTabSz="914400" rtl="0" eaLnBrk="1" latinLnBrk="0" hangingPunct="1">
-              <a:lnSpc>
-                <a:spcPct val="94000"/>
-              </a:lnSpc>
-              <a:spcBef>
-                <a:spcPts val="500"/>
-              </a:spcBef>
-              <a:spcAft>
-                <a:spcPts val="200"/>
-              </a:spcAft>
-              <a:buFont typeface="Franklin Gothic Book" panose="020B0503020102020204" pitchFamily="34" charset="0"/>
-              <a:buChar char="■"/>
-              <a:defRPr sz="1400" kern="1200" baseline="0">
-                <a:solidFill>
-                  <a:schemeClr val="tx2"/>
-                </a:solidFill>
-                <a:latin typeface="+mn-lt"/>
-                <a:ea typeface="+mn-ea"/>
-                <a:cs typeface="+mn-cs"/>
-              </a:defRPr>
-            </a:lvl7pPr>
-            <a:lvl8pPr marL="3657600" indent="-384048" algn="l" defTabSz="914400" rtl="0" eaLnBrk="1" latinLnBrk="0" hangingPunct="1">
-              <a:lnSpc>
-                <a:spcPct val="94000"/>
-              </a:lnSpc>
-              <a:spcBef>
-                <a:spcPts val="500"/>
-              </a:spcBef>
-              <a:spcAft>
-                <a:spcPts val="200"/>
-              </a:spcAft>
-              <a:buFont typeface="Franklin Gothic Book" panose="020B0503020102020204" pitchFamily="34" charset="0"/>
-              <a:buChar char="–"/>
-              <a:defRPr sz="1400" i="1" kern="1200" baseline="0">
-                <a:solidFill>
-                  <a:schemeClr val="tx2"/>
-                </a:solidFill>
-                <a:latin typeface="+mn-lt"/>
-                <a:ea typeface="+mn-ea"/>
-                <a:cs typeface="+mn-cs"/>
-              </a:defRPr>
-            </a:lvl8pPr>
-            <a:lvl9pPr marL="4114800" indent="-384048" algn="l" defTabSz="914400" rtl="0" eaLnBrk="1" latinLnBrk="0" hangingPunct="1">
-              <a:lnSpc>
-                <a:spcPct val="94000"/>
-              </a:lnSpc>
-              <a:spcBef>
-                <a:spcPts val="500"/>
-              </a:spcBef>
-              <a:spcAft>
-                <a:spcPts val="200"/>
-              </a:spcAft>
-              <a:buFont typeface="Franklin Gothic Book" panose="020B0503020102020204" pitchFamily="34" charset="0"/>
-              <a:buChar char="■"/>
-              <a:defRPr sz="1400" kern="1200" baseline="0">
-                <a:solidFill>
-                  <a:schemeClr val="tx2"/>
-                </a:solidFill>
-                <a:latin typeface="+mn-lt"/>
-                <a:ea typeface="+mn-ea"/>
-                <a:cs typeface="+mn-cs"/>
-              </a:defRPr>
-            </a:lvl9pPr>
-          </a:lstStyle>
-          <a:p>
-            <a:pPr marL="0" indent="0">
-              <a:buNone/>
-            </a:pPr>
-            <a:r>
-              <a:rPr lang="en-US" dirty="0">
-                <a:latin typeface="Menlo" panose="020B0609030804020204" pitchFamily="49" charset="0"/>
-                <a:ea typeface="Menlo" panose="020B0609030804020204" pitchFamily="49" charset="0"/>
-                <a:cs typeface="Menlo" panose="020B0609030804020204" pitchFamily="49" charset="0"/>
-              </a:rPr>
-              <a:t>&gt;&gt;&gt; </a:t>
-            </a:r>
-            <a:r>
-              <a:rPr lang="en-US" dirty="0">
-                <a:solidFill>
-                  <a:schemeClr val="accent6"/>
-                </a:solidFill>
-                <a:latin typeface="Menlo" panose="020B0609030804020204" pitchFamily="49" charset="0"/>
-                <a:ea typeface="Menlo" panose="020B0609030804020204" pitchFamily="49" charset="0"/>
-                <a:cs typeface="Menlo" panose="020B0609030804020204" pitchFamily="49" charset="0"/>
-              </a:rPr>
-              <a:t>class Point(tuple):</a:t>
-            </a:r>
-          </a:p>
-          <a:p>
-            <a:pPr marL="0" indent="0">
-              <a:buNone/>
-            </a:pPr>
-            <a:r>
-              <a:rPr lang="en-US" dirty="0">
-                <a:latin typeface="Menlo" panose="020B0609030804020204" pitchFamily="49" charset="0"/>
-                <a:ea typeface="Menlo" panose="020B0609030804020204" pitchFamily="49" charset="0"/>
-                <a:cs typeface="Menlo" panose="020B0609030804020204" pitchFamily="49" charset="0"/>
-              </a:rPr>
-              <a:t>...   </a:t>
-            </a:r>
-            <a:r>
-              <a:rPr lang="en-US" dirty="0">
-                <a:solidFill>
-                  <a:schemeClr val="accent6"/>
-                </a:solidFill>
-                <a:latin typeface="Menlo" panose="020B0609030804020204" pitchFamily="49" charset="0"/>
-                <a:ea typeface="Menlo" panose="020B0609030804020204" pitchFamily="49" charset="0"/>
-                <a:cs typeface="Menlo" panose="020B0609030804020204" pitchFamily="49" charset="0"/>
-              </a:rPr>
-              <a:t>  def __</a:t>
-            </a:r>
-            <a:r>
-              <a:rPr lang="en-US" b="1" i="1" dirty="0">
-                <a:solidFill>
-                  <a:schemeClr val="accent6"/>
-                </a:solidFill>
-                <a:latin typeface="Menlo" panose="020B0609030804020204" pitchFamily="49" charset="0"/>
-                <a:ea typeface="Menlo" panose="020B0609030804020204" pitchFamily="49" charset="0"/>
-                <a:cs typeface="Menlo" panose="020B0609030804020204" pitchFamily="49" charset="0"/>
-              </a:rPr>
-              <a:t>new</a:t>
-            </a:r>
-            <a:r>
-              <a:rPr lang="en-US" dirty="0">
-                <a:solidFill>
-                  <a:schemeClr val="accent6"/>
-                </a:solidFill>
-                <a:latin typeface="Menlo" panose="020B0609030804020204" pitchFamily="49" charset="0"/>
-                <a:ea typeface="Menlo" panose="020B0609030804020204" pitchFamily="49" charset="0"/>
-                <a:cs typeface="Menlo" panose="020B0609030804020204" pitchFamily="49" charset="0"/>
-              </a:rPr>
-              <a:t>__(</a:t>
-            </a:r>
-            <a:r>
-              <a:rPr lang="en-US" dirty="0" err="1">
-                <a:solidFill>
-                  <a:schemeClr val="accent6"/>
-                </a:solidFill>
-                <a:latin typeface="Menlo" panose="020B0609030804020204" pitchFamily="49" charset="0"/>
-                <a:ea typeface="Menlo" panose="020B0609030804020204" pitchFamily="49" charset="0"/>
-                <a:cs typeface="Menlo" panose="020B0609030804020204" pitchFamily="49" charset="0"/>
-              </a:rPr>
-              <a:t>cls</a:t>
-            </a:r>
-            <a:r>
-              <a:rPr lang="en-US" dirty="0">
-                <a:solidFill>
-                  <a:schemeClr val="accent6"/>
-                </a:solidFill>
-                <a:latin typeface="Menlo" panose="020B0609030804020204" pitchFamily="49" charset="0"/>
-                <a:ea typeface="Menlo" panose="020B0609030804020204" pitchFamily="49" charset="0"/>
-                <a:cs typeface="Menlo" panose="020B0609030804020204" pitchFamily="49" charset="0"/>
-              </a:rPr>
-              <a:t>, x, y):</a:t>
-            </a:r>
-          </a:p>
-          <a:p>
-            <a:pPr marL="0" indent="0">
-              <a:buNone/>
-            </a:pPr>
-            <a:r>
-              <a:rPr lang="en-US" dirty="0">
-                <a:latin typeface="Menlo" panose="020B0609030804020204" pitchFamily="49" charset="0"/>
-                <a:ea typeface="Menlo" panose="020B0609030804020204" pitchFamily="49" charset="0"/>
-                <a:cs typeface="Menlo" panose="020B0609030804020204" pitchFamily="49" charset="0"/>
-              </a:rPr>
-              <a:t>...      </a:t>
-            </a:r>
-            <a:r>
-              <a:rPr lang="en-US" dirty="0">
-                <a:solidFill>
-                  <a:schemeClr val="accent6"/>
-                </a:solidFill>
-                <a:latin typeface="Menlo" panose="020B0609030804020204" pitchFamily="49" charset="0"/>
-                <a:ea typeface="Menlo" panose="020B0609030804020204" pitchFamily="49" charset="0"/>
-                <a:cs typeface="Menlo" panose="020B0609030804020204" pitchFamily="49" charset="0"/>
-              </a:rPr>
-              <a:t>   return </a:t>
-            </a:r>
-            <a:r>
-              <a:rPr lang="en-US" dirty="0" err="1">
-                <a:solidFill>
-                  <a:schemeClr val="accent6"/>
-                </a:solidFill>
-                <a:latin typeface="Menlo" panose="020B0609030804020204" pitchFamily="49" charset="0"/>
-                <a:ea typeface="Menlo" panose="020B0609030804020204" pitchFamily="49" charset="0"/>
-                <a:cs typeface="Menlo" panose="020B0609030804020204" pitchFamily="49" charset="0"/>
-              </a:rPr>
-              <a:t>tuple.__new</a:t>
-            </a:r>
-            <a:r>
-              <a:rPr lang="en-US" dirty="0">
-                <a:solidFill>
-                  <a:schemeClr val="accent6"/>
-                </a:solidFill>
-                <a:latin typeface="Menlo" panose="020B0609030804020204" pitchFamily="49" charset="0"/>
-                <a:ea typeface="Menlo" panose="020B0609030804020204" pitchFamily="49" charset="0"/>
-                <a:cs typeface="Menlo" panose="020B0609030804020204" pitchFamily="49" charset="0"/>
-              </a:rPr>
-              <a:t>__( \</a:t>
-            </a:r>
-          </a:p>
-          <a:p>
-            <a:pPr marL="0" indent="0">
-              <a:buNone/>
-            </a:pPr>
-            <a:r>
-              <a:rPr lang="en-US" dirty="0">
-                <a:latin typeface="Menlo" panose="020B0609030804020204" pitchFamily="49" charset="0"/>
-                <a:ea typeface="Menlo" panose="020B0609030804020204" pitchFamily="49" charset="0"/>
-                <a:cs typeface="Menlo" panose="020B0609030804020204" pitchFamily="49" charset="0"/>
-              </a:rPr>
-              <a:t>...             </a:t>
-            </a:r>
-            <a:r>
-              <a:rPr lang="en-US" dirty="0" err="1">
-                <a:solidFill>
-                  <a:schemeClr val="accent6"/>
-                </a:solidFill>
-                <a:latin typeface="Menlo" panose="020B0609030804020204" pitchFamily="49" charset="0"/>
-                <a:ea typeface="Menlo" panose="020B0609030804020204" pitchFamily="49" charset="0"/>
-                <a:cs typeface="Menlo" panose="020B0609030804020204" pitchFamily="49" charset="0"/>
-              </a:rPr>
-              <a:t>cls</a:t>
-            </a:r>
-            <a:r>
-              <a:rPr lang="en-US" dirty="0">
-                <a:solidFill>
-                  <a:schemeClr val="accent6"/>
-                </a:solidFill>
-                <a:latin typeface="Menlo" panose="020B0609030804020204" pitchFamily="49" charset="0"/>
-                <a:ea typeface="Menlo" panose="020B0609030804020204" pitchFamily="49" charset="0"/>
-                <a:cs typeface="Menlo" panose="020B0609030804020204" pitchFamily="49" charset="0"/>
-              </a:rPr>
-              <a:t>, (x, y))</a:t>
-            </a:r>
-          </a:p>
-          <a:p>
-            <a:pPr marL="0" indent="0">
-              <a:buNone/>
-            </a:pPr>
-            <a:r>
-              <a:rPr lang="en-US" dirty="0">
-                <a:latin typeface="Menlo" panose="020B0609030804020204" pitchFamily="49" charset="0"/>
-                <a:ea typeface="Menlo" panose="020B0609030804020204" pitchFamily="49" charset="0"/>
-                <a:cs typeface="Menlo" panose="020B0609030804020204" pitchFamily="49" charset="0"/>
-              </a:rPr>
-              <a:t>...     </a:t>
-            </a:r>
-            <a:r>
-              <a:rPr lang="en-US" dirty="0">
-                <a:solidFill>
-                  <a:schemeClr val="accent6"/>
-                </a:solidFill>
-                <a:latin typeface="Menlo" panose="020B0609030804020204" pitchFamily="49" charset="0"/>
-                <a:ea typeface="Menlo" panose="020B0609030804020204" pitchFamily="49" charset="0"/>
-                <a:cs typeface="Menlo" panose="020B0609030804020204" pitchFamily="49" charset="0"/>
-              </a:rPr>
-              <a:t>def __</a:t>
-            </a:r>
-            <a:r>
-              <a:rPr lang="en-US" dirty="0" err="1">
-                <a:solidFill>
-                  <a:schemeClr val="accent6"/>
-                </a:solidFill>
-                <a:latin typeface="Menlo" panose="020B0609030804020204" pitchFamily="49" charset="0"/>
-                <a:ea typeface="Menlo" panose="020B0609030804020204" pitchFamily="49" charset="0"/>
-                <a:cs typeface="Menlo" panose="020B0609030804020204" pitchFamily="49" charset="0"/>
-              </a:rPr>
-              <a:t>getattr</a:t>
-            </a:r>
-            <a:r>
-              <a:rPr lang="en-US" dirty="0">
-                <a:solidFill>
-                  <a:schemeClr val="accent6"/>
-                </a:solidFill>
-                <a:latin typeface="Menlo" panose="020B0609030804020204" pitchFamily="49" charset="0"/>
-                <a:ea typeface="Menlo" panose="020B0609030804020204" pitchFamily="49" charset="0"/>
-                <a:cs typeface="Menlo" panose="020B0609030804020204" pitchFamily="49" charset="0"/>
-              </a:rPr>
-              <a:t>__(self, name):</a:t>
-            </a:r>
-          </a:p>
-          <a:p>
-            <a:pPr marL="0" indent="0">
-              <a:buNone/>
-            </a:pPr>
-            <a:r>
-              <a:rPr lang="en-US" dirty="0">
-                <a:latin typeface="Menlo" panose="020B0609030804020204" pitchFamily="49" charset="0"/>
-                <a:ea typeface="Menlo" panose="020B0609030804020204" pitchFamily="49" charset="0"/>
-                <a:cs typeface="Menlo" panose="020B0609030804020204" pitchFamily="49" charset="0"/>
-              </a:rPr>
-              <a:t>...    </a:t>
-            </a:r>
-            <a:r>
-              <a:rPr lang="en-US" dirty="0">
-                <a:solidFill>
-                  <a:schemeClr val="accent6"/>
-                </a:solidFill>
-                <a:latin typeface="Menlo" panose="020B0609030804020204" pitchFamily="49" charset="0"/>
-                <a:ea typeface="Menlo" panose="020B0609030804020204" pitchFamily="49" charset="0"/>
-                <a:cs typeface="Menlo" panose="020B0609030804020204" pitchFamily="49" charset="0"/>
-              </a:rPr>
-              <a:t>     if name == 'x':</a:t>
-            </a:r>
-          </a:p>
-          <a:p>
-            <a:pPr marL="0" indent="0">
-              <a:buNone/>
-            </a:pPr>
-            <a:r>
-              <a:rPr lang="en-US" dirty="0">
-                <a:latin typeface="Menlo" panose="020B0609030804020204" pitchFamily="49" charset="0"/>
-                <a:ea typeface="Menlo" panose="020B0609030804020204" pitchFamily="49" charset="0"/>
-                <a:cs typeface="Menlo" panose="020B0609030804020204" pitchFamily="49" charset="0"/>
-              </a:rPr>
-              <a:t>...       </a:t>
-            </a:r>
-            <a:r>
-              <a:rPr lang="en-US" dirty="0">
-                <a:solidFill>
-                  <a:schemeClr val="accent6"/>
-                </a:solidFill>
-                <a:latin typeface="Menlo" panose="020B0609030804020204" pitchFamily="49" charset="0"/>
-                <a:ea typeface="Menlo" panose="020B0609030804020204" pitchFamily="49" charset="0"/>
-                <a:cs typeface="Menlo" panose="020B0609030804020204" pitchFamily="49" charset="0"/>
-              </a:rPr>
-              <a:t>      return self[0]</a:t>
-            </a:r>
-          </a:p>
-          <a:p>
-            <a:pPr marL="0" indent="0">
-              <a:buNone/>
-            </a:pPr>
-            <a:r>
-              <a:rPr lang="en-US" dirty="0">
-                <a:latin typeface="Menlo" panose="020B0609030804020204" pitchFamily="49" charset="0"/>
-                <a:ea typeface="Menlo" panose="020B0609030804020204" pitchFamily="49" charset="0"/>
-                <a:cs typeface="Menlo" panose="020B0609030804020204" pitchFamily="49" charset="0"/>
-              </a:rPr>
-              <a:t>...      </a:t>
-            </a:r>
-            <a:r>
-              <a:rPr lang="en-US" dirty="0">
-                <a:solidFill>
-                  <a:schemeClr val="accent6"/>
-                </a:solidFill>
-                <a:latin typeface="Menlo" panose="020B0609030804020204" pitchFamily="49" charset="0"/>
-                <a:ea typeface="Menlo" panose="020B0609030804020204" pitchFamily="49" charset="0"/>
-                <a:cs typeface="Menlo" panose="020B0609030804020204" pitchFamily="49" charset="0"/>
-              </a:rPr>
-              <a:t>   if name == 'y':</a:t>
-            </a:r>
-          </a:p>
-          <a:p>
-            <a:pPr marL="0" indent="0">
-              <a:buNone/>
-            </a:pPr>
-            <a:r>
-              <a:rPr lang="en-US" dirty="0">
-                <a:latin typeface="Menlo" panose="020B0609030804020204" pitchFamily="49" charset="0"/>
-                <a:ea typeface="Menlo" panose="020B0609030804020204" pitchFamily="49" charset="0"/>
-                <a:cs typeface="Menlo" panose="020B0609030804020204" pitchFamily="49" charset="0"/>
-              </a:rPr>
-              <a:t>...       </a:t>
-            </a:r>
-            <a:r>
-              <a:rPr lang="en-US" dirty="0">
-                <a:solidFill>
-                  <a:schemeClr val="accent6"/>
-                </a:solidFill>
-                <a:latin typeface="Menlo" panose="020B0609030804020204" pitchFamily="49" charset="0"/>
-                <a:ea typeface="Menlo" panose="020B0609030804020204" pitchFamily="49" charset="0"/>
-                <a:cs typeface="Menlo" panose="020B0609030804020204" pitchFamily="49" charset="0"/>
-              </a:rPr>
-              <a:t>      return self[1]</a:t>
-            </a:r>
-          </a:p>
-          <a:p>
-            <a:pPr marL="0" indent="0">
-              <a:buNone/>
-            </a:pPr>
-            <a:r>
-              <a:rPr lang="en-US" dirty="0">
-                <a:latin typeface="Menlo" panose="020B0609030804020204" pitchFamily="49" charset="0"/>
-                <a:ea typeface="Menlo" panose="020B0609030804020204" pitchFamily="49" charset="0"/>
-                <a:cs typeface="Menlo" panose="020B0609030804020204" pitchFamily="49" charset="0"/>
-              </a:rPr>
-              <a:t>...     </a:t>
-            </a:r>
-            <a:r>
-              <a:rPr lang="en-US" dirty="0">
-                <a:solidFill>
-                  <a:schemeClr val="accent6"/>
-                </a:solidFill>
-                <a:latin typeface="Menlo" panose="020B0609030804020204" pitchFamily="49" charset="0"/>
-                <a:ea typeface="Menlo" panose="020B0609030804020204" pitchFamily="49" charset="0"/>
-                <a:cs typeface="Menlo" panose="020B0609030804020204" pitchFamily="49" charset="0"/>
-              </a:rPr>
-              <a:t>    else:</a:t>
-            </a:r>
-          </a:p>
-          <a:p>
-            <a:pPr marL="0" indent="0">
-              <a:buNone/>
-            </a:pPr>
-            <a:r>
-              <a:rPr lang="en-US" dirty="0">
-                <a:latin typeface="Menlo" panose="020B0609030804020204" pitchFamily="49" charset="0"/>
-                <a:ea typeface="Menlo" panose="020B0609030804020204" pitchFamily="49" charset="0"/>
-                <a:cs typeface="Menlo" panose="020B0609030804020204" pitchFamily="49" charset="0"/>
-              </a:rPr>
-              <a:t>...            </a:t>
-            </a:r>
-            <a:r>
-              <a:rPr lang="en-US" dirty="0">
-                <a:solidFill>
-                  <a:schemeClr val="accent6"/>
-                </a:solidFill>
-                <a:latin typeface="Menlo" panose="020B0609030804020204" pitchFamily="49" charset="0"/>
-                <a:ea typeface="Menlo" panose="020B0609030804020204" pitchFamily="49" charset="0"/>
-                <a:cs typeface="Menlo" panose="020B0609030804020204" pitchFamily="49" charset="0"/>
-              </a:rPr>
-              <a:t> raise </a:t>
-            </a:r>
-            <a:r>
-              <a:rPr lang="en-US" dirty="0" err="1">
-                <a:solidFill>
-                  <a:schemeClr val="accent6"/>
-                </a:solidFill>
-                <a:latin typeface="Menlo" panose="020B0609030804020204" pitchFamily="49" charset="0"/>
-                <a:ea typeface="Menlo" panose="020B0609030804020204" pitchFamily="49" charset="0"/>
-                <a:cs typeface="Menlo" panose="020B0609030804020204" pitchFamily="49" charset="0"/>
-              </a:rPr>
-              <a:t>AttributeError</a:t>
-            </a:r>
-            <a:endParaRPr lang="en-US" dirty="0">
-              <a:solidFill>
-                <a:schemeClr val="accent6"/>
-              </a:solidFill>
-              <a:latin typeface="Menlo" panose="020B0609030804020204" pitchFamily="49" charset="0"/>
-              <a:ea typeface="Menlo" panose="020B0609030804020204" pitchFamily="49" charset="0"/>
-              <a:cs typeface="Menlo" panose="020B0609030804020204" pitchFamily="49" charset="0"/>
-            </a:endParaRPr>
-          </a:p>
-          <a:p>
-            <a:pPr marL="0" indent="0">
-              <a:buNone/>
-            </a:pPr>
-            <a:r>
-              <a:rPr lang="en-US" dirty="0">
-                <a:latin typeface="Menlo" panose="020B0609030804020204" pitchFamily="49" charset="0"/>
-                <a:ea typeface="Menlo" panose="020B0609030804020204" pitchFamily="49" charset="0"/>
-                <a:cs typeface="Menlo" panose="020B0609030804020204" pitchFamily="49" charset="0"/>
-              </a:rPr>
-              <a:t>... </a:t>
-            </a:r>
-          </a:p>
-          <a:p>
-            <a:pPr marL="0" indent="0">
-              <a:buNone/>
-            </a:pPr>
-            <a:r>
-              <a:rPr lang="en-US" dirty="0">
-                <a:latin typeface="Menlo" panose="020B0609030804020204" pitchFamily="49" charset="0"/>
-                <a:ea typeface="Menlo" panose="020B0609030804020204" pitchFamily="49" charset="0"/>
-                <a:cs typeface="Menlo" panose="020B0609030804020204" pitchFamily="49" charset="0"/>
-              </a:rPr>
-              <a:t>&gt;&gt;&gt; </a:t>
-            </a:r>
-            <a:r>
-              <a:rPr lang="en-US" dirty="0">
-                <a:solidFill>
-                  <a:schemeClr val="accent6"/>
-                </a:solidFill>
-                <a:latin typeface="Menlo" panose="020B0609030804020204" pitchFamily="49" charset="0"/>
-                <a:ea typeface="Menlo" panose="020B0609030804020204" pitchFamily="49" charset="0"/>
-                <a:cs typeface="Menlo" panose="020B0609030804020204" pitchFamily="49" charset="0"/>
-              </a:rPr>
-              <a:t>a = Point(1, 2)</a:t>
-            </a:r>
-          </a:p>
-          <a:p>
-            <a:pPr marL="0" indent="0">
-              <a:buNone/>
-            </a:pPr>
-            <a:r>
-              <a:rPr lang="en-US" dirty="0">
-                <a:latin typeface="Menlo" panose="020B0609030804020204" pitchFamily="49" charset="0"/>
-                <a:ea typeface="Menlo" panose="020B0609030804020204" pitchFamily="49" charset="0"/>
-                <a:cs typeface="Menlo" panose="020B0609030804020204" pitchFamily="49" charset="0"/>
-              </a:rPr>
-              <a:t>&gt;&gt;&gt; </a:t>
-            </a:r>
-            <a:r>
-              <a:rPr lang="en-US" dirty="0">
-                <a:solidFill>
-                  <a:schemeClr val="accent6"/>
-                </a:solidFill>
-                <a:latin typeface="Menlo" panose="020B0609030804020204" pitchFamily="49" charset="0"/>
-                <a:ea typeface="Menlo" panose="020B0609030804020204" pitchFamily="49" charset="0"/>
-                <a:cs typeface="Menlo" panose="020B0609030804020204" pitchFamily="49" charset="0"/>
-              </a:rPr>
-              <a:t>a[0]</a:t>
-            </a:r>
-          </a:p>
-          <a:p>
-            <a:pPr marL="0" indent="0">
-              <a:buNone/>
-            </a:pPr>
-            <a:r>
-              <a:rPr lang="en-US" dirty="0">
-                <a:latin typeface="Menlo" panose="020B0609030804020204" pitchFamily="49" charset="0"/>
-                <a:ea typeface="Menlo" panose="020B0609030804020204" pitchFamily="49" charset="0"/>
-                <a:cs typeface="Menlo" panose="020B0609030804020204" pitchFamily="49" charset="0"/>
-              </a:rPr>
-              <a:t>1</a:t>
-            </a:r>
-          </a:p>
-          <a:p>
-            <a:pPr marL="0" indent="0">
-              <a:buNone/>
-            </a:pPr>
-            <a:r>
-              <a:rPr lang="en-US" dirty="0">
-                <a:latin typeface="Menlo" panose="020B0609030804020204" pitchFamily="49" charset="0"/>
-                <a:ea typeface="Menlo" panose="020B0609030804020204" pitchFamily="49" charset="0"/>
-                <a:cs typeface="Menlo" panose="020B0609030804020204" pitchFamily="49" charset="0"/>
-              </a:rPr>
-              <a:t>&gt;&gt;&gt; </a:t>
-            </a:r>
-            <a:r>
-              <a:rPr lang="en-US" dirty="0" err="1">
-                <a:solidFill>
-                  <a:schemeClr val="accent6"/>
-                </a:solidFill>
-                <a:latin typeface="Menlo" panose="020B0609030804020204" pitchFamily="49" charset="0"/>
-                <a:ea typeface="Menlo" panose="020B0609030804020204" pitchFamily="49" charset="0"/>
-                <a:cs typeface="Menlo" panose="020B0609030804020204" pitchFamily="49" charset="0"/>
-              </a:rPr>
-              <a:t>a.y</a:t>
-            </a:r>
-            <a:endParaRPr lang="en-US" dirty="0">
-              <a:solidFill>
-                <a:schemeClr val="accent6"/>
-              </a:solidFill>
-              <a:latin typeface="Menlo" panose="020B0609030804020204" pitchFamily="49" charset="0"/>
-              <a:ea typeface="Menlo" panose="020B0609030804020204" pitchFamily="49" charset="0"/>
-              <a:cs typeface="Menlo" panose="020B0609030804020204" pitchFamily="49" charset="0"/>
-            </a:endParaRPr>
-          </a:p>
-          <a:p>
-            <a:pPr marL="0" indent="0">
-              <a:buNone/>
-            </a:pPr>
-            <a:r>
-              <a:rPr lang="en-US" dirty="0">
-                <a:latin typeface="Menlo" panose="020B0609030804020204" pitchFamily="49" charset="0"/>
-                <a:ea typeface="Menlo" panose="020B0609030804020204" pitchFamily="49" charset="0"/>
-                <a:cs typeface="Menlo" panose="020B0609030804020204" pitchFamily="49" charset="0"/>
-              </a:rPr>
-              <a:t>2</a:t>
-            </a:r>
-          </a:p>
-          <a:p>
-            <a:pPr marL="0" indent="0">
-              <a:buNone/>
-            </a:pPr>
-            <a:endParaRPr lang="en-US" sz="1500" dirty="0">
-              <a:solidFill>
-                <a:srgbClr val="FF0000"/>
-              </a:solidFill>
-              <a:latin typeface="Menlo" panose="020B0609030804020204" pitchFamily="49" charset="0"/>
-              <a:ea typeface="Menlo" panose="020B0609030804020204" pitchFamily="49" charset="0"/>
-              <a:cs typeface="Menlo" panose="020B0609030804020204" pitchFamily="49" charset="0"/>
-            </a:endParaRPr>
-          </a:p>
-        </p:txBody>
-      </p:sp>
-    </p:spTree>
-    <p:extLst>
-      <p:ext uri="{BB962C8B-B14F-4D97-AF65-F5344CB8AC3E}">
-        <p14:creationId xmlns:p14="http://schemas.microsoft.com/office/powerpoint/2010/main" val="110251105"/>
-      </p:ext>
-    </p:extLst>
-  </p:cSld>
-  <p:clrMapOvr>
-    <a:masterClrMapping/>
-  </p:clrMapOvr>
-  <p:timing>
-    <p:tnLst>
-      <p:par>
-        <p:cTn id="1" dur="indefinite" restart="never" nodeType="tmRoot">
-          <p:childTnLst>
-            <p:seq concurrent="1" nextAc="seek">
-              <p:cTn id="2" dur="indefinite" nodeType="mainSeq">
-                <p:childTnLst>
-                  <p:par>
-                    <p:cTn id="3" fill="hold">
-                      <p:stCondLst>
-                        <p:cond delay="indefinite"/>
-                      </p:stCondLst>
-                      <p:childTnLst>
-                        <p:par>
-                          <p:cTn id="4" fill="hold">
-                            <p:stCondLst>
-                              <p:cond delay="0"/>
-                            </p:stCondLst>
-                            <p:childTnLst>
-                              <p:par>
-                                <p:cTn id="5" presetID="1" presetClass="entr" presetSubtype="0" fill="hold" grpId="0" nodeType="clickEffect">
-                                  <p:stCondLst>
-                                    <p:cond delay="0"/>
-                                  </p:stCondLst>
-                                  <p:childTnLst>
-                                    <p:set>
-                                      <p:cBhvr>
-                                        <p:cTn id="6" dur="1" fill="hold">
-                                          <p:stCondLst>
-                                            <p:cond delay="0"/>
-                                          </p:stCondLst>
-                                        </p:cTn>
-                                        <p:tgtEl>
-                                          <p:spTgt spid="8">
-                                            <p:bg/>
-                                          </p:spTgt>
-                                        </p:tgtEl>
-                                        <p:attrNameLst>
-                                          <p:attrName>style.visibility</p:attrName>
-                                        </p:attrNameLst>
-                                      </p:cBhvr>
-                                      <p:to>
-                                        <p:strVal val="visible"/>
-                                      </p:to>
-                                    </p:set>
-                                  </p:childTnLst>
-                                </p:cTn>
-                              </p:par>
-                            </p:childTnLst>
-                          </p:cTn>
-                        </p:par>
-                      </p:childTnLst>
-                    </p:cTn>
-                  </p:par>
-                  <p:par>
-                    <p:cTn id="7" fill="hold">
-                      <p:stCondLst>
-                        <p:cond delay="indefinite"/>
-                      </p:stCondLst>
-                      <p:childTnLst>
-                        <p:par>
-                          <p:cTn id="8" fill="hold">
-                            <p:stCondLst>
-                              <p:cond delay="0"/>
-                            </p:stCondLst>
-                            <p:childTnLst>
-                              <p:par>
-                                <p:cTn id="9" presetID="22" presetClass="entr" presetSubtype="8" fill="hold" grpId="0" nodeType="clickEffect">
-                                  <p:stCondLst>
-                                    <p:cond delay="0"/>
-                                  </p:stCondLst>
-                                  <p:childTnLst>
-                                    <p:set>
-                                      <p:cBhvr>
-                                        <p:cTn id="10" dur="1" fill="hold">
-                                          <p:stCondLst>
-                                            <p:cond delay="0"/>
-                                          </p:stCondLst>
-                                        </p:cTn>
-                                        <p:tgtEl>
-                                          <p:spTgt spid="8">
-                                            <p:txEl>
-                                              <p:pRg st="0" end="0"/>
-                                            </p:txEl>
-                                          </p:spTgt>
-                                        </p:tgtEl>
-                                        <p:attrNameLst>
-                                          <p:attrName>style.visibility</p:attrName>
-                                        </p:attrNameLst>
-                                      </p:cBhvr>
-                                      <p:to>
-                                        <p:strVal val="visible"/>
-                                      </p:to>
-                                    </p:set>
-                                    <p:animEffect transition="in" filter="wipe(left)">
-                                      <p:cBhvr>
-                                        <p:cTn id="11" dur="500"/>
-                                        <p:tgtEl>
-                                          <p:spTgt spid="8">
-                                            <p:txEl>
-                                              <p:pRg st="0" end="0"/>
-                                            </p:txEl>
-                                          </p:spTgt>
-                                        </p:tgtEl>
-                                      </p:cBhvr>
-                                    </p:animEffect>
-                                  </p:childTnLst>
-                                </p:cTn>
-                              </p:par>
-                            </p:childTnLst>
-                          </p:cTn>
-                        </p:par>
-                      </p:childTnLst>
-                    </p:cTn>
-                  </p:par>
-                  <p:par>
-                    <p:cTn id="12" fill="hold">
-                      <p:stCondLst>
-                        <p:cond delay="indefinite"/>
-                      </p:stCondLst>
-                      <p:childTnLst>
-                        <p:par>
-                          <p:cTn id="13" fill="hold">
-                            <p:stCondLst>
-                              <p:cond delay="0"/>
-                            </p:stCondLst>
-                            <p:childTnLst>
-                              <p:par>
-                                <p:cTn id="14" presetID="22" presetClass="entr" presetSubtype="8" fill="hold" grpId="0" nodeType="clickEffect">
-                                  <p:stCondLst>
-                                    <p:cond delay="0"/>
-                                  </p:stCondLst>
-                                  <p:childTnLst>
-                                    <p:set>
-                                      <p:cBhvr>
-                                        <p:cTn id="15" dur="1" fill="hold">
-                                          <p:stCondLst>
-                                            <p:cond delay="0"/>
-                                          </p:stCondLst>
-                                        </p:cTn>
-                                        <p:tgtEl>
-                                          <p:spTgt spid="8">
-                                            <p:txEl>
-                                              <p:pRg st="1" end="1"/>
-                                            </p:txEl>
-                                          </p:spTgt>
-                                        </p:tgtEl>
-                                        <p:attrNameLst>
-                                          <p:attrName>style.visibility</p:attrName>
-                                        </p:attrNameLst>
-                                      </p:cBhvr>
-                                      <p:to>
-                                        <p:strVal val="visible"/>
-                                      </p:to>
-                                    </p:set>
-                                    <p:animEffect transition="in" filter="wipe(left)">
-                                      <p:cBhvr>
-                                        <p:cTn id="16" dur="500"/>
-                                        <p:tgtEl>
-                                          <p:spTgt spid="8">
-                                            <p:txEl>
-                                              <p:pRg st="1" end="1"/>
-                                            </p:txEl>
-                                          </p:spTgt>
-                                        </p:tgtEl>
-                                      </p:cBhvr>
-                                    </p:animEffect>
-                                  </p:childTnLst>
-                                </p:cTn>
-                              </p:par>
-                            </p:childTnLst>
-                          </p:cTn>
-                        </p:par>
-                      </p:childTnLst>
-                    </p:cTn>
-                  </p:par>
-                  <p:par>
-                    <p:cTn id="17" fill="hold">
-                      <p:stCondLst>
-                        <p:cond delay="indefinite"/>
-                      </p:stCondLst>
-                      <p:childTnLst>
-                        <p:par>
-                          <p:cTn id="18" fill="hold">
-                            <p:stCondLst>
-                              <p:cond delay="0"/>
-                            </p:stCondLst>
-                            <p:childTnLst>
-                              <p:par>
-                                <p:cTn id="19" presetID="22" presetClass="entr" presetSubtype="8" fill="hold" grpId="0" nodeType="clickEffect">
-                                  <p:stCondLst>
-                                    <p:cond delay="0"/>
-                                  </p:stCondLst>
-                                  <p:childTnLst>
-                                    <p:set>
-                                      <p:cBhvr>
-                                        <p:cTn id="20" dur="1" fill="hold">
-                                          <p:stCondLst>
-                                            <p:cond delay="0"/>
-                                          </p:stCondLst>
-                                        </p:cTn>
-                                        <p:tgtEl>
-                                          <p:spTgt spid="8">
-                                            <p:txEl>
-                                              <p:pRg st="2" end="2"/>
-                                            </p:txEl>
-                                          </p:spTgt>
-                                        </p:tgtEl>
-                                        <p:attrNameLst>
-                                          <p:attrName>style.visibility</p:attrName>
-                                        </p:attrNameLst>
-                                      </p:cBhvr>
-                                      <p:to>
-                                        <p:strVal val="visible"/>
-                                      </p:to>
-                                    </p:set>
-                                    <p:animEffect transition="in" filter="wipe(left)">
-                                      <p:cBhvr>
-                                        <p:cTn id="21" dur="500"/>
-                                        <p:tgtEl>
-                                          <p:spTgt spid="8">
-                                            <p:txEl>
-                                              <p:pRg st="2" end="2"/>
-                                            </p:txEl>
-                                          </p:spTgt>
-                                        </p:tgtEl>
-                                      </p:cBhvr>
-                                    </p:animEffect>
-                                  </p:childTnLst>
-                                </p:cTn>
-                              </p:par>
-                            </p:childTnLst>
-                          </p:cTn>
-                        </p:par>
-                      </p:childTnLst>
-                    </p:cTn>
-                  </p:par>
-                  <p:par>
-                    <p:cTn id="22" fill="hold">
-                      <p:stCondLst>
-                        <p:cond delay="indefinite"/>
-                      </p:stCondLst>
-                      <p:childTnLst>
-                        <p:par>
-                          <p:cTn id="23" fill="hold">
-                            <p:stCondLst>
-                              <p:cond delay="0"/>
-                            </p:stCondLst>
-                            <p:childTnLst>
-                              <p:par>
-                                <p:cTn id="24" presetID="22" presetClass="entr" presetSubtype="8" fill="hold" grpId="0" nodeType="clickEffect">
-                                  <p:stCondLst>
-                                    <p:cond delay="0"/>
-                                  </p:stCondLst>
-                                  <p:childTnLst>
-                                    <p:set>
-                                      <p:cBhvr>
-                                        <p:cTn id="25" dur="1" fill="hold">
-                                          <p:stCondLst>
-                                            <p:cond delay="0"/>
-                                          </p:stCondLst>
-                                        </p:cTn>
-                                        <p:tgtEl>
-                                          <p:spTgt spid="8">
-                                            <p:txEl>
-                                              <p:pRg st="3" end="3"/>
-                                            </p:txEl>
-                                          </p:spTgt>
-                                        </p:tgtEl>
-                                        <p:attrNameLst>
-                                          <p:attrName>style.visibility</p:attrName>
-                                        </p:attrNameLst>
-                                      </p:cBhvr>
-                                      <p:to>
-                                        <p:strVal val="visible"/>
-                                      </p:to>
-                                    </p:set>
-                                    <p:animEffect transition="in" filter="wipe(left)">
-                                      <p:cBhvr>
-                                        <p:cTn id="26" dur="500"/>
-                                        <p:tgtEl>
-                                          <p:spTgt spid="8">
-                                            <p:txEl>
-                                              <p:pRg st="3" end="3"/>
-                                            </p:txEl>
-                                          </p:spTgt>
-                                        </p:tgtEl>
-                                      </p:cBhvr>
-                                    </p:animEffect>
-                                  </p:childTnLst>
-                                </p:cTn>
-                              </p:par>
-                            </p:childTnLst>
-                          </p:cTn>
-                        </p:par>
-                      </p:childTnLst>
-                    </p:cTn>
-                  </p:par>
-                  <p:par>
-                    <p:cTn id="27" fill="hold">
-                      <p:stCondLst>
-                        <p:cond delay="indefinite"/>
-                      </p:stCondLst>
-                      <p:childTnLst>
-                        <p:par>
-                          <p:cTn id="28" fill="hold">
-                            <p:stCondLst>
-                              <p:cond delay="0"/>
-                            </p:stCondLst>
-                            <p:childTnLst>
-                              <p:par>
-                                <p:cTn id="29" presetID="22" presetClass="entr" presetSubtype="8" fill="hold" grpId="0" nodeType="clickEffect">
-                                  <p:stCondLst>
-                                    <p:cond delay="0"/>
-                                  </p:stCondLst>
-                                  <p:childTnLst>
-                                    <p:set>
-                                      <p:cBhvr>
-                                        <p:cTn id="30" dur="1" fill="hold">
-                                          <p:stCondLst>
-                                            <p:cond delay="0"/>
-                                          </p:stCondLst>
-                                        </p:cTn>
-                                        <p:tgtEl>
-                                          <p:spTgt spid="8">
-                                            <p:txEl>
-                                              <p:pRg st="4" end="4"/>
-                                            </p:txEl>
-                                          </p:spTgt>
-                                        </p:tgtEl>
-                                        <p:attrNameLst>
-                                          <p:attrName>style.visibility</p:attrName>
-                                        </p:attrNameLst>
-                                      </p:cBhvr>
-                                      <p:to>
-                                        <p:strVal val="visible"/>
-                                      </p:to>
-                                    </p:set>
-                                    <p:animEffect transition="in" filter="wipe(left)">
-                                      <p:cBhvr>
-                                        <p:cTn id="31" dur="500"/>
-                                        <p:tgtEl>
-                                          <p:spTgt spid="8">
-                                            <p:txEl>
-                                              <p:pRg st="4" end="4"/>
-                                            </p:txEl>
-                                          </p:spTgt>
-                                        </p:tgtEl>
-                                      </p:cBhvr>
-                                    </p:animEffect>
-                                  </p:childTnLst>
-                                </p:cTn>
-                              </p:par>
-                              <p:par>
-                                <p:cTn id="32" presetID="22" presetClass="entr" presetSubtype="8" fill="hold" grpId="0" nodeType="withEffect">
-                                  <p:stCondLst>
-                                    <p:cond delay="0"/>
-                                  </p:stCondLst>
-                                  <p:childTnLst>
-                                    <p:set>
-                                      <p:cBhvr>
-                                        <p:cTn id="33" dur="1" fill="hold">
-                                          <p:stCondLst>
-                                            <p:cond delay="0"/>
-                                          </p:stCondLst>
-                                        </p:cTn>
-                                        <p:tgtEl>
-                                          <p:spTgt spid="8">
-                                            <p:txEl>
-                                              <p:pRg st="5" end="5"/>
-                                            </p:txEl>
-                                          </p:spTgt>
-                                        </p:tgtEl>
-                                        <p:attrNameLst>
-                                          <p:attrName>style.visibility</p:attrName>
-                                        </p:attrNameLst>
-                                      </p:cBhvr>
-                                      <p:to>
-                                        <p:strVal val="visible"/>
-                                      </p:to>
-                                    </p:set>
-                                    <p:animEffect transition="in" filter="wipe(left)">
-                                      <p:cBhvr>
-                                        <p:cTn id="34" dur="500"/>
-                                        <p:tgtEl>
-                                          <p:spTgt spid="8">
-                                            <p:txEl>
-                                              <p:pRg st="5" end="5"/>
-                                            </p:txEl>
-                                          </p:spTgt>
-                                        </p:tgtEl>
-                                      </p:cBhvr>
-                                    </p:animEffect>
-                                  </p:childTnLst>
-                                </p:cTn>
-                              </p:par>
-                              <p:par>
-                                <p:cTn id="35" presetID="22" presetClass="entr" presetSubtype="8" fill="hold" grpId="0" nodeType="withEffect">
-                                  <p:stCondLst>
-                                    <p:cond delay="0"/>
-                                  </p:stCondLst>
-                                  <p:childTnLst>
-                                    <p:set>
-                                      <p:cBhvr>
-                                        <p:cTn id="36" dur="1" fill="hold">
-                                          <p:stCondLst>
-                                            <p:cond delay="0"/>
-                                          </p:stCondLst>
-                                        </p:cTn>
-                                        <p:tgtEl>
-                                          <p:spTgt spid="8">
-                                            <p:txEl>
-                                              <p:pRg st="6" end="6"/>
-                                            </p:txEl>
-                                          </p:spTgt>
-                                        </p:tgtEl>
-                                        <p:attrNameLst>
-                                          <p:attrName>style.visibility</p:attrName>
-                                        </p:attrNameLst>
-                                      </p:cBhvr>
-                                      <p:to>
-                                        <p:strVal val="visible"/>
-                                      </p:to>
-                                    </p:set>
-                                    <p:animEffect transition="in" filter="wipe(left)">
-                                      <p:cBhvr>
-                                        <p:cTn id="37" dur="500"/>
-                                        <p:tgtEl>
-                                          <p:spTgt spid="8">
-                                            <p:txEl>
-                                              <p:pRg st="6" end="6"/>
-                                            </p:txEl>
-                                          </p:spTgt>
-                                        </p:tgtEl>
-                                      </p:cBhvr>
-                                    </p:animEffect>
-                                  </p:childTnLst>
-                                </p:cTn>
-                              </p:par>
-                              <p:par>
-                                <p:cTn id="38" presetID="22" presetClass="entr" presetSubtype="8" fill="hold" grpId="0" nodeType="withEffect">
-                                  <p:stCondLst>
-                                    <p:cond delay="0"/>
-                                  </p:stCondLst>
-                                  <p:childTnLst>
-                                    <p:set>
-                                      <p:cBhvr>
-                                        <p:cTn id="39" dur="1" fill="hold">
-                                          <p:stCondLst>
-                                            <p:cond delay="0"/>
-                                          </p:stCondLst>
-                                        </p:cTn>
-                                        <p:tgtEl>
-                                          <p:spTgt spid="8">
-                                            <p:txEl>
-                                              <p:pRg st="7" end="7"/>
-                                            </p:txEl>
-                                          </p:spTgt>
-                                        </p:tgtEl>
-                                        <p:attrNameLst>
-                                          <p:attrName>style.visibility</p:attrName>
-                                        </p:attrNameLst>
-                                      </p:cBhvr>
-                                      <p:to>
-                                        <p:strVal val="visible"/>
-                                      </p:to>
-                                    </p:set>
-                                    <p:animEffect transition="in" filter="wipe(left)">
-                                      <p:cBhvr>
-                                        <p:cTn id="40" dur="500"/>
-                                        <p:tgtEl>
-                                          <p:spTgt spid="8">
-                                            <p:txEl>
-                                              <p:pRg st="7" end="7"/>
-                                            </p:txEl>
-                                          </p:spTgt>
-                                        </p:tgtEl>
-                                      </p:cBhvr>
-                                    </p:animEffect>
-                                  </p:childTnLst>
-                                </p:cTn>
-                              </p:par>
-                              <p:par>
-                                <p:cTn id="41" presetID="22" presetClass="entr" presetSubtype="8" fill="hold" grpId="0" nodeType="withEffect">
-                                  <p:stCondLst>
-                                    <p:cond delay="0"/>
-                                  </p:stCondLst>
-                                  <p:childTnLst>
-                                    <p:set>
-                                      <p:cBhvr>
-                                        <p:cTn id="42" dur="1" fill="hold">
-                                          <p:stCondLst>
-                                            <p:cond delay="0"/>
-                                          </p:stCondLst>
-                                        </p:cTn>
-                                        <p:tgtEl>
-                                          <p:spTgt spid="8">
-                                            <p:txEl>
-                                              <p:pRg st="8" end="8"/>
-                                            </p:txEl>
-                                          </p:spTgt>
-                                        </p:tgtEl>
-                                        <p:attrNameLst>
-                                          <p:attrName>style.visibility</p:attrName>
-                                        </p:attrNameLst>
-                                      </p:cBhvr>
-                                      <p:to>
-                                        <p:strVal val="visible"/>
-                                      </p:to>
-                                    </p:set>
-                                    <p:animEffect transition="in" filter="wipe(left)">
-                                      <p:cBhvr>
-                                        <p:cTn id="43" dur="500"/>
-                                        <p:tgtEl>
-                                          <p:spTgt spid="8">
-                                            <p:txEl>
-                                              <p:pRg st="8" end="8"/>
-                                            </p:txEl>
-                                          </p:spTgt>
-                                        </p:tgtEl>
-                                      </p:cBhvr>
-                                    </p:animEffect>
-                                  </p:childTnLst>
-                                </p:cTn>
-                              </p:par>
-                              <p:par>
-                                <p:cTn id="44" presetID="22" presetClass="entr" presetSubtype="8" fill="hold" grpId="0" nodeType="withEffect">
-                                  <p:stCondLst>
-                                    <p:cond delay="0"/>
-                                  </p:stCondLst>
-                                  <p:childTnLst>
-                                    <p:set>
-                                      <p:cBhvr>
-                                        <p:cTn id="45" dur="1" fill="hold">
-                                          <p:stCondLst>
-                                            <p:cond delay="0"/>
-                                          </p:stCondLst>
-                                        </p:cTn>
-                                        <p:tgtEl>
-                                          <p:spTgt spid="8">
-                                            <p:txEl>
-                                              <p:pRg st="9" end="9"/>
-                                            </p:txEl>
-                                          </p:spTgt>
-                                        </p:tgtEl>
-                                        <p:attrNameLst>
-                                          <p:attrName>style.visibility</p:attrName>
-                                        </p:attrNameLst>
-                                      </p:cBhvr>
-                                      <p:to>
-                                        <p:strVal val="visible"/>
-                                      </p:to>
-                                    </p:set>
-                                    <p:animEffect transition="in" filter="wipe(left)">
-                                      <p:cBhvr>
-                                        <p:cTn id="46" dur="500"/>
-                                        <p:tgtEl>
-                                          <p:spTgt spid="8">
-                                            <p:txEl>
-                                              <p:pRg st="9" end="9"/>
-                                            </p:txEl>
-                                          </p:spTgt>
-                                        </p:tgtEl>
-                                      </p:cBhvr>
-                                    </p:animEffect>
-                                  </p:childTnLst>
-                                </p:cTn>
-                              </p:par>
-                              <p:par>
-                                <p:cTn id="47" presetID="22" presetClass="entr" presetSubtype="8" fill="hold" grpId="0" nodeType="withEffect">
-                                  <p:stCondLst>
-                                    <p:cond delay="0"/>
-                                  </p:stCondLst>
-                                  <p:childTnLst>
-                                    <p:set>
-                                      <p:cBhvr>
-                                        <p:cTn id="48" dur="1" fill="hold">
-                                          <p:stCondLst>
-                                            <p:cond delay="0"/>
-                                          </p:stCondLst>
-                                        </p:cTn>
-                                        <p:tgtEl>
-                                          <p:spTgt spid="8">
-                                            <p:txEl>
-                                              <p:pRg st="10" end="10"/>
-                                            </p:txEl>
-                                          </p:spTgt>
-                                        </p:tgtEl>
-                                        <p:attrNameLst>
-                                          <p:attrName>style.visibility</p:attrName>
-                                        </p:attrNameLst>
-                                      </p:cBhvr>
-                                      <p:to>
-                                        <p:strVal val="visible"/>
-                                      </p:to>
-                                    </p:set>
-                                    <p:animEffect transition="in" filter="wipe(left)">
-                                      <p:cBhvr>
-                                        <p:cTn id="49" dur="500"/>
-                                        <p:tgtEl>
-                                          <p:spTgt spid="8">
-                                            <p:txEl>
-                                              <p:pRg st="10" end="10"/>
-                                            </p:txEl>
-                                          </p:spTgt>
-                                        </p:tgtEl>
-                                      </p:cBhvr>
-                                    </p:animEffect>
-                                  </p:childTnLst>
-                                </p:cTn>
-                              </p:par>
-                              <p:par>
-                                <p:cTn id="50" presetID="22" presetClass="entr" presetSubtype="8" fill="hold" grpId="0" nodeType="withEffect">
-                                  <p:stCondLst>
-                                    <p:cond delay="0"/>
-                                  </p:stCondLst>
-                                  <p:childTnLst>
-                                    <p:set>
-                                      <p:cBhvr>
-                                        <p:cTn id="51" dur="1" fill="hold">
-                                          <p:stCondLst>
-                                            <p:cond delay="0"/>
-                                          </p:stCondLst>
-                                        </p:cTn>
-                                        <p:tgtEl>
-                                          <p:spTgt spid="8">
-                                            <p:txEl>
-                                              <p:pRg st="11" end="11"/>
-                                            </p:txEl>
-                                          </p:spTgt>
-                                        </p:tgtEl>
-                                        <p:attrNameLst>
-                                          <p:attrName>style.visibility</p:attrName>
-                                        </p:attrNameLst>
-                                      </p:cBhvr>
-                                      <p:to>
-                                        <p:strVal val="visible"/>
-                                      </p:to>
-                                    </p:set>
-                                    <p:animEffect transition="in" filter="wipe(left)">
-                                      <p:cBhvr>
-                                        <p:cTn id="52" dur="500"/>
-                                        <p:tgtEl>
-                                          <p:spTgt spid="8">
-                                            <p:txEl>
-                                              <p:pRg st="11" end="11"/>
-                                            </p:txEl>
-                                          </p:spTgt>
-                                        </p:tgtEl>
-                                      </p:cBhvr>
-                                    </p:animEffect>
-                                  </p:childTnLst>
-                                </p:cTn>
-                              </p:par>
-                            </p:childTnLst>
-                          </p:cTn>
-                        </p:par>
-                      </p:childTnLst>
-                    </p:cTn>
-                  </p:par>
-                  <p:par>
-                    <p:cTn id="53" fill="hold">
-                      <p:stCondLst>
-                        <p:cond delay="indefinite"/>
-                      </p:stCondLst>
-                      <p:childTnLst>
-                        <p:par>
-                          <p:cTn id="54" fill="hold">
-                            <p:stCondLst>
-                              <p:cond delay="0"/>
-                            </p:stCondLst>
-                            <p:childTnLst>
-                              <p:par>
-                                <p:cTn id="55" presetID="22" presetClass="entr" presetSubtype="8" fill="hold" grpId="0" nodeType="clickEffect">
-                                  <p:stCondLst>
-                                    <p:cond delay="0"/>
-                                  </p:stCondLst>
-                                  <p:childTnLst>
-                                    <p:set>
-                                      <p:cBhvr>
-                                        <p:cTn id="56" dur="1" fill="hold">
-                                          <p:stCondLst>
-                                            <p:cond delay="0"/>
-                                          </p:stCondLst>
-                                        </p:cTn>
-                                        <p:tgtEl>
-                                          <p:spTgt spid="8">
-                                            <p:txEl>
-                                              <p:pRg st="12" end="12"/>
-                                            </p:txEl>
-                                          </p:spTgt>
-                                        </p:tgtEl>
-                                        <p:attrNameLst>
-                                          <p:attrName>style.visibility</p:attrName>
-                                        </p:attrNameLst>
-                                      </p:cBhvr>
-                                      <p:to>
-                                        <p:strVal val="visible"/>
-                                      </p:to>
-                                    </p:set>
-                                    <p:animEffect transition="in" filter="wipe(left)">
-                                      <p:cBhvr>
-                                        <p:cTn id="57" dur="500"/>
-                                        <p:tgtEl>
-                                          <p:spTgt spid="8">
-                                            <p:txEl>
-                                              <p:pRg st="12" end="12"/>
-                                            </p:txEl>
-                                          </p:spTgt>
-                                        </p:tgtEl>
-                                      </p:cBhvr>
-                                    </p:animEffect>
-                                  </p:childTnLst>
-                                </p:cTn>
-                              </p:par>
-                            </p:childTnLst>
-                          </p:cTn>
-                        </p:par>
-                      </p:childTnLst>
-                    </p:cTn>
-                  </p:par>
-                  <p:par>
-                    <p:cTn id="58" fill="hold">
-                      <p:stCondLst>
-                        <p:cond delay="indefinite"/>
-                      </p:stCondLst>
-                      <p:childTnLst>
-                        <p:par>
-                          <p:cTn id="59" fill="hold">
-                            <p:stCondLst>
-                              <p:cond delay="0"/>
-                            </p:stCondLst>
-                            <p:childTnLst>
-                              <p:par>
-                                <p:cTn id="60" presetID="22" presetClass="entr" presetSubtype="8" fill="hold" grpId="0" nodeType="clickEffect">
-                                  <p:stCondLst>
-                                    <p:cond delay="0"/>
-                                  </p:stCondLst>
-                                  <p:childTnLst>
-                                    <p:set>
-                                      <p:cBhvr>
-                                        <p:cTn id="61" dur="1" fill="hold">
-                                          <p:stCondLst>
-                                            <p:cond delay="0"/>
-                                          </p:stCondLst>
-                                        </p:cTn>
-                                        <p:tgtEl>
-                                          <p:spTgt spid="8">
-                                            <p:txEl>
-                                              <p:pRg st="13" end="13"/>
-                                            </p:txEl>
-                                          </p:spTgt>
-                                        </p:tgtEl>
-                                        <p:attrNameLst>
-                                          <p:attrName>style.visibility</p:attrName>
-                                        </p:attrNameLst>
-                                      </p:cBhvr>
-                                      <p:to>
-                                        <p:strVal val="visible"/>
-                                      </p:to>
-                                    </p:set>
-                                    <p:animEffect transition="in" filter="wipe(left)">
-                                      <p:cBhvr>
-                                        <p:cTn id="62" dur="500"/>
-                                        <p:tgtEl>
-                                          <p:spTgt spid="8">
-                                            <p:txEl>
-                                              <p:pRg st="13" end="13"/>
-                                            </p:txEl>
-                                          </p:spTgt>
-                                        </p:tgtEl>
-                                      </p:cBhvr>
-                                    </p:animEffect>
-                                  </p:childTnLst>
-                                </p:cTn>
-                              </p:par>
-                            </p:childTnLst>
-                          </p:cTn>
-                        </p:par>
-                      </p:childTnLst>
-                    </p:cTn>
-                  </p:par>
-                  <p:par>
-                    <p:cTn id="63" fill="hold">
-                      <p:stCondLst>
-                        <p:cond delay="indefinite"/>
-                      </p:stCondLst>
-                      <p:childTnLst>
-                        <p:par>
-                          <p:cTn id="64" fill="hold">
-                            <p:stCondLst>
-                              <p:cond delay="0"/>
-                            </p:stCondLst>
-                            <p:childTnLst>
-                              <p:par>
-                                <p:cTn id="65" presetID="22" presetClass="entr" presetSubtype="8" fill="hold" grpId="0" nodeType="clickEffect">
-                                  <p:stCondLst>
-                                    <p:cond delay="0"/>
-                                  </p:stCondLst>
-                                  <p:childTnLst>
-                                    <p:set>
-                                      <p:cBhvr>
-                                        <p:cTn id="66" dur="1" fill="hold">
-                                          <p:stCondLst>
-                                            <p:cond delay="0"/>
-                                          </p:stCondLst>
-                                        </p:cTn>
-                                        <p:tgtEl>
-                                          <p:spTgt spid="8">
-                                            <p:txEl>
-                                              <p:pRg st="14" end="14"/>
-                                            </p:txEl>
-                                          </p:spTgt>
-                                        </p:tgtEl>
-                                        <p:attrNameLst>
-                                          <p:attrName>style.visibility</p:attrName>
-                                        </p:attrNameLst>
-                                      </p:cBhvr>
-                                      <p:to>
-                                        <p:strVal val="visible"/>
-                                      </p:to>
-                                    </p:set>
-                                    <p:animEffect transition="in" filter="wipe(left)">
-                                      <p:cBhvr>
-                                        <p:cTn id="67" dur="500"/>
-                                        <p:tgtEl>
-                                          <p:spTgt spid="8">
-                                            <p:txEl>
-                                              <p:pRg st="14" end="14"/>
-                                            </p:txEl>
-                                          </p:spTgt>
-                                        </p:tgtEl>
-                                      </p:cBhvr>
-                                    </p:animEffect>
-                                  </p:childTnLst>
-                                </p:cTn>
-                              </p:par>
-                            </p:childTnLst>
-                          </p:cTn>
-                        </p:par>
-                      </p:childTnLst>
-                    </p:cTn>
-                  </p:par>
-                  <p:par>
-                    <p:cTn id="68" fill="hold">
-                      <p:stCondLst>
-                        <p:cond delay="indefinite"/>
-                      </p:stCondLst>
-                      <p:childTnLst>
-                        <p:par>
-                          <p:cTn id="69" fill="hold">
-                            <p:stCondLst>
-                              <p:cond delay="0"/>
-                            </p:stCondLst>
-                            <p:childTnLst>
-                              <p:par>
-                                <p:cTn id="70" presetID="22" presetClass="entr" presetSubtype="8" fill="hold" grpId="0" nodeType="clickEffect">
-                                  <p:stCondLst>
-                                    <p:cond delay="0"/>
-                                  </p:stCondLst>
-                                  <p:childTnLst>
-                                    <p:set>
-                                      <p:cBhvr>
-                                        <p:cTn id="71" dur="1" fill="hold">
-                                          <p:stCondLst>
-                                            <p:cond delay="0"/>
-                                          </p:stCondLst>
-                                        </p:cTn>
-                                        <p:tgtEl>
-                                          <p:spTgt spid="8">
-                                            <p:txEl>
-                                              <p:pRg st="15" end="15"/>
-                                            </p:txEl>
-                                          </p:spTgt>
-                                        </p:tgtEl>
-                                        <p:attrNameLst>
-                                          <p:attrName>style.visibility</p:attrName>
-                                        </p:attrNameLst>
-                                      </p:cBhvr>
-                                      <p:to>
-                                        <p:strVal val="visible"/>
-                                      </p:to>
-                                    </p:set>
-                                    <p:animEffect transition="in" filter="wipe(left)">
-                                      <p:cBhvr>
-                                        <p:cTn id="72" dur="500"/>
-                                        <p:tgtEl>
-                                          <p:spTgt spid="8">
-                                            <p:txEl>
-                                              <p:pRg st="15" end="15"/>
-                                            </p:txEl>
-                                          </p:spTgt>
-                                        </p:tgtEl>
-                                      </p:cBhvr>
-                                    </p:animEffect>
-                                  </p:childTnLst>
-                                </p:cTn>
-                              </p:par>
-                            </p:childTnLst>
-                          </p:cTn>
-                        </p:par>
-                      </p:childTnLst>
-                    </p:cTn>
-                  </p:par>
-                  <p:par>
-                    <p:cTn id="73" fill="hold">
-                      <p:stCondLst>
-                        <p:cond delay="indefinite"/>
-                      </p:stCondLst>
-                      <p:childTnLst>
-                        <p:par>
-                          <p:cTn id="74" fill="hold">
-                            <p:stCondLst>
-                              <p:cond delay="0"/>
-                            </p:stCondLst>
-                            <p:childTnLst>
-                              <p:par>
-                                <p:cTn id="75" presetID="22" presetClass="entr" presetSubtype="8" fill="hold" grpId="0" nodeType="clickEffect">
-                                  <p:stCondLst>
-                                    <p:cond delay="0"/>
-                                  </p:stCondLst>
-                                  <p:childTnLst>
-                                    <p:set>
-                                      <p:cBhvr>
-                                        <p:cTn id="76" dur="1" fill="hold">
-                                          <p:stCondLst>
-                                            <p:cond delay="0"/>
-                                          </p:stCondLst>
-                                        </p:cTn>
-                                        <p:tgtEl>
-                                          <p:spTgt spid="8">
-                                            <p:txEl>
-                                              <p:pRg st="16" end="16"/>
-                                            </p:txEl>
-                                          </p:spTgt>
-                                        </p:tgtEl>
-                                        <p:attrNameLst>
-                                          <p:attrName>style.visibility</p:attrName>
-                                        </p:attrNameLst>
-                                      </p:cBhvr>
-                                      <p:to>
-                                        <p:strVal val="visible"/>
-                                      </p:to>
-                                    </p:set>
-                                    <p:animEffect transition="in" filter="wipe(left)">
-                                      <p:cBhvr>
-                                        <p:cTn id="77" dur="500"/>
-                                        <p:tgtEl>
-                                          <p:spTgt spid="8">
-                                            <p:txEl>
-                                              <p:pRg st="16" end="16"/>
-                                            </p:txEl>
-                                          </p:spTgt>
-                                        </p:tgtEl>
-                                      </p:cBhvr>
-                                    </p:animEffect>
-                                  </p:childTnLst>
-                                </p:cTn>
-                              </p:par>
-                            </p:childTnLst>
-                          </p:cTn>
-                        </p:par>
-                      </p:childTnLst>
-                    </p:cTn>
-                  </p:par>
-                </p:childTnLst>
-              </p:cTn>
-              <p:prevCondLst>
-                <p:cond evt="onPrev" delay="0">
-                  <p:tgtEl>
-                    <p:sldTgt/>
-                  </p:tgtEl>
-                </p:cond>
-              </p:prevCondLst>
-              <p:nextCondLst>
-                <p:cond evt="onNext" delay="0">
-                  <p:tgtEl>
-                    <p:sldTgt/>
-                  </p:tgtEl>
-                </p:cond>
-              </p:nextCondLst>
-            </p:seq>
-          </p:childTnLst>
-        </p:cTn>
-      </p:par>
-    </p:tnLst>
-    <p:bldLst>
-      <p:bldP spid="8" grpId="0" uiExpand="1" build="p" animBg="1"/>
-    </p:bldLst>
-  </p:timing>
-</p:sld>
-</file>
-
-<file path=ppt/slides/slide9.xml><?xml version="1.0" encoding="utf-8"?>
-<p:sld xmlns:a="http://schemas.openxmlformats.org/drawingml/2006/main" xmlns:r="http://schemas.openxmlformats.org/officeDocument/2006/relationships" xmlns:p="http://schemas.openxmlformats.org/presentationml/2006/main">
-  <p:cSld>
-    <p:spTree>
-      <p:nvGrpSpPr>
-        <p:cNvPr id="1" name=""/>
-        <p:cNvGrpSpPr/>
-        <p:nvPr/>
-      </p:nvGrpSpPr>
-      <p:grpSpPr>
-        <a:xfrm>
-          <a:off x="0" y="0"/>
-          <a:ext cx="0" cy="0"/>
-          <a:chOff x="0" y="0"/>
-          <a:chExt cx="0" cy="0"/>
-        </a:xfrm>
-      </p:grpSpPr>
-      <p:sp>
-        <p:nvSpPr>
-          <p:cNvPr id="2" name="Title 1">
-            <a:extLst>
-              <a:ext uri="{FF2B5EF4-FFF2-40B4-BE49-F238E27FC236}">
-                <a16:creationId xmlns:a16="http://schemas.microsoft.com/office/drawing/2014/main" id="{19078721-8D28-E846-BD3C-AC0C5371B68D}"/>
-              </a:ext>
-            </a:extLst>
-          </p:cNvPr>
-          <p:cNvSpPr>
-            <a:spLocks noGrp="1"/>
-          </p:cNvSpPr>
-          <p:nvPr>
-            <p:ph type="title"/>
-          </p:nvPr>
-        </p:nvSpPr>
-        <p:spPr/>
-        <p:txBody>
-          <a:bodyPr/>
-          <a:lstStyle/>
-          <a:p>
-            <a:r>
-              <a:rPr lang="en-US" dirty="0"/>
-              <a:t>Ok… that was weird</a:t>
-            </a:r>
-          </a:p>
-        </p:txBody>
-      </p:sp>
-      <p:sp>
-        <p:nvSpPr>
-          <p:cNvPr id="3" name="Content Placeholder 2">
-            <a:extLst>
-              <a:ext uri="{FF2B5EF4-FFF2-40B4-BE49-F238E27FC236}">
-                <a16:creationId xmlns:a16="http://schemas.microsoft.com/office/drawing/2014/main" id="{B194BA4A-F4D8-464A-A4E8-EDBA90140551}"/>
-              </a:ext>
-            </a:extLst>
-          </p:cNvPr>
-          <p:cNvSpPr>
-            <a:spLocks noGrp="1"/>
-          </p:cNvSpPr>
-          <p:nvPr>
-            <p:ph idx="1"/>
-          </p:nvPr>
-        </p:nvSpPr>
-        <p:spPr>
-          <a:xfrm>
-            <a:off x="1371600" y="1600200"/>
-            <a:ext cx="9601200" cy="3581400"/>
-          </a:xfrm>
-        </p:spPr>
-        <p:txBody>
-          <a:bodyPr/>
-          <a:lstStyle/>
-          <a:p>
-            <a:r>
-              <a:rPr lang="en-US" dirty="0"/>
-              <a:t>You don’t have to understand every detail of that example</a:t>
-            </a:r>
-          </a:p>
-          <a:p>
-            <a:pPr lvl="1"/>
-            <a:r>
-              <a:rPr lang="en-US" dirty="0"/>
-              <a:t>__new__ is difficult to work with</a:t>
-            </a:r>
-          </a:p>
-          <a:p>
-            <a:pPr lvl="1"/>
-            <a:r>
-              <a:rPr lang="en-US" dirty="0"/>
-              <a:t>However, it will come back up when we start talking about meta classes</a:t>
-            </a:r>
-          </a:p>
-          <a:p>
-            <a:pPr lvl="1"/>
-            <a:endParaRPr lang="en-US" dirty="0"/>
-          </a:p>
-          <a:p>
-            <a:r>
-              <a:rPr lang="en-US" dirty="0"/>
-              <a:t>Subclasses of </a:t>
-            </a:r>
-            <a:r>
-              <a:rPr lang="en-US" i="1" dirty="0"/>
-              <a:t>tuple, </a:t>
-            </a:r>
-            <a:r>
-              <a:rPr lang="en-US" dirty="0"/>
-              <a:t>like Point, are very nice</a:t>
-            </a:r>
-          </a:p>
-          <a:p>
-            <a:pPr lvl="1"/>
-            <a:r>
-              <a:rPr lang="en-US" i="1" dirty="0"/>
-              <a:t>but a pain to make,</a:t>
-            </a:r>
-          </a:p>
-          <a:p>
-            <a:pPr lvl="1"/>
-            <a:r>
-              <a:rPr lang="en-US" dirty="0"/>
-              <a:t>so, we have a built in function that makes classes like Point automatically</a:t>
-            </a:r>
-            <a:endParaRPr lang="en-US" i="1" dirty="0"/>
-          </a:p>
-        </p:txBody>
-      </p:sp>
-    </p:spTree>
-    <p:extLst>
-      <p:ext uri="{BB962C8B-B14F-4D97-AF65-F5344CB8AC3E}">
-        <p14:creationId xmlns:p14="http://schemas.microsoft.com/office/powerpoint/2010/main" val="3960277868"/>
-      </p:ext>
-    </p:extLst>
-  </p:cSld>
-  <p:clrMapOvr>
-    <a:masterClrMapping/>
-  </p:clrMapOvr>
-  <p:timing>
-    <p:tnLst>
-      <p:par>
-        <p:cTn id="1" dur="indefinite" restart="never" nodeType="tmRoot">
-          <p:childTnLst>
-            <p:seq concurrent="1" nextAc="seek">
-              <p:cTn id="2" dur="indefinite" nodeType="mainSeq">
-                <p:childTnLst>
-                  <p:par>
-                    <p:cTn id="3" fill="hold">
-                      <p:stCondLst>
-                        <p:cond delay="indefinite"/>
-                      </p:stCondLst>
-                      <p:childTnLst>
-                        <p:par>
-                          <p:cTn id="4" fill="hold">
-                            <p:stCondLst>
-                              <p:cond delay="0"/>
-                            </p:stCondLst>
-                            <p:childTnLst>
-                              <p:par>
-                                <p:cTn id="5" presetID="1" presetClass="entr" presetSubtype="0" fill="hold" grpId="0" nodeType="clickEffect">
-                                  <p:stCondLst>
-                                    <p:cond delay="0"/>
-                                  </p:stCondLst>
-                                  <p:childTnLst>
-                                    <p:set>
-                                      <p:cBhvr>
-                                        <p:cTn id="6" dur="1" fill="hold">
-                                          <p:stCondLst>
-                                            <p:cond delay="0"/>
-                                          </p:stCondLst>
-                                        </p:cTn>
-                                        <p:tgtEl>
-                                          <p:spTgt spid="3">
-                                            <p:txEl>
-                                              <p:pRg st="0" end="0"/>
-                                            </p:txEl>
-                                          </p:spTgt>
-                                        </p:tgtEl>
-                                        <p:attrNameLst>
-                                          <p:attrName>style.visibility</p:attrName>
-                                        </p:attrNameLst>
-                                      </p:cBhvr>
-                                      <p:to>
-                                        <p:strVal val="visible"/>
-                                      </p:to>
-                                    </p:set>
-                                  </p:childTnLst>
-                                </p:cTn>
-                              </p:par>
-                            </p:childTnLst>
-                          </p:cTn>
-                        </p:par>
-                      </p:childTnLst>
-                    </p:cTn>
-                  </p:par>
-                  <p:par>
-                    <p:cTn id="7" fill="hold">
-                      <p:stCondLst>
-                        <p:cond delay="indefinite"/>
-                      </p:stCondLst>
-                      <p:childTnLst>
-                        <p:par>
-                          <p:cTn id="8" fill="hold">
-                            <p:stCondLst>
-                              <p:cond delay="0"/>
-                            </p:stCondLst>
-                            <p:childTnLst>
-                              <p:par>
-                                <p:cTn id="9" presetID="1" presetClass="entr" presetSubtype="0" fill="hold" grpId="0" nodeType="clickEffect">
-                                  <p:stCondLst>
-                                    <p:cond delay="0"/>
-                                  </p:stCondLst>
-                                  <p:childTnLst>
-                                    <p:set>
-                                      <p:cBhvr>
-                                        <p:cTn id="10" dur="1" fill="hold">
-                                          <p:stCondLst>
-                                            <p:cond delay="0"/>
-                                          </p:stCondLst>
-                                        </p:cTn>
-                                        <p:tgtEl>
-                                          <p:spTgt spid="3">
-                                            <p:txEl>
-                                              <p:pRg st="1" end="1"/>
-                                            </p:txEl>
-                                          </p:spTgt>
-                                        </p:tgtEl>
-                                        <p:attrNameLst>
-                                          <p:attrName>style.visibility</p:attrName>
-                                        </p:attrNameLst>
-                                      </p:cBhvr>
-                                      <p:to>
-                                        <p:strVal val="visible"/>
-                                      </p:to>
-                                    </p:set>
-                                  </p:childTnLst>
-                                </p:cTn>
-                              </p:par>
-                            </p:childTnLst>
-                          </p:cTn>
-                        </p:par>
-                      </p:childTnLst>
-                    </p:cTn>
-                  </p:par>
-                  <p:par>
-                    <p:cTn id="11" fill="hold">
-                      <p:stCondLst>
-                        <p:cond delay="indefinite"/>
-                      </p:stCondLst>
-                      <p:childTnLst>
-                        <p:par>
-                          <p:cTn id="12" fill="hold">
-                            <p:stCondLst>
-                              <p:cond delay="0"/>
-                            </p:stCondLst>
-                            <p:childTnLst>
-                              <p:par>
-                                <p:cTn id="13" presetID="1" presetClass="entr" presetSubtype="0" fill="hold" grpId="0" nodeType="clickEffect">
-                                  <p:stCondLst>
-                                    <p:cond delay="0"/>
-                                  </p:stCondLst>
-                                  <p:childTnLst>
-                                    <p:set>
-                                      <p:cBhvr>
-                                        <p:cTn id="14" dur="1" fill="hold">
-                                          <p:stCondLst>
-                                            <p:cond delay="0"/>
-                                          </p:stCondLst>
-                                        </p:cTn>
-                                        <p:tgtEl>
-                                          <p:spTgt spid="3">
-                                            <p:txEl>
-                                              <p:pRg st="2" end="2"/>
-                                            </p:txEl>
-                                          </p:spTgt>
-                                        </p:tgtEl>
-                                        <p:attrNameLst>
-                                          <p:attrName>style.visibility</p:attrName>
-                                        </p:attrNameLst>
-                                      </p:cBhvr>
-                                      <p:to>
-                                        <p:strVal val="visible"/>
-                                      </p:to>
-                                    </p:set>
-                                  </p:childTnLst>
-                                </p:cTn>
-                              </p:par>
-                            </p:childTnLst>
-                          </p:cTn>
-                        </p:par>
-                      </p:childTnLst>
-                    </p:cTn>
-                  </p:par>
-                  <p:par>
-                    <p:cTn id="15" fill="hold">
-                      <p:stCondLst>
-                        <p:cond delay="indefinite"/>
-                      </p:stCondLst>
-                      <p:childTnLst>
-                        <p:par>
-                          <p:cTn id="16" fill="hold">
-                            <p:stCondLst>
-                              <p:cond delay="0"/>
-                            </p:stCondLst>
-                            <p:childTnLst>
-                              <p:par>
-                                <p:cTn id="17" presetID="1" presetClass="entr" presetSubtype="0" fill="hold" grpId="0" nodeType="clickEffect">
-                                  <p:stCondLst>
-                                    <p:cond delay="0"/>
-                                  </p:stCondLst>
-                                  <p:childTnLst>
-                                    <p:set>
-                                      <p:cBhvr>
-                                        <p:cTn id="18" dur="1" fill="hold">
-                                          <p:stCondLst>
-                                            <p:cond delay="0"/>
-                                          </p:stCondLst>
-                                        </p:cTn>
-                                        <p:tgtEl>
-                                          <p:spTgt spid="3">
-                                            <p:txEl>
-                                              <p:pRg st="4" end="4"/>
-                                            </p:txEl>
-                                          </p:spTgt>
-                                        </p:tgtEl>
-                                        <p:attrNameLst>
-                                          <p:attrName>style.visibility</p:attrName>
-                                        </p:attrNameLst>
-                                      </p:cBhvr>
-                                      <p:to>
-                                        <p:strVal val="visible"/>
-                                      </p:to>
-                                    </p:set>
-                                  </p:childTnLst>
-                                </p:cTn>
-                              </p:par>
-                            </p:childTnLst>
-                          </p:cTn>
-                        </p:par>
-                      </p:childTnLst>
-                    </p:cTn>
-                  </p:par>
-                  <p:par>
-                    <p:cTn id="19" fill="hold">
-                      <p:stCondLst>
-                        <p:cond delay="indefinite"/>
-                      </p:stCondLst>
-                      <p:childTnLst>
-                        <p:par>
-                          <p:cTn id="20" fill="hold">
-                            <p:stCondLst>
-                              <p:cond delay="0"/>
-                            </p:stCondLst>
-                            <p:childTnLst>
-                              <p:par>
-                                <p:cTn id="21" presetID="1" presetClass="entr" presetSubtype="0" fill="hold" grpId="0" nodeType="clickEffect">
-                                  <p:stCondLst>
-                                    <p:cond delay="0"/>
-                                  </p:stCondLst>
-                                  <p:childTnLst>
-                                    <p:set>
-                                      <p:cBhvr>
-                                        <p:cTn id="22" dur="1" fill="hold">
-                                          <p:stCondLst>
-                                            <p:cond delay="0"/>
-                                          </p:stCondLst>
-                                        </p:cTn>
-                                        <p:tgtEl>
-                                          <p:spTgt spid="3">
-                                            <p:txEl>
-                                              <p:pRg st="5" end="5"/>
-                                            </p:txEl>
-                                          </p:spTgt>
-                                        </p:tgtEl>
-                                        <p:attrNameLst>
-                                          <p:attrName>style.visibility</p:attrName>
-                                        </p:attrNameLst>
-                                      </p:cBhvr>
-                                      <p:to>
-                                        <p:strVal val="visible"/>
-                                      </p:to>
-                                    </p:set>
-                                  </p:childTnLst>
-                                </p:cTn>
-                              </p:par>
-                            </p:childTnLst>
-                          </p:cTn>
-                        </p:par>
-                      </p:childTnLst>
-                    </p:cTn>
-                  </p:par>
-                  <p:par>
-                    <p:cTn id="23" fill="hold">
-                      <p:stCondLst>
-                        <p:cond delay="indefinite"/>
-                      </p:stCondLst>
-                      <p:childTnLst>
-                        <p:par>
-                          <p:cTn id="24" fill="hold">
-                            <p:stCondLst>
-                              <p:cond delay="0"/>
-                            </p:stCondLst>
-                            <p:childTnLst>
-                              <p:par>
-                                <p:cTn id="25" presetID="1" presetClass="entr" presetSubtype="0" fill="hold" grpId="0" nodeType="clickEffect">
-                                  <p:stCondLst>
-                                    <p:cond delay="0"/>
-                                  </p:stCondLst>
-                                  <p:childTnLst>
-                                    <p:set>
-                                      <p:cBhvr>
-                                        <p:cTn id="26" dur="1" fill="hold">
-                                          <p:stCondLst>
-                                            <p:cond delay="0"/>
-                                          </p:stCondLst>
-                                        </p:cTn>
-                                        <p:tgtEl>
-                                          <p:spTgt spid="3">
-                                            <p:txEl>
-                                              <p:pRg st="6" end="6"/>
-                                            </p:txEl>
-                                          </p:spTgt>
-                                        </p:tgtEl>
-                                        <p:attrNameLst>
-                                          <p:attrName>style.visibility</p:attrName>
-                                        </p:attrNameLst>
-                                      </p:cBhvr>
-                                      <p:to>
-                                        <p:strVal val="visible"/>
-                                      </p:to>
-                                    </p:set>
-                                  </p:childTnLst>
-                                </p:cTn>
-                              </p:par>
-                            </p:childTnLst>
-                          </p:cTn>
-                        </p:par>
-                      </p:childTnLst>
-                    </p:cTn>
-                  </p:par>
-                </p:childTnLst>
-              </p:cTn>
-              <p:prevCondLst>
-                <p:cond evt="onPrev" delay="0">
-                  <p:tgtEl>
-                    <p:sldTgt/>
-                  </p:tgtEl>
-                </p:cond>
-              </p:prevCondLst>
-              <p:nextCondLst>
-                <p:cond evt="onNext" delay="0">
-                  <p:tgtEl>
-                    <p:sldTgt/>
-                  </p:tgtEl>
-                </p:cond>
-              </p:nextCondLst>
-            </p:seq>
-          </p:childTnLst>
-        </p:cTn>
-      </p:par>
-    </p:tnLst>
-    <p:bldLst>
-      <p:bldP spid="3" grpId="0" build="p" bldLvl="2"/>
     </p:bldLst>
   </p:timing>
 </p:sld>

--- a/slides/01-PythonInheritance.pptx
+++ b/slides/01-PythonInheritance.pptx
@@ -5,7 +5,7 @@
     <p:sldMasterId id="2147483696" r:id="rId1"/>
   </p:sldMasterIdLst>
   <p:notesMasterIdLst>
-    <p:notesMasterId r:id="rId22"/>
+    <p:notesMasterId r:id="rId23"/>
   </p:notesMasterIdLst>
   <p:sldIdLst>
     <p:sldId id="256" r:id="rId2"/>
@@ -28,6 +28,7 @@
     <p:sldId id="274" r:id="rId19"/>
     <p:sldId id="275" r:id="rId20"/>
     <p:sldId id="276" r:id="rId21"/>
+    <p:sldId id="279" r:id="rId22"/>
   </p:sldIdLst>
   <p:sldSz cx="12192000" cy="6858000"/>
   <p:notesSz cx="6858000" cy="9144000"/>
@@ -216,7 +217,7 @@
           <a:p>
             <a:fld id="{27CEEA13-23F5-194B-B1CF-CF175090CBFA}" type="datetimeFigureOut">
               <a:rPr lang="en-US" smtClean="0"/>
-              <a:t>9/4/18</a:t>
+              <a:t>9/9/18</a:t>
             </a:fld>
             <a:endParaRPr lang="en-US"/>
           </a:p>
@@ -1212,7 +1213,7 @@
           <a:p>
             <a:fld id="{2DD5D53E-635E-BD41-B5CC-A796D6DD661B}" type="datetimeFigureOut">
               <a:rPr lang="en-US" smtClean="0"/>
-              <a:t>9/4/18</a:t>
+              <a:t>9/9/18</a:t>
             </a:fld>
             <a:endParaRPr lang="en-US"/>
           </a:p>
@@ -1542,7 +1543,7 @@
           <a:p>
             <a:fld id="{2DD5D53E-635E-BD41-B5CC-A796D6DD661B}" type="datetimeFigureOut">
               <a:rPr lang="en-US" smtClean="0"/>
-              <a:t>9/4/18</a:t>
+              <a:t>9/9/18</a:t>
             </a:fld>
             <a:endParaRPr lang="en-US"/>
           </a:p>
@@ -1722,7 +1723,7 @@
           <a:p>
             <a:fld id="{2DD5D53E-635E-BD41-B5CC-A796D6DD661B}" type="datetimeFigureOut">
               <a:rPr lang="en-US" smtClean="0"/>
-              <a:t>9/4/18</a:t>
+              <a:t>9/9/18</a:t>
             </a:fld>
             <a:endParaRPr lang="en-US"/>
           </a:p>
@@ -1892,7 +1893,7 @@
           <a:p>
             <a:fld id="{2DD5D53E-635E-BD41-B5CC-A796D6DD661B}" type="datetimeFigureOut">
               <a:rPr lang="en-US" smtClean="0"/>
-              <a:t>9/4/18</a:t>
+              <a:t>9/9/18</a:t>
             </a:fld>
             <a:endParaRPr lang="en-US"/>
           </a:p>
@@ -2164,7 +2165,7 @@
           <a:p>
             <a:fld id="{2DD5D53E-635E-BD41-B5CC-A796D6DD661B}" type="datetimeFigureOut">
               <a:rPr lang="en-US" smtClean="0"/>
-              <a:t>9/4/18</a:t>
+              <a:t>9/9/18</a:t>
             </a:fld>
             <a:endParaRPr lang="en-US"/>
           </a:p>
@@ -2558,7 +2559,7 @@
           <a:p>
             <a:fld id="{2DD5D53E-635E-BD41-B5CC-A796D6DD661B}" type="datetimeFigureOut">
               <a:rPr lang="en-US" smtClean="0"/>
-              <a:t>9/4/18</a:t>
+              <a:t>9/9/18</a:t>
             </a:fld>
             <a:endParaRPr lang="en-US"/>
           </a:p>
@@ -3035,7 +3036,7 @@
           <a:p>
             <a:fld id="{2DD5D53E-635E-BD41-B5CC-A796D6DD661B}" type="datetimeFigureOut">
               <a:rPr lang="en-US" smtClean="0"/>
-              <a:t>9/4/18</a:t>
+              <a:t>9/9/18</a:t>
             </a:fld>
             <a:endParaRPr lang="en-US"/>
           </a:p>
@@ -3153,7 +3154,7 @@
           <a:p>
             <a:fld id="{2DD5D53E-635E-BD41-B5CC-A796D6DD661B}" type="datetimeFigureOut">
               <a:rPr lang="en-US" smtClean="0"/>
-              <a:t>9/4/18</a:t>
+              <a:t>9/9/18</a:t>
             </a:fld>
             <a:endParaRPr lang="en-US"/>
           </a:p>
@@ -3248,7 +3249,7 @@
           <a:p>
             <a:fld id="{2DD5D53E-635E-BD41-B5CC-A796D6DD661B}" type="datetimeFigureOut">
               <a:rPr lang="en-US" smtClean="0"/>
-              <a:t>9/4/18</a:t>
+              <a:t>9/9/18</a:t>
             </a:fld>
             <a:endParaRPr lang="en-US"/>
           </a:p>
@@ -3594,7 +3595,7 @@
           <a:p>
             <a:fld id="{2DD5D53E-635E-BD41-B5CC-A796D6DD661B}" type="datetimeFigureOut">
               <a:rPr lang="en-US" smtClean="0"/>
-              <a:t>9/4/18</a:t>
+              <a:t>9/9/18</a:t>
             </a:fld>
             <a:endParaRPr lang="en-US"/>
           </a:p>
@@ -3982,7 +3983,7 @@
           <a:p>
             <a:fld id="{2DD5D53E-635E-BD41-B5CC-A796D6DD661B}" type="datetimeFigureOut">
               <a:rPr lang="en-US" smtClean="0"/>
-              <a:t>9/4/18</a:t>
+              <a:t>9/9/18</a:t>
             </a:fld>
             <a:endParaRPr lang="en-US"/>
           </a:p>
@@ -4257,7 +4258,7 @@
           <a:p>
             <a:fld id="{2DD5D53E-635E-BD41-B5CC-A796D6DD661B}" type="datetimeFigureOut">
               <a:rPr lang="en-US" smtClean="0"/>
-              <a:t>9/4/18</a:t>
+              <a:t>9/9/18</a:t>
             </a:fld>
             <a:endParaRPr lang="en-US"/>
           </a:p>
@@ -21754,6 +21755,95 @@
       <p:bldP spid="4" grpId="0" uiExpand="1" build="p" animBg="1"/>
     </p:bldLst>
   </p:timing>
+</p:sld>
+</file>
+
+<file path=ppt/slides/slide21.xml><?xml version="1.0" encoding="utf-8"?>
+<p:sld xmlns:a="http://schemas.openxmlformats.org/drawingml/2006/main" xmlns:r="http://schemas.openxmlformats.org/officeDocument/2006/relationships" xmlns:p="http://schemas.openxmlformats.org/presentationml/2006/main">
+  <p:cSld>
+    <p:spTree>
+      <p:nvGrpSpPr>
+        <p:cNvPr id="1" name=""/>
+        <p:cNvGrpSpPr/>
+        <p:nvPr/>
+      </p:nvGrpSpPr>
+      <p:grpSpPr>
+        <a:xfrm>
+          <a:off x="0" y="0"/>
+          <a:ext cx="0" cy="0"/>
+          <a:chOff x="0" y="0"/>
+          <a:chExt cx="0" cy="0"/>
+        </a:xfrm>
+      </p:grpSpPr>
+      <p:sp>
+        <p:nvSpPr>
+          <p:cNvPr id="2" name="Title 1">
+            <a:extLst>
+              <a:ext uri="{FF2B5EF4-FFF2-40B4-BE49-F238E27FC236}">
+                <a16:creationId xmlns:a16="http://schemas.microsoft.com/office/drawing/2014/main" id="{E2F8E18C-8FED-0843-84FB-B3176F040560}"/>
+              </a:ext>
+            </a:extLst>
+          </p:cNvPr>
+          <p:cNvSpPr>
+            <a:spLocks noGrp="1"/>
+          </p:cNvSpPr>
+          <p:nvPr>
+            <p:ph type="title"/>
+          </p:nvPr>
+        </p:nvSpPr>
+        <p:spPr/>
+        <p:txBody>
+          <a:bodyPr/>
+          <a:lstStyle/>
+          <a:p>
+            <a:r>
+              <a:rPr lang="en-US" dirty="0"/>
+              <a:t>Let’s Give Group Coding Another Try</a:t>
+            </a:r>
+          </a:p>
+        </p:txBody>
+      </p:sp>
+      <p:sp>
+        <p:nvSpPr>
+          <p:cNvPr id="3" name="Content Placeholder 2">
+            <a:extLst>
+              <a:ext uri="{FF2B5EF4-FFF2-40B4-BE49-F238E27FC236}">
+                <a16:creationId xmlns:a16="http://schemas.microsoft.com/office/drawing/2014/main" id="{667B8492-7F41-B14C-9CAA-503850A41A66}"/>
+              </a:ext>
+            </a:extLst>
+          </p:cNvPr>
+          <p:cNvSpPr>
+            <a:spLocks noGrp="1"/>
+          </p:cNvSpPr>
+          <p:nvPr>
+            <p:ph idx="1"/>
+          </p:nvPr>
+        </p:nvSpPr>
+        <p:spPr/>
+        <p:txBody>
+          <a:bodyPr/>
+          <a:lstStyle/>
+          <a:p>
+            <a:r>
+              <a:rPr lang="en-US" dirty="0"/>
+              <a:t>Go ahead an get Atom up and running</a:t>
+            </a:r>
+          </a:p>
+          <a:p>
+            <a:endParaRPr lang="en-US" dirty="0"/>
+          </a:p>
+        </p:txBody>
+      </p:sp>
+    </p:spTree>
+    <p:extLst>
+      <p:ext uri="{BB962C8B-B14F-4D97-AF65-F5344CB8AC3E}">
+        <p14:creationId xmlns:p14="http://schemas.microsoft.com/office/powerpoint/2010/main" val="3983277169"/>
+      </p:ext>
+    </p:extLst>
+  </p:cSld>
+  <p:clrMapOvr>
+    <a:masterClrMapping/>
+  </p:clrMapOvr>
 </p:sld>
 </file>
 
